--- a/presentation/submission2_optimization.pptx
+++ b/presentation/submission2_optimization.pptx
@@ -5,24 +5,26 @@
     <p:sldMasterId id="2147483709" r:id="rId4"/>
   </p:sldMasterIdLst>
   <p:notesMasterIdLst>
-    <p:notesMasterId r:id="rId17"/>
+    <p:notesMasterId r:id="rId19"/>
   </p:notesMasterIdLst>
   <p:handoutMasterIdLst>
-    <p:handoutMasterId r:id="rId18"/>
+    <p:handoutMasterId r:id="rId20"/>
   </p:handoutMasterIdLst>
   <p:sldIdLst>
     <p:sldId id="256" r:id="rId5"/>
     <p:sldId id="287" r:id="rId6"/>
-    <p:sldId id="286" r:id="rId7"/>
-    <p:sldId id="288" r:id="rId8"/>
-    <p:sldId id="289" r:id="rId9"/>
-    <p:sldId id="295" r:id="rId10"/>
-    <p:sldId id="294" r:id="rId11"/>
-    <p:sldId id="292" r:id="rId12"/>
-    <p:sldId id="283" r:id="rId13"/>
-    <p:sldId id="290" r:id="rId14"/>
-    <p:sldId id="284" r:id="rId15"/>
-    <p:sldId id="282" r:id="rId16"/>
+    <p:sldId id="296" r:id="rId7"/>
+    <p:sldId id="297" r:id="rId8"/>
+    <p:sldId id="286" r:id="rId9"/>
+    <p:sldId id="288" r:id="rId10"/>
+    <p:sldId id="289" r:id="rId11"/>
+    <p:sldId id="295" r:id="rId12"/>
+    <p:sldId id="294" r:id="rId13"/>
+    <p:sldId id="292" r:id="rId14"/>
+    <p:sldId id="283" r:id="rId15"/>
+    <p:sldId id="290" r:id="rId16"/>
+    <p:sldId id="284" r:id="rId17"/>
+    <p:sldId id="282" r:id="rId18"/>
   </p:sldIdLst>
   <p:sldSz cx="12192000" cy="6858000"/>
   <p:notesSz cx="6858000" cy="9144000"/>
@@ -128,6 +130,8 @@
           <p14:sldIdLst>
             <p14:sldId id="256"/>
             <p14:sldId id="287"/>
+            <p14:sldId id="296"/>
+            <p14:sldId id="297"/>
             <p14:sldId id="286"/>
             <p14:sldId id="288"/>
             <p14:sldId id="289"/>
@@ -278,7 +282,7 @@
           <a:p>
             <a:fld id="{80680FBE-A8DF-4758-9AC4-3A9E1039168F}" type="datetimeFigureOut">
               <a:rPr lang="en-US" smtClean="0"/>
-              <a:t>2/17/20</a:t>
+              <a:t>2/25/2020</a:t>
             </a:fld>
             <a:endParaRPr lang="en-US" dirty="0"/>
           </a:p>
@@ -443,7 +447,7 @@
           <a:p>
             <a:fld id="{EC13577B-6902-467D-A26C-08A0DD5E4E03}" type="datetimeFigureOut">
               <a:rPr lang="en-US" smtClean="0"/>
-              <a:t>2/17/20</a:t>
+              <a:t>2/25/2020</a:t>
             </a:fld>
             <a:endParaRPr lang="en-US" dirty="0"/>
           </a:p>
@@ -826,12 +830,7 @@
             <p:ph type="sldImg"/>
           </p:nvPr>
         </p:nvSpPr>
-        <p:spPr>
-          <a:xfrm>
-            <a:off x="685800" y="1143000"/>
-            <a:ext cx="5486400" cy="3086100"/>
-          </a:xfrm>
-        </p:spPr>
+        <p:spPr/>
       </p:sp>
       <p:sp>
         <p:nvSpPr>
@@ -848,11 +847,104 @@
           <a:bodyPr/>
           <a:lstStyle/>
           <a:p>
-            <a:pPr marL="285750" indent="-285750">
-              <a:buFontTx/>
-              <a:buChar char="-"/>
-            </a:pPr>
-            <a:endParaRPr lang="en-US" altLang="zh-CN" dirty="0"/>
+            <a:r>
+              <a:rPr lang="en-US" altLang="zh-CN" dirty="0"/>
+              <a:t>Left:</a:t>
+            </a:r>
+            <a:r>
+              <a:rPr lang="zh-CN" altLang="en-US" dirty="0"/>
+              <a:t> </a:t>
+            </a:r>
+            <a:r>
+              <a:rPr lang="en-US" altLang="zh-CN" dirty="0"/>
+              <a:t>﻿The </a:t>
+            </a:r>
+            <a:r>
+              <a:rPr lang="en-US" altLang="zh-CN" dirty="0" err="1"/>
+              <a:t>quickprop</a:t>
+            </a:r>
+            <a:r>
+              <a:rPr lang="en-US" altLang="zh-CN" dirty="0"/>
+              <a:t> weight update takes the error derivatives at two points separated by</a:t>
+            </a:r>
+            <a:r>
+              <a:rPr lang="zh-CN" altLang="en-US" dirty="0"/>
+              <a:t> </a:t>
+            </a:r>
+            <a:r>
+              <a:rPr lang="en-US" altLang="zh-CN" dirty="0"/>
+              <a:t>a known amount, and by</a:t>
+            </a:r>
+            <a:r>
+              <a:rPr lang="zh-CN" altLang="en-US" dirty="0"/>
+              <a:t> </a:t>
+            </a:r>
+            <a:r>
+              <a:rPr lang="en-US" altLang="zh-CN" dirty="0"/>
+              <a:t>Eq. 51 makes its next weight value. If the error can be fully</a:t>
+            </a:r>
+            <a:r>
+              <a:rPr lang="zh-CN" altLang="en-US" dirty="0"/>
+              <a:t> </a:t>
+            </a:r>
+            <a:r>
+              <a:rPr lang="en-US" altLang="zh-CN" dirty="0"/>
+              <a:t>expressed as a second-order function, then the weight update</a:t>
+            </a:r>
+            <a:endParaRPr lang="en-US" dirty="0"/>
+          </a:p>
+          <a:p>
+            <a:endParaRPr lang="en-CN" dirty="0"/>
+          </a:p>
+          <a:p>
+            <a:r>
+              <a:rPr lang="en-US" altLang="zh-CN" dirty="0"/>
+              <a:t>Right:</a:t>
+            </a:r>
+            <a:r>
+              <a:rPr lang="zh-CN" altLang="en-US" dirty="0"/>
+              <a:t> </a:t>
+            </a:r>
+            <a:r>
+              <a:rPr lang="en-US" altLang="zh-CN" dirty="0"/>
+              <a:t>﻿Conjugate gradient descent in weight space employs a sequence of line searches. If ∆w(1) is the first descent direction, the second direction obeys ∆</a:t>
+            </a:r>
+            <a:r>
+              <a:rPr lang="en-US" altLang="zh-CN" dirty="0" err="1"/>
+              <a:t>wt</a:t>
+            </a:r>
+            <a:r>
+              <a:rPr lang="en-US" altLang="zh-CN" dirty="0"/>
+              <a:t>(1)</a:t>
+            </a:r>
+            <a:r>
+              <a:rPr lang="en-US" altLang="zh-CN" dirty="0" err="1"/>
+              <a:t>H∆w</a:t>
+            </a:r>
+            <a:r>
+              <a:rPr lang="en-US" altLang="zh-CN" dirty="0"/>
+              <a:t>(2) = 0. Note especially</a:t>
+            </a:r>
+            <a:r>
+              <a:rPr lang="zh-CN" altLang="en-US" dirty="0"/>
+              <a:t> </a:t>
+            </a:r>
+            <a:r>
+              <a:rPr lang="en-US" altLang="zh-CN" dirty="0"/>
+              <a:t>that along this second descent, the gradient changes only</a:t>
+            </a:r>
+            <a:r>
+              <a:rPr lang="zh-CN" altLang="en-US" dirty="0"/>
+              <a:t> </a:t>
+            </a:r>
+            <a:r>
+              <a:rPr lang="en-US" altLang="zh-CN" dirty="0"/>
+              <a:t>in magnitude, not direction; as such the second descent does not “spoil” the contribution due to the previous line search. In the case where the Hessian is diagonal (right), the directions of the line searches are orthogonal.</a:t>
+            </a:r>
+            <a:endParaRPr lang="en-CN" dirty="0"/>
+          </a:p>
+          <a:p>
+            <a:endParaRPr lang="en-CN" dirty="0"/>
           </a:p>
         </p:txBody>
       </p:sp>
@@ -863,7 +955,7 @@
             <a:spLocks noGrp="1"/>
           </p:cNvSpPr>
           <p:nvPr>
-            <p:ph type="sldNum" sz="quarter" idx="10"/>
+            <p:ph type="sldNum" sz="quarter" idx="5"/>
           </p:nvPr>
         </p:nvSpPr>
         <p:spPr/>
@@ -873,7 +965,7 @@
           <a:p>
             <a:fld id="{DF61EA0F-A667-4B49-8422-0062BC55E249}" type="slidenum">
               <a:rPr lang="en-US" smtClean="0"/>
-              <a:t>10</a:t>
+              <a:t>11</a:t>
             </a:fld>
             <a:endParaRPr lang="en-US" dirty="0"/>
           </a:p>
@@ -882,7 +974,7 @@
     </p:spTree>
     <p:extLst>
       <p:ext uri="{BB962C8B-B14F-4D97-AF65-F5344CB8AC3E}">
-        <p14:creationId xmlns:p14="http://schemas.microsoft.com/office/powerpoint/2010/main" val="2540006574"/>
+        <p14:creationId xmlns:p14="http://schemas.microsoft.com/office/powerpoint/2010/main" val="1919789098"/>
       </p:ext>
     </p:extLst>
   </p:cSld>
@@ -919,7 +1011,12 @@
             <p:ph type="sldImg"/>
           </p:nvPr>
         </p:nvSpPr>
-        <p:spPr/>
+        <p:spPr>
+          <a:xfrm>
+            <a:off x="685800" y="1143000"/>
+            <a:ext cx="5486400" cy="3086100"/>
+          </a:xfrm>
+        </p:spPr>
       </p:sp>
       <p:sp>
         <p:nvSpPr>
@@ -936,45 +1033,11 @@
           <a:bodyPr/>
           <a:lstStyle/>
           <a:p>
-            <a:r>
-              <a:rPr lang="en-US" altLang="zh-CN" dirty="0"/>
-              <a:t>right:</a:t>
-            </a:r>
-            <a:r>
-              <a:rPr lang="zh-CN" altLang="en-US" dirty="0"/>
-              <a:t> </a:t>
-            </a:r>
-            <a:r>
-              <a:rPr lang="en-US" dirty="0"/>
-              <a:t>One of them is having a non-</a:t>
-            </a:r>
-            <a:r>
-              <a:rPr lang="en-US" dirty="0">
-                <a:hlinkClick r:id="rId3" tooltip="Smoothness"/>
-              </a:rPr>
-              <a:t>smooth</a:t>
-            </a:r>
-            <a:r>
-              <a:rPr lang="en-US" dirty="0"/>
-              <a:t> multivariable function. The following picture shows that coordinate descent iteration may get stuck at a non-</a:t>
-            </a:r>
-            <a:r>
-              <a:rPr lang="en-US" dirty="0">
-                <a:hlinkClick r:id="rId4" tooltip="Stationary point"/>
-              </a:rPr>
-              <a:t>stationary point</a:t>
-            </a:r>
-            <a:r>
-              <a:rPr lang="en-US" dirty="0"/>
-              <a:t> if the level curves of a function are not smooth. Suppose that the algorithm is at the point (-2, -2); then there are two axis-aligned directions it can consider for taking a step, indicated by the red arrows. However, every step along these two directions will increase the objective function's value (assuming a minimization problem), so the algorithm will not take any step, even though both steps together would bring the algorithm closer to the optimum. While this example shows that coordinate descent is not necessarily convergent to the optimum, it is possible to show formal convergence under reasonable conditions.</a:t>
-            </a:r>
-            <a:r>
-              <a:rPr lang="en-US" baseline="30000" dirty="0">
-                <a:hlinkClick r:id="rId5"/>
-              </a:rPr>
-              <a:t>[3]</a:t>
-            </a:r>
-            <a:endParaRPr lang="en-CN" dirty="0"/>
+            <a:pPr marL="285750" indent="-285750">
+              <a:buFontTx/>
+              <a:buChar char="-"/>
+            </a:pPr>
+            <a:endParaRPr lang="en-US" altLang="zh-CN" dirty="0"/>
           </a:p>
         </p:txBody>
       </p:sp>
@@ -985,7 +1048,7 @@
             <a:spLocks noGrp="1"/>
           </p:cNvSpPr>
           <p:nvPr>
-            <p:ph type="sldNum" sz="quarter" idx="5"/>
+            <p:ph type="sldNum" sz="quarter" idx="10"/>
           </p:nvPr>
         </p:nvSpPr>
         <p:spPr/>
@@ -995,7 +1058,7 @@
           <a:p>
             <a:fld id="{DF61EA0F-A667-4B49-8422-0062BC55E249}" type="slidenum">
               <a:rPr lang="en-US" smtClean="0"/>
-              <a:t>11</a:t>
+              <a:t>12</a:t>
             </a:fld>
             <a:endParaRPr lang="en-US" dirty="0"/>
           </a:p>
@@ -1004,7 +1067,7 @@
     </p:spTree>
     <p:extLst>
       <p:ext uri="{BB962C8B-B14F-4D97-AF65-F5344CB8AC3E}">
-        <p14:creationId xmlns:p14="http://schemas.microsoft.com/office/powerpoint/2010/main" val="597373796"/>
+        <p14:creationId xmlns:p14="http://schemas.microsoft.com/office/powerpoint/2010/main" val="2540006574"/>
       </p:ext>
     </p:extLst>
   </p:cSld>
@@ -1041,6 +1104,128 @@
             <p:ph type="sldImg"/>
           </p:nvPr>
         </p:nvSpPr>
+        <p:spPr/>
+      </p:sp>
+      <p:sp>
+        <p:nvSpPr>
+          <p:cNvPr id="3" name="Notes Placeholder 2"/>
+          <p:cNvSpPr>
+            <a:spLocks noGrp="1"/>
+          </p:cNvSpPr>
+          <p:nvPr>
+            <p:ph type="body" idx="1"/>
+          </p:nvPr>
+        </p:nvSpPr>
+        <p:spPr/>
+        <p:txBody>
+          <a:bodyPr/>
+          <a:lstStyle/>
+          <a:p>
+            <a:r>
+              <a:rPr lang="en-US" altLang="zh-CN" dirty="0"/>
+              <a:t>right:</a:t>
+            </a:r>
+            <a:r>
+              <a:rPr lang="zh-CN" altLang="en-US" dirty="0"/>
+              <a:t> </a:t>
+            </a:r>
+            <a:r>
+              <a:rPr lang="en-US" dirty="0"/>
+              <a:t>One of them is having a non-</a:t>
+            </a:r>
+            <a:r>
+              <a:rPr lang="en-US" dirty="0">
+                <a:hlinkClick r:id="rId3" tooltip="Smoothness"/>
+              </a:rPr>
+              <a:t>smooth</a:t>
+            </a:r>
+            <a:r>
+              <a:rPr lang="en-US" dirty="0"/>
+              <a:t> multivariable function. The following picture shows that coordinate descent iteration may get stuck at a non-</a:t>
+            </a:r>
+            <a:r>
+              <a:rPr lang="en-US" dirty="0">
+                <a:hlinkClick r:id="rId4" tooltip="Stationary point"/>
+              </a:rPr>
+              <a:t>stationary point</a:t>
+            </a:r>
+            <a:r>
+              <a:rPr lang="en-US" dirty="0"/>
+              <a:t> if the level curves of a function are not smooth. Suppose that the algorithm is at the point (-2, -2); then there are two axis-aligned directions it can consider for taking a step, indicated by the red arrows. However, every step along these two directions will increase the objective function's value (assuming a minimization problem), so the algorithm will not take any step, even though both steps together would bring the algorithm closer to the optimum. While this example shows that coordinate descent is not necessarily convergent to the optimum, it is possible to show formal convergence under reasonable conditions.</a:t>
+            </a:r>
+            <a:r>
+              <a:rPr lang="en-US" baseline="30000" dirty="0">
+                <a:hlinkClick r:id="rId5"/>
+              </a:rPr>
+              <a:t>[3]</a:t>
+            </a:r>
+            <a:endParaRPr lang="en-CN" dirty="0"/>
+          </a:p>
+        </p:txBody>
+      </p:sp>
+      <p:sp>
+        <p:nvSpPr>
+          <p:cNvPr id="4" name="Slide Number Placeholder 3"/>
+          <p:cNvSpPr>
+            <a:spLocks noGrp="1"/>
+          </p:cNvSpPr>
+          <p:nvPr>
+            <p:ph type="sldNum" sz="quarter" idx="5"/>
+          </p:nvPr>
+        </p:nvSpPr>
+        <p:spPr/>
+        <p:txBody>
+          <a:bodyPr/>
+          <a:lstStyle/>
+          <a:p>
+            <a:fld id="{DF61EA0F-A667-4B49-8422-0062BC55E249}" type="slidenum">
+              <a:rPr lang="en-US" smtClean="0"/>
+              <a:t>13</a:t>
+            </a:fld>
+            <a:endParaRPr lang="en-US" dirty="0"/>
+          </a:p>
+        </p:txBody>
+      </p:sp>
+    </p:spTree>
+    <p:extLst>
+      <p:ext uri="{BB962C8B-B14F-4D97-AF65-F5344CB8AC3E}">
+        <p14:creationId xmlns:p14="http://schemas.microsoft.com/office/powerpoint/2010/main" val="597373796"/>
+      </p:ext>
+    </p:extLst>
+  </p:cSld>
+  <p:clrMapOvr>
+    <a:masterClrMapping/>
+  </p:clrMapOvr>
+</p:notes>
+</file>
+
+<file path=ppt/notesSlides/notesSlide13.xml><?xml version="1.0" encoding="utf-8"?>
+<p:notes xmlns:a="http://schemas.openxmlformats.org/drawingml/2006/main" xmlns:r="http://schemas.openxmlformats.org/officeDocument/2006/relationships" xmlns:p="http://schemas.openxmlformats.org/presentationml/2006/main">
+  <p:cSld>
+    <p:spTree>
+      <p:nvGrpSpPr>
+        <p:cNvPr id="1" name=""/>
+        <p:cNvGrpSpPr/>
+        <p:nvPr/>
+      </p:nvGrpSpPr>
+      <p:grpSpPr>
+        <a:xfrm>
+          <a:off x="0" y="0"/>
+          <a:ext cx="0" cy="0"/>
+          <a:chOff x="0" y="0"/>
+          <a:chExt cx="0" cy="0"/>
+        </a:xfrm>
+      </p:grpSpPr>
+      <p:sp>
+        <p:nvSpPr>
+          <p:cNvPr id="2" name="Slide Image Placeholder 1"/>
+          <p:cNvSpPr>
+            <a:spLocks noGrp="1" noRot="1" noChangeAspect="1"/>
+          </p:cNvSpPr>
+          <p:nvPr>
+            <p:ph type="sldImg"/>
+          </p:nvPr>
+        </p:nvSpPr>
         <p:spPr>
           <a:xfrm>
             <a:off x="685800" y="1143000"/>
@@ -1092,7 +1277,7 @@
           <a:p>
             <a:fld id="{DF61EA0F-A667-4B49-8422-0062BC55E249}" type="slidenum">
               <a:rPr lang="en-US" smtClean="0"/>
-              <a:t>12</a:t>
+              <a:t>14</a:t>
             </a:fld>
             <a:endParaRPr lang="en-US" dirty="0"/>
           </a:p>
@@ -1166,6 +1351,16 @@
             </a:pPr>
             <a:r>
               <a:rPr lang="en-US" dirty="0"/>
+              <a:t>NN: any continuous function from input to output can be implemented in a three-layer net</a:t>
+            </a:r>
+          </a:p>
+          <a:p>
+            <a:pPr marL="171450" indent="-171450">
+              <a:buFontTx/>
+              <a:buChar char="-"/>
+            </a:pPr>
+            <a:r>
+              <a:rPr lang="en-US" dirty="0"/>
               <a:t>RL: how software agent in the environment to maximize the reward</a:t>
             </a:r>
           </a:p>
@@ -1301,12 +1496,7 @@
             <p:ph type="sldImg"/>
           </p:nvPr>
         </p:nvSpPr>
-        <p:spPr>
-          <a:xfrm>
-            <a:off x="685800" y="1143000"/>
-            <a:ext cx="5486400" cy="3086100"/>
-          </a:xfrm>
-        </p:spPr>
+        <p:spPr/>
       </p:sp>
       <p:sp>
         <p:nvSpPr>
@@ -1324,34 +1514,9 @@
           <a:lstStyle/>
           <a:p>
             <a:r>
-              <a:rPr lang="en-US" altLang="zh-CN" dirty="0"/>
-              <a:t>-</a:t>
-            </a:r>
-            <a:r>
-              <a:rPr lang="zh-CN" altLang="en-US" dirty="0"/>
-              <a:t> </a:t>
-            </a:r>
-            <a:r>
-              <a:rPr lang="en-US" altLang="zh-CN" dirty="0"/>
-              <a:t>Conjugate</a:t>
-            </a:r>
-            <a:r>
-              <a:rPr lang="zh-CN" altLang="en-US" dirty="0"/>
-              <a:t> </a:t>
-            </a:r>
-            <a:r>
-              <a:rPr lang="en-US" altLang="zh-CN" dirty="0"/>
-              <a:t>GD:</a:t>
-            </a:r>
-            <a:r>
-              <a:rPr lang="zh-CN" altLang="en-US" dirty="0"/>
-              <a:t> </a:t>
-            </a:r>
-            <a:r>
-              <a:rPr lang="en-US" altLang="zh-CN" dirty="0"/>
-              <a:t>﻿employs a series of line searches in weight or parameter space.</a:t>
-            </a:r>
-            <a:endParaRPr lang="en-US" dirty="0"/>
+              <a:rPr lang="en-US" dirty="0"/>
+              <a:t>∂ \partial</a:t>
+            </a:r>
           </a:p>
         </p:txBody>
       </p:sp>
@@ -1362,7 +1527,7 @@
             <a:spLocks noGrp="1"/>
           </p:cNvSpPr>
           <p:nvPr>
-            <p:ph type="sldNum" sz="quarter" idx="10"/>
+            <p:ph type="sldNum" sz="quarter" idx="5"/>
           </p:nvPr>
         </p:nvSpPr>
         <p:spPr/>
@@ -1372,7 +1537,7 @@
           <a:p>
             <a:fld id="{DF61EA0F-A667-4B49-8422-0062BC55E249}" type="slidenum">
               <a:rPr lang="en-US" smtClean="0"/>
-              <a:t>3</a:t>
+              <a:t>4</a:t>
             </a:fld>
             <a:endParaRPr lang="en-US" dirty="0"/>
           </a:p>
@@ -1381,7 +1546,7 @@
     </p:spTree>
     <p:extLst>
       <p:ext uri="{BB962C8B-B14F-4D97-AF65-F5344CB8AC3E}">
-        <p14:creationId xmlns:p14="http://schemas.microsoft.com/office/powerpoint/2010/main" val="596990511"/>
+        <p14:creationId xmlns:p14="http://schemas.microsoft.com/office/powerpoint/2010/main" val="2301255231"/>
       </p:ext>
     </p:extLst>
   </p:cSld>
@@ -1441,12 +1606,32 @@
           <a:lstStyle/>
           <a:p>
             <a:r>
-              <a:rPr lang="en-US" dirty="0"/>
-              <a:t>In </a:t>
-            </a:r>
-            <a:r>
-              <a:rPr lang="en-US" baseline="0" dirty="0"/>
-              <a:t>Slide Show mode, select the arrows to visit links.</a:t>
+              <a:rPr lang="en-US" altLang="zh-CN" dirty="0"/>
+              <a:t>-</a:t>
+            </a:r>
+            <a:r>
+              <a:rPr lang="zh-CN" altLang="en-US" dirty="0"/>
+              <a:t> </a:t>
+            </a:r>
+            <a:r>
+              <a:rPr lang="en-US" altLang="zh-CN" dirty="0"/>
+              <a:t>Conjugate</a:t>
+            </a:r>
+            <a:r>
+              <a:rPr lang="zh-CN" altLang="en-US" dirty="0"/>
+              <a:t> </a:t>
+            </a:r>
+            <a:r>
+              <a:rPr lang="en-US" altLang="zh-CN" dirty="0"/>
+              <a:t>GD:</a:t>
+            </a:r>
+            <a:r>
+              <a:rPr lang="zh-CN" altLang="en-US" dirty="0"/>
+              <a:t> </a:t>
+            </a:r>
+            <a:r>
+              <a:rPr lang="en-US" altLang="zh-CN" dirty="0"/>
+              <a:t>﻿employs a series of line searches in weight or parameter space.</a:t>
             </a:r>
             <a:endParaRPr lang="en-US" dirty="0"/>
           </a:p>
@@ -1469,7 +1654,7 @@
           <a:p>
             <a:fld id="{DF61EA0F-A667-4B49-8422-0062BC55E249}" type="slidenum">
               <a:rPr lang="en-US" smtClean="0"/>
-              <a:t>4</a:t>
+              <a:t>5</a:t>
             </a:fld>
             <a:endParaRPr lang="en-US" dirty="0"/>
           </a:p>
@@ -1478,7 +1663,7 @@
     </p:spTree>
     <p:extLst>
       <p:ext uri="{BB962C8B-B14F-4D97-AF65-F5344CB8AC3E}">
-        <p14:creationId xmlns:p14="http://schemas.microsoft.com/office/powerpoint/2010/main" val="941466118"/>
+        <p14:creationId xmlns:p14="http://schemas.microsoft.com/office/powerpoint/2010/main" val="596990511"/>
       </p:ext>
     </p:extLst>
   </p:cSld>
@@ -1522,8 +1707,609 @@
           </a:xfrm>
         </p:spPr>
       </p:sp>
-      <mc:AlternateContent xmlns:mc="http://schemas.openxmlformats.org/markup-compatibility/2006">
-        <mc:Choice xmlns:a14="http://schemas.microsoft.com/office/drawing/2010/main" Requires="a14">
+      <p:sp>
+        <p:nvSpPr>
+          <p:cNvPr id="3" name="Notes Placeholder 2"/>
+          <p:cNvSpPr>
+            <a:spLocks noGrp="1"/>
+          </p:cNvSpPr>
+          <p:nvPr>
+            <p:ph type="body" idx="1"/>
+          </p:nvPr>
+        </p:nvSpPr>
+        <p:spPr/>
+        <p:txBody>
+          <a:bodyPr/>
+          <a:lstStyle/>
+          <a:p>
+            <a:r>
+              <a:rPr lang="en-US" dirty="0"/>
+              <a:t>In </a:t>
+            </a:r>
+            <a:r>
+              <a:rPr lang="en-US" baseline="0" dirty="0"/>
+              <a:t>Slide Show mode, select the arrows to visit links.</a:t>
+            </a:r>
+            <a:endParaRPr lang="en-US" dirty="0"/>
+          </a:p>
+        </p:txBody>
+      </p:sp>
+      <p:sp>
+        <p:nvSpPr>
+          <p:cNvPr id="4" name="Slide Number Placeholder 3"/>
+          <p:cNvSpPr>
+            <a:spLocks noGrp="1"/>
+          </p:cNvSpPr>
+          <p:nvPr>
+            <p:ph type="sldNum" sz="quarter" idx="10"/>
+          </p:nvPr>
+        </p:nvSpPr>
+        <p:spPr/>
+        <p:txBody>
+          <a:bodyPr/>
+          <a:lstStyle/>
+          <a:p>
+            <a:fld id="{DF61EA0F-A667-4B49-8422-0062BC55E249}" type="slidenum">
+              <a:rPr lang="en-US" smtClean="0"/>
+              <a:t>6</a:t>
+            </a:fld>
+            <a:endParaRPr lang="en-US" dirty="0"/>
+          </a:p>
+        </p:txBody>
+      </p:sp>
+    </p:spTree>
+    <p:extLst>
+      <p:ext uri="{BB962C8B-B14F-4D97-AF65-F5344CB8AC3E}">
+        <p14:creationId xmlns:p14="http://schemas.microsoft.com/office/powerpoint/2010/main" val="941466118"/>
+      </p:ext>
+    </p:extLst>
+  </p:cSld>
+  <p:clrMapOvr>
+    <a:masterClrMapping/>
+  </p:clrMapOvr>
+</p:notes>
+</file>
+
+<file path=ppt/notesSlides/notesSlide6.xml><?xml version="1.0" encoding="utf-8"?>
+<p:notes xmlns:a="http://schemas.openxmlformats.org/drawingml/2006/main" xmlns:r="http://schemas.openxmlformats.org/officeDocument/2006/relationships" xmlns:p="http://schemas.openxmlformats.org/presentationml/2006/main">
+  <p:cSld>
+    <p:spTree>
+      <p:nvGrpSpPr>
+        <p:cNvPr id="1" name=""/>
+        <p:cNvGrpSpPr/>
+        <p:nvPr/>
+      </p:nvGrpSpPr>
+      <p:grpSpPr>
+        <a:xfrm>
+          <a:off x="0" y="0"/>
+          <a:ext cx="0" cy="0"/>
+          <a:chOff x="0" y="0"/>
+          <a:chExt cx="0" cy="0"/>
+        </a:xfrm>
+      </p:grpSpPr>
+      <p:sp>
+        <p:nvSpPr>
+          <p:cNvPr id="2" name="Slide Image Placeholder 1"/>
+          <p:cNvSpPr>
+            <a:spLocks noGrp="1" noRot="1" noChangeAspect="1"/>
+          </p:cNvSpPr>
+          <p:nvPr>
+            <p:ph type="sldImg"/>
+          </p:nvPr>
+        </p:nvSpPr>
+        <p:spPr>
+          <a:xfrm>
+            <a:off x="685800" y="1143000"/>
+            <a:ext cx="5486400" cy="3086100"/>
+          </a:xfrm>
+        </p:spPr>
+      </p:sp>
+      <mc:AlternateContent xmlns:mc="http://schemas.openxmlformats.org/markup-compatibility/2006" xmlns:a14="http://schemas.microsoft.com/office/drawing/2010/main">
+        <mc:Choice Requires="a14">
+          <p:sp>
+            <p:nvSpPr>
+              <p:cNvPr id="3" name="Notes Placeholder 2"/>
+              <p:cNvSpPr>
+                <a:spLocks noGrp="1"/>
+              </p:cNvSpPr>
+              <p:nvPr>
+                <p:ph type="body" idx="1"/>
+              </p:nvPr>
+            </p:nvSpPr>
+            <p:spPr/>
+            <p:txBody>
+              <a:bodyPr/>
+              <a:lstStyle/>
+              <a:p>
+                <a:pPr marL="285750" indent="-285750">
+                  <a:buFontTx/>
+                  <a:buChar char="-"/>
+                </a:pPr>
+                <a:endParaRPr lang="en-US" altLang="zh-CN" dirty="0"/>
+              </a:p>
+            </p:txBody>
+          </p:sp>
+        </mc:Choice>
+        <mc:Fallback xmlns="">
+          <p:sp>
+            <p:nvSpPr>
+              <p:cNvPr id="3" name="Notes Placeholder 2"/>
+              <p:cNvSpPr>
+                <a:spLocks noGrp="1"/>
+              </p:cNvSpPr>
+              <p:nvPr>
+                <p:ph type="body" idx="1"/>
+              </p:nvPr>
+            </p:nvSpPr>
+            <p:spPr/>
+            <p:txBody>
+              <a:bodyPr/>
+              <a:lstStyle/>
+              <a:p>
+                <a:pPr marL="285750" indent="-285750">
+                  <a:buFontTx/>
+                  <a:buChar char="-"/>
+                </a:pPr>
+                <a:r>
+                  <a:rPr lang="en-US" altLang="zh-CN" dirty="0"/>
+                  <a:t>Newton’s</a:t>
+                </a:r>
+                <a:r>
+                  <a:rPr lang="zh-CN" altLang="en-US" dirty="0"/>
+                  <a:t> </a:t>
+                </a:r>
+                <a:r>
+                  <a:rPr lang="en-US" altLang="zh-CN" dirty="0"/>
+                  <a:t>Method:</a:t>
+                </a:r>
+                <a:r>
+                  <a:rPr lang="zh-CN" altLang="en-US" dirty="0"/>
+                  <a:t> </a:t>
+                </a:r>
+                <a:r>
+                  <a:rPr lang="en-US" altLang="zh-CN" b="1" i="0">
+                    <a:latin typeface="Cambria Math" panose="02040503050406030204" pitchFamily="18" charset="0"/>
+                    <a:ea typeface="Cambria Math" panose="02040503050406030204" pitchFamily="18" charset="0"/>
+                  </a:rPr>
+                  <a:t>〖𝚶(𝒏〗^𝟑)</a:t>
+                </a:r>
+                <a:endParaRPr lang="en-US" altLang="zh-CN" dirty="0"/>
+              </a:p>
+              <a:p>
+                <a:pPr marL="285750" marR="0" lvl="0" indent="-285750" algn="l" defTabSz="914400" rtl="0" eaLnBrk="1" fontAlgn="auto" latinLnBrk="0" hangingPunct="1">
+                  <a:lnSpc>
+                    <a:spcPct val="100000"/>
+                  </a:lnSpc>
+                  <a:spcBef>
+                    <a:spcPts val="0"/>
+                  </a:spcBef>
+                  <a:spcAft>
+                    <a:spcPts val="0"/>
+                  </a:spcAft>
+                  <a:buClrTx/>
+                  <a:buSzTx/>
+                  <a:buFontTx/>
+                  <a:buChar char="-"/>
+                  <a:tabLst/>
+                  <a:defRPr/>
+                </a:pPr>
+                <a:r>
+                  <a:rPr lang="en-US" altLang="zh-CN" dirty="0"/>
+                  <a:t>Newton’s</a:t>
+                </a:r>
+                <a:r>
+                  <a:rPr lang="zh-CN" altLang="en-US" dirty="0"/>
+                  <a:t> </a:t>
+                </a:r>
+                <a:r>
+                  <a:rPr lang="en-US" altLang="zh-CN" dirty="0"/>
+                  <a:t>Method:</a:t>
+                </a:r>
+                <a:r>
+                  <a:rPr lang="zh-CN" altLang="en-US" dirty="0"/>
+                  <a:t> </a:t>
+                </a:r>
+                <a:r>
+                  <a:rPr lang="en-US" altLang="zh-CN" b="1" i="0">
+                    <a:latin typeface="Cambria Math" panose="02040503050406030204" pitchFamily="18" charset="0"/>
+                    <a:ea typeface="Cambria Math" panose="02040503050406030204" pitchFamily="18" charset="0"/>
+                  </a:rPr>
+                  <a:t>〖𝚶(𝒏〗^𝟐)</a:t>
+                </a:r>
+                <a:endParaRPr lang="en-US" altLang="zh-CN" dirty="0"/>
+              </a:p>
+              <a:p>
+                <a:pPr marL="285750" indent="-285750">
+                  <a:buFontTx/>
+                  <a:buChar char="-"/>
+                </a:pPr>
+                <a:endParaRPr lang="en-US" altLang="zh-CN" dirty="0"/>
+              </a:p>
+            </p:txBody>
+          </p:sp>
+        </mc:Fallback>
+      </mc:AlternateContent>
+      <p:sp>
+        <p:nvSpPr>
+          <p:cNvPr id="4" name="Slide Number Placeholder 3"/>
+          <p:cNvSpPr>
+            <a:spLocks noGrp="1"/>
+          </p:cNvSpPr>
+          <p:nvPr>
+            <p:ph type="sldNum" sz="quarter" idx="10"/>
+          </p:nvPr>
+        </p:nvSpPr>
+        <p:spPr/>
+        <p:txBody>
+          <a:bodyPr/>
+          <a:lstStyle/>
+          <a:p>
+            <a:fld id="{DF61EA0F-A667-4B49-8422-0062BC55E249}" type="slidenum">
+              <a:rPr lang="en-US" smtClean="0"/>
+              <a:t>7</a:t>
+            </a:fld>
+            <a:endParaRPr lang="en-US" dirty="0"/>
+          </a:p>
+        </p:txBody>
+      </p:sp>
+    </p:spTree>
+    <p:extLst>
+      <p:ext uri="{BB962C8B-B14F-4D97-AF65-F5344CB8AC3E}">
+        <p14:creationId xmlns:p14="http://schemas.microsoft.com/office/powerpoint/2010/main" val="274479558"/>
+      </p:ext>
+    </p:extLst>
+  </p:cSld>
+  <p:clrMapOvr>
+    <a:masterClrMapping/>
+  </p:clrMapOvr>
+</p:notes>
+</file>
+
+<file path=ppt/notesSlides/notesSlide7.xml><?xml version="1.0" encoding="utf-8"?>
+<p:notes xmlns:a="http://schemas.openxmlformats.org/drawingml/2006/main" xmlns:r="http://schemas.openxmlformats.org/officeDocument/2006/relationships" xmlns:p="http://schemas.openxmlformats.org/presentationml/2006/main">
+  <p:cSld>
+    <p:spTree>
+      <p:nvGrpSpPr>
+        <p:cNvPr id="1" name=""/>
+        <p:cNvGrpSpPr/>
+        <p:nvPr/>
+      </p:nvGrpSpPr>
+      <p:grpSpPr>
+        <a:xfrm>
+          <a:off x="0" y="0"/>
+          <a:ext cx="0" cy="0"/>
+          <a:chOff x="0" y="0"/>
+          <a:chExt cx="0" cy="0"/>
+        </a:xfrm>
+      </p:grpSpPr>
+      <p:sp>
+        <p:nvSpPr>
+          <p:cNvPr id="2" name="Slide Image Placeholder 1"/>
+          <p:cNvSpPr>
+            <a:spLocks noGrp="1" noRot="1" noChangeAspect="1"/>
+          </p:cNvSpPr>
+          <p:nvPr>
+            <p:ph type="sldImg"/>
+          </p:nvPr>
+        </p:nvSpPr>
+        <p:spPr>
+          <a:xfrm>
+            <a:off x="685800" y="1143000"/>
+            <a:ext cx="5486400" cy="3086100"/>
+          </a:xfrm>
+        </p:spPr>
+      </p:sp>
+      <p:sp>
+        <p:nvSpPr>
+          <p:cNvPr id="3" name="Notes Placeholder 2"/>
+          <p:cNvSpPr>
+            <a:spLocks noGrp="1"/>
+          </p:cNvSpPr>
+          <p:nvPr>
+            <p:ph type="body" idx="1"/>
+          </p:nvPr>
+        </p:nvSpPr>
+        <p:spPr/>
+        <p:txBody>
+          <a:bodyPr/>
+          <a:lstStyle/>
+          <a:p>
+            <a:pPr marL="285750" indent="-285750">
+              <a:buFontTx/>
+              <a:buChar char="-"/>
+            </a:pPr>
+            <a:r>
+              <a:rPr lang="en-CN" altLang="zh-CN" dirty="0"/>
+              <a:t>stationary</a:t>
+            </a:r>
+            <a:r>
+              <a:rPr lang="zh-CN" altLang="en-US" dirty="0"/>
+              <a:t> </a:t>
+            </a:r>
+            <a:r>
+              <a:rPr lang="en-US" altLang="zh-CN" sz="1800" kern="1200" dirty="0">
+                <a:solidFill>
+                  <a:schemeClr val="tx1"/>
+                </a:solidFill>
+                <a:latin typeface="+mn-lt"/>
+                <a:ea typeface="+mn-ea"/>
+                <a:cs typeface="+mn-cs"/>
+              </a:rPr>
+              <a:t>process</a:t>
+            </a:r>
+            <a:r>
+              <a:rPr lang="en-US" altLang="zh-CN" dirty="0"/>
+              <a:t>:</a:t>
+            </a:r>
+            <a:r>
+              <a:rPr lang="zh-CN" altLang="en-US" dirty="0"/>
+              <a:t> </a:t>
+            </a:r>
+            <a:r>
+              <a:rPr lang="en-US" sz="1800" kern="1200" dirty="0">
+                <a:solidFill>
+                  <a:schemeClr val="tx1"/>
+                </a:solidFill>
+                <a:latin typeface="+mn-lt"/>
+                <a:ea typeface="+mn-ea"/>
+                <a:cs typeface="+mn-cs"/>
+              </a:rPr>
+              <a:t>whose unconditional </a:t>
+            </a:r>
+            <a:r>
+              <a:rPr lang="en-US" sz="1800" kern="1200" dirty="0">
+                <a:solidFill>
+                  <a:schemeClr val="tx1"/>
+                </a:solidFill>
+                <a:latin typeface="+mn-lt"/>
+                <a:ea typeface="+mn-ea"/>
+                <a:cs typeface="+mn-cs"/>
+                <a:hlinkClick r:id="rId3" tooltip="Joint probability distribution">
+                  <a:extLst>
+                    <a:ext uri="{A12FA001-AC4F-418D-AE19-62706E023703}">
+                      <ahyp:hlinkClr xmlns:ahyp="http://schemas.microsoft.com/office/drawing/2018/hyperlinkcolor" val="tx"/>
+                    </a:ext>
+                  </a:extLst>
+                </a:hlinkClick>
+              </a:rPr>
+              <a:t>joint probability distribution</a:t>
+            </a:r>
+            <a:r>
+              <a:rPr lang="en-US" sz="1800" kern="1200" dirty="0">
+                <a:solidFill>
+                  <a:schemeClr val="tx1"/>
+                </a:solidFill>
+                <a:latin typeface="+mn-lt"/>
+                <a:ea typeface="+mn-ea"/>
+                <a:cs typeface="+mn-cs"/>
+              </a:rPr>
+              <a:t> does not change when shifted in time. Consequently, parameters such as </a:t>
+            </a:r>
+            <a:r>
+              <a:rPr lang="en-US" sz="1800" kern="1200" dirty="0">
+                <a:solidFill>
+                  <a:schemeClr val="tx1"/>
+                </a:solidFill>
+                <a:latin typeface="+mn-lt"/>
+                <a:ea typeface="+mn-ea"/>
+                <a:cs typeface="+mn-cs"/>
+                <a:hlinkClick r:id="rId4" tooltip="Mean">
+                  <a:extLst>
+                    <a:ext uri="{A12FA001-AC4F-418D-AE19-62706E023703}">
+                      <ahyp:hlinkClr xmlns:ahyp="http://schemas.microsoft.com/office/drawing/2018/hyperlinkcolor" val="tx"/>
+                    </a:ext>
+                  </a:extLst>
+                </a:hlinkClick>
+              </a:rPr>
+              <a:t>mean</a:t>
+            </a:r>
+            <a:r>
+              <a:rPr lang="en-US" sz="1800" kern="1200" dirty="0">
+                <a:solidFill>
+                  <a:schemeClr val="tx1"/>
+                </a:solidFill>
+                <a:latin typeface="+mn-lt"/>
+                <a:ea typeface="+mn-ea"/>
+                <a:cs typeface="+mn-cs"/>
+              </a:rPr>
+              <a:t> and </a:t>
+            </a:r>
+            <a:r>
+              <a:rPr lang="en-US" sz="1800" kern="1200" dirty="0">
+                <a:solidFill>
+                  <a:schemeClr val="tx1"/>
+                </a:solidFill>
+                <a:latin typeface="+mn-lt"/>
+                <a:ea typeface="+mn-ea"/>
+                <a:cs typeface="+mn-cs"/>
+                <a:hlinkClick r:id="rId5" tooltip="Variance">
+                  <a:extLst>
+                    <a:ext uri="{A12FA001-AC4F-418D-AE19-62706E023703}">
+                      <ahyp:hlinkClr xmlns:ahyp="http://schemas.microsoft.com/office/drawing/2018/hyperlinkcolor" val="tx"/>
+                    </a:ext>
+                  </a:extLst>
+                </a:hlinkClick>
+              </a:rPr>
+              <a:t>variance</a:t>
+            </a:r>
+            <a:r>
+              <a:rPr lang="en-US" sz="1800" kern="1200" dirty="0">
+                <a:solidFill>
+                  <a:schemeClr val="tx1"/>
+                </a:solidFill>
+                <a:latin typeface="+mn-lt"/>
+                <a:ea typeface="+mn-ea"/>
+                <a:cs typeface="+mn-cs"/>
+              </a:rPr>
+              <a:t> also do not change over time. </a:t>
+            </a:r>
+            <a:endParaRPr lang="en-US" altLang="zh-CN" sz="1800" kern="1200" dirty="0">
+              <a:solidFill>
+                <a:schemeClr val="tx1"/>
+              </a:solidFill>
+              <a:latin typeface="+mn-lt"/>
+              <a:ea typeface="+mn-ea"/>
+              <a:cs typeface="+mn-cs"/>
+            </a:endParaRPr>
+          </a:p>
+        </p:txBody>
+      </p:sp>
+      <p:sp>
+        <p:nvSpPr>
+          <p:cNvPr id="4" name="Slide Number Placeholder 3"/>
+          <p:cNvSpPr>
+            <a:spLocks noGrp="1"/>
+          </p:cNvSpPr>
+          <p:nvPr>
+            <p:ph type="sldNum" sz="quarter" idx="10"/>
+          </p:nvPr>
+        </p:nvSpPr>
+        <p:spPr/>
+        <p:txBody>
+          <a:bodyPr/>
+          <a:lstStyle/>
+          <a:p>
+            <a:fld id="{DF61EA0F-A667-4B49-8422-0062BC55E249}" type="slidenum">
+              <a:rPr lang="en-US" smtClean="0"/>
+              <a:t>8</a:t>
+            </a:fld>
+            <a:endParaRPr lang="en-US" dirty="0"/>
+          </a:p>
+        </p:txBody>
+      </p:sp>
+    </p:spTree>
+    <p:extLst>
+      <p:ext uri="{BB962C8B-B14F-4D97-AF65-F5344CB8AC3E}">
+        <p14:creationId xmlns:p14="http://schemas.microsoft.com/office/powerpoint/2010/main" val="1052497680"/>
+      </p:ext>
+    </p:extLst>
+  </p:cSld>
+  <p:clrMapOvr>
+    <a:masterClrMapping/>
+  </p:clrMapOvr>
+</p:notes>
+</file>
+
+<file path=ppt/notesSlides/notesSlide8.xml><?xml version="1.0" encoding="utf-8"?>
+<p:notes xmlns:a="http://schemas.openxmlformats.org/drawingml/2006/main" xmlns:r="http://schemas.openxmlformats.org/officeDocument/2006/relationships" xmlns:p="http://schemas.openxmlformats.org/presentationml/2006/main">
+  <p:cSld>
+    <p:spTree>
+      <p:nvGrpSpPr>
+        <p:cNvPr id="1" name=""/>
+        <p:cNvGrpSpPr/>
+        <p:nvPr/>
+      </p:nvGrpSpPr>
+      <p:grpSpPr>
+        <a:xfrm>
+          <a:off x="0" y="0"/>
+          <a:ext cx="0" cy="0"/>
+          <a:chOff x="0" y="0"/>
+          <a:chExt cx="0" cy="0"/>
+        </a:xfrm>
+      </p:grpSpPr>
+      <p:sp>
+        <p:nvSpPr>
+          <p:cNvPr id="2" name="Slide Image Placeholder 1"/>
+          <p:cNvSpPr>
+            <a:spLocks noGrp="1" noRot="1" noChangeAspect="1"/>
+          </p:cNvSpPr>
+          <p:nvPr>
+            <p:ph type="sldImg"/>
+          </p:nvPr>
+        </p:nvSpPr>
+        <p:spPr/>
+      </p:sp>
+      <p:sp>
+        <p:nvSpPr>
+          <p:cNvPr id="3" name="Notes Placeholder 2"/>
+          <p:cNvSpPr>
+            <a:spLocks noGrp="1"/>
+          </p:cNvSpPr>
+          <p:nvPr>
+            <p:ph type="body" idx="1"/>
+          </p:nvPr>
+        </p:nvSpPr>
+        <p:spPr/>
+        <p:txBody>
+          <a:bodyPr/>
+          <a:lstStyle/>
+          <a:p>
+            <a:endParaRPr lang="en-CN" dirty="0"/>
+          </a:p>
+        </p:txBody>
+      </p:sp>
+      <p:sp>
+        <p:nvSpPr>
+          <p:cNvPr id="4" name="Slide Number Placeholder 3"/>
+          <p:cNvSpPr>
+            <a:spLocks noGrp="1"/>
+          </p:cNvSpPr>
+          <p:nvPr>
+            <p:ph type="sldNum" sz="quarter" idx="5"/>
+          </p:nvPr>
+        </p:nvSpPr>
+        <p:spPr/>
+        <p:txBody>
+          <a:bodyPr/>
+          <a:lstStyle/>
+          <a:p>
+            <a:fld id="{DF61EA0F-A667-4B49-8422-0062BC55E249}" type="slidenum">
+              <a:rPr lang="en-US" smtClean="0"/>
+              <a:t>9</a:t>
+            </a:fld>
+            <a:endParaRPr lang="en-US" dirty="0"/>
+          </a:p>
+        </p:txBody>
+      </p:sp>
+    </p:spTree>
+    <p:extLst>
+      <p:ext uri="{BB962C8B-B14F-4D97-AF65-F5344CB8AC3E}">
+        <p14:creationId xmlns:p14="http://schemas.microsoft.com/office/powerpoint/2010/main" val="2984940231"/>
+      </p:ext>
+    </p:extLst>
+  </p:cSld>
+  <p:clrMapOvr>
+    <a:masterClrMapping/>
+  </p:clrMapOvr>
+</p:notes>
+</file>
+
+<file path=ppt/notesSlides/notesSlide9.xml><?xml version="1.0" encoding="utf-8"?>
+<p:notes xmlns:a="http://schemas.openxmlformats.org/drawingml/2006/main" xmlns:r="http://schemas.openxmlformats.org/officeDocument/2006/relationships" xmlns:p="http://schemas.openxmlformats.org/presentationml/2006/main">
+  <p:cSld>
+    <p:spTree>
+      <p:nvGrpSpPr>
+        <p:cNvPr id="1" name=""/>
+        <p:cNvGrpSpPr/>
+        <p:nvPr/>
+      </p:nvGrpSpPr>
+      <p:grpSpPr>
+        <a:xfrm>
+          <a:off x="0" y="0"/>
+          <a:ext cx="0" cy="0"/>
+          <a:chOff x="0" y="0"/>
+          <a:chExt cx="0" cy="0"/>
+        </a:xfrm>
+      </p:grpSpPr>
+      <p:sp>
+        <p:nvSpPr>
+          <p:cNvPr id="2" name="Slide Image Placeholder 1"/>
+          <p:cNvSpPr>
+            <a:spLocks noGrp="1" noRot="1" noChangeAspect="1"/>
+          </p:cNvSpPr>
+          <p:nvPr>
+            <p:ph type="sldImg"/>
+          </p:nvPr>
+        </p:nvSpPr>
+        <p:spPr>
+          <a:xfrm>
+            <a:off x="685800" y="1143000"/>
+            <a:ext cx="5486400" cy="3086100"/>
+          </a:xfrm>
+        </p:spPr>
+      </p:sp>
+      <mc:AlternateContent xmlns:mc="http://schemas.openxmlformats.org/markup-compatibility/2006" xmlns:a14="http://schemas.microsoft.com/office/drawing/2010/main">
+        <mc:Choice Requires="a14">
           <p:sp>
             <p:nvSpPr>
               <p:cNvPr id="3" name="Notes Placeholder 2"/>
@@ -1612,6 +2398,28 @@
                     </m:r>
                   </m:oMath>
                 </a14:m>
+                <a:r>
+                  <a:rPr lang="zh-CN" altLang="en-US" dirty="0"/>
+                  <a:t> </a:t>
+                </a:r>
+                <a:r>
+                  <a:rPr lang="en-US" altLang="zh-CN" dirty="0"/>
+                  <a:t>(Inverse</a:t>
+                </a:r>
+                <a:r>
+                  <a:rPr lang="zh-CN" altLang="en-US" dirty="0"/>
+                  <a:t> </a:t>
+                </a:r>
+                <a:r>
+                  <a:rPr lang="en-US" altLang="zh-CN" dirty="0"/>
+                  <a:t>Matrix)</a:t>
+                </a:r>
+              </a:p>
+              <a:p>
+                <a:pPr marL="285750" indent="-285750">
+                  <a:buFontTx/>
+                  <a:buChar char="-"/>
+                </a:pPr>
                 <a:endParaRPr lang="en-US" altLang="zh-CN" dirty="0"/>
               </a:p>
               <a:p>
@@ -1713,7 +2521,7 @@
             </p:txBody>
           </p:sp>
         </mc:Choice>
-        <mc:Fallback>
+        <mc:Fallback xmlns="">
           <p:sp>
             <p:nvSpPr>
               <p:cNvPr id="3" name="Notes Placeholder 2"/>
@@ -1756,560 +2564,6 @@
                   </a:rPr>
                   <a:t>〖𝚶(𝒏〗^𝟑)</a:t>
                 </a:r>
-                <a:endParaRPr lang="en-US" altLang="zh-CN" dirty="0"/>
-              </a:p>
-              <a:p>
-                <a:pPr marL="285750" marR="0" lvl="0" indent="-285750" algn="l" defTabSz="914400" rtl="0" eaLnBrk="1" fontAlgn="auto" latinLnBrk="0" hangingPunct="1">
-                  <a:lnSpc>
-                    <a:spcPct val="100000"/>
-                  </a:lnSpc>
-                  <a:spcBef>
-                    <a:spcPts val="0"/>
-                  </a:spcBef>
-                  <a:spcAft>
-                    <a:spcPts val="0"/>
-                  </a:spcAft>
-                  <a:buClrTx/>
-                  <a:buSzTx/>
-                  <a:buFontTx/>
-                  <a:buChar char="-"/>
-                  <a:tabLst/>
-                  <a:defRPr/>
-                </a:pPr>
-                <a:r>
-                  <a:rPr lang="en-US" altLang="zh-CN" dirty="0"/>
-                  <a:t>Newton’s</a:t>
-                </a:r>
-                <a:r>
-                  <a:rPr lang="zh-CN" altLang="en-US" dirty="0"/>
-                  <a:t> </a:t>
-                </a:r>
-                <a:r>
-                  <a:rPr lang="en-US" altLang="zh-CN" dirty="0"/>
-                  <a:t>Method:</a:t>
-                </a:r>
-                <a:r>
-                  <a:rPr lang="zh-CN" altLang="en-US" dirty="0"/>
-                  <a:t> </a:t>
-                </a:r>
-                <a:r>
-                  <a:rPr lang="en-US" altLang="zh-CN" b="1" i="0">
-                    <a:latin typeface="Cambria Math" panose="02040503050406030204" pitchFamily="18" charset="0"/>
-                    <a:ea typeface="Cambria Math" panose="02040503050406030204" pitchFamily="18" charset="0"/>
-                  </a:rPr>
-                  <a:t>〖𝚶(𝒏〗^𝟐)</a:t>
-                </a:r>
-                <a:endParaRPr lang="en-US" altLang="zh-CN" dirty="0"/>
-              </a:p>
-              <a:p>
-                <a:pPr marL="285750" indent="-285750">
-                  <a:buFontTx/>
-                  <a:buChar char="-"/>
-                </a:pPr>
-                <a:endParaRPr lang="en-US" altLang="zh-CN" dirty="0"/>
-              </a:p>
-            </p:txBody>
-          </p:sp>
-        </mc:Fallback>
-      </mc:AlternateContent>
-      <p:sp>
-        <p:nvSpPr>
-          <p:cNvPr id="4" name="Slide Number Placeholder 3"/>
-          <p:cNvSpPr>
-            <a:spLocks noGrp="1"/>
-          </p:cNvSpPr>
-          <p:nvPr>
-            <p:ph type="sldNum" sz="quarter" idx="10"/>
-          </p:nvPr>
-        </p:nvSpPr>
-        <p:spPr/>
-        <p:txBody>
-          <a:bodyPr/>
-          <a:lstStyle/>
-          <a:p>
-            <a:fld id="{DF61EA0F-A667-4B49-8422-0062BC55E249}" type="slidenum">
-              <a:rPr lang="en-US" smtClean="0"/>
-              <a:t>5</a:t>
-            </a:fld>
-            <a:endParaRPr lang="en-US" dirty="0"/>
-          </a:p>
-        </p:txBody>
-      </p:sp>
-    </p:spTree>
-    <p:extLst>
-      <p:ext uri="{BB962C8B-B14F-4D97-AF65-F5344CB8AC3E}">
-        <p14:creationId xmlns:p14="http://schemas.microsoft.com/office/powerpoint/2010/main" val="274479558"/>
-      </p:ext>
-    </p:extLst>
-  </p:cSld>
-  <p:clrMapOvr>
-    <a:masterClrMapping/>
-  </p:clrMapOvr>
-</p:notes>
-</file>
-
-<file path=ppt/notesSlides/notesSlide6.xml><?xml version="1.0" encoding="utf-8"?>
-<p:notes xmlns:a="http://schemas.openxmlformats.org/drawingml/2006/main" xmlns:r="http://schemas.openxmlformats.org/officeDocument/2006/relationships" xmlns:p="http://schemas.openxmlformats.org/presentationml/2006/main">
-  <p:cSld>
-    <p:spTree>
-      <p:nvGrpSpPr>
-        <p:cNvPr id="1" name=""/>
-        <p:cNvGrpSpPr/>
-        <p:nvPr/>
-      </p:nvGrpSpPr>
-      <p:grpSpPr>
-        <a:xfrm>
-          <a:off x="0" y="0"/>
-          <a:ext cx="0" cy="0"/>
-          <a:chOff x="0" y="0"/>
-          <a:chExt cx="0" cy="0"/>
-        </a:xfrm>
-      </p:grpSpPr>
-      <p:sp>
-        <p:nvSpPr>
-          <p:cNvPr id="2" name="Slide Image Placeholder 1"/>
-          <p:cNvSpPr>
-            <a:spLocks noGrp="1" noRot="1" noChangeAspect="1"/>
-          </p:cNvSpPr>
-          <p:nvPr>
-            <p:ph type="sldImg"/>
-          </p:nvPr>
-        </p:nvSpPr>
-        <p:spPr>
-          <a:xfrm>
-            <a:off x="685800" y="1143000"/>
-            <a:ext cx="5486400" cy="3086100"/>
-          </a:xfrm>
-        </p:spPr>
-      </p:sp>
-      <p:sp>
-        <p:nvSpPr>
-          <p:cNvPr id="3" name="Notes Placeholder 2"/>
-          <p:cNvSpPr>
-            <a:spLocks noGrp="1"/>
-          </p:cNvSpPr>
-          <p:nvPr>
-            <p:ph type="body" idx="1"/>
-          </p:nvPr>
-        </p:nvSpPr>
-        <p:spPr/>
-        <p:txBody>
-          <a:bodyPr/>
-          <a:lstStyle/>
-          <a:p>
-            <a:pPr marL="285750" indent="-285750">
-              <a:buFontTx/>
-              <a:buChar char="-"/>
-            </a:pPr>
-            <a:r>
-              <a:rPr lang="en-CN" altLang="zh-CN" dirty="0"/>
-              <a:t>stationary</a:t>
-            </a:r>
-            <a:r>
-              <a:rPr lang="zh-CN" altLang="en-US" dirty="0"/>
-              <a:t> </a:t>
-            </a:r>
-            <a:r>
-              <a:rPr lang="en-US" altLang="zh-CN" sz="1800" kern="1200" dirty="0">
-                <a:solidFill>
-                  <a:schemeClr val="tx1"/>
-                </a:solidFill>
-                <a:latin typeface="+mn-lt"/>
-                <a:ea typeface="+mn-ea"/>
-                <a:cs typeface="+mn-cs"/>
-              </a:rPr>
-              <a:t>process</a:t>
-            </a:r>
-            <a:r>
-              <a:rPr lang="en-US" altLang="zh-CN" dirty="0"/>
-              <a:t>:</a:t>
-            </a:r>
-            <a:r>
-              <a:rPr lang="zh-CN" altLang="en-US" dirty="0"/>
-              <a:t> </a:t>
-            </a:r>
-            <a:r>
-              <a:rPr lang="en-US" sz="1800" kern="1200" dirty="0">
-                <a:solidFill>
-                  <a:schemeClr val="tx1"/>
-                </a:solidFill>
-                <a:latin typeface="+mn-lt"/>
-                <a:ea typeface="+mn-ea"/>
-                <a:cs typeface="+mn-cs"/>
-              </a:rPr>
-              <a:t>whose unconditional </a:t>
-            </a:r>
-            <a:r>
-              <a:rPr lang="en-US" sz="1800" kern="1200" dirty="0">
-                <a:solidFill>
-                  <a:schemeClr val="tx1"/>
-                </a:solidFill>
-                <a:latin typeface="+mn-lt"/>
-                <a:ea typeface="+mn-ea"/>
-                <a:cs typeface="+mn-cs"/>
-                <a:hlinkClick r:id="rId3" tooltip="Joint probability distribution">
-                  <a:extLst>
-                    <a:ext uri="{A12FA001-AC4F-418D-AE19-62706E023703}">
-                      <ahyp:hlinkClr xmlns:ahyp="http://schemas.microsoft.com/office/drawing/2018/hyperlinkcolor" val="tx"/>
-                    </a:ext>
-                  </a:extLst>
-                </a:hlinkClick>
-              </a:rPr>
-              <a:t>joint probability distribution</a:t>
-            </a:r>
-            <a:r>
-              <a:rPr lang="en-US" sz="1800" kern="1200" dirty="0">
-                <a:solidFill>
-                  <a:schemeClr val="tx1"/>
-                </a:solidFill>
-                <a:latin typeface="+mn-lt"/>
-                <a:ea typeface="+mn-ea"/>
-                <a:cs typeface="+mn-cs"/>
-              </a:rPr>
-              <a:t> does not change when shifted in time.</a:t>
-            </a:r>
-            <a:r>
-              <a:rPr lang="en-US" sz="1800" kern="1200" dirty="0">
-                <a:solidFill>
-                  <a:schemeClr val="tx1"/>
-                </a:solidFill>
-                <a:latin typeface="+mn-lt"/>
-                <a:ea typeface="+mn-ea"/>
-                <a:cs typeface="+mn-cs"/>
-                <a:hlinkClick r:id="rId4">
-                  <a:extLst>
-                    <a:ext uri="{A12FA001-AC4F-418D-AE19-62706E023703}">
-                      <ahyp:hlinkClr xmlns:ahyp="http://schemas.microsoft.com/office/drawing/2018/hyperlinkcolor" val="tx"/>
-                    </a:ext>
-                  </a:extLst>
-                </a:hlinkClick>
-              </a:rPr>
-              <a:t>[1]</a:t>
-            </a:r>
-            <a:r>
-              <a:rPr lang="en-US" sz="1800" kern="1200" dirty="0">
-                <a:solidFill>
-                  <a:schemeClr val="tx1"/>
-                </a:solidFill>
-                <a:latin typeface="+mn-lt"/>
-                <a:ea typeface="+mn-ea"/>
-                <a:cs typeface="+mn-cs"/>
-              </a:rPr>
-              <a:t> Consequently, parameters such as </a:t>
-            </a:r>
-            <a:r>
-              <a:rPr lang="en-US" sz="1800" kern="1200" dirty="0">
-                <a:solidFill>
-                  <a:schemeClr val="tx1"/>
-                </a:solidFill>
-                <a:latin typeface="+mn-lt"/>
-                <a:ea typeface="+mn-ea"/>
-                <a:cs typeface="+mn-cs"/>
-                <a:hlinkClick r:id="rId5" tooltip="Mean">
-                  <a:extLst>
-                    <a:ext uri="{A12FA001-AC4F-418D-AE19-62706E023703}">
-                      <ahyp:hlinkClr xmlns:ahyp="http://schemas.microsoft.com/office/drawing/2018/hyperlinkcolor" val="tx"/>
-                    </a:ext>
-                  </a:extLst>
-                </a:hlinkClick>
-              </a:rPr>
-              <a:t>mean</a:t>
-            </a:r>
-            <a:r>
-              <a:rPr lang="en-US" sz="1800" kern="1200" dirty="0">
-                <a:solidFill>
-                  <a:schemeClr val="tx1"/>
-                </a:solidFill>
-                <a:latin typeface="+mn-lt"/>
-                <a:ea typeface="+mn-ea"/>
-                <a:cs typeface="+mn-cs"/>
-              </a:rPr>
-              <a:t> and </a:t>
-            </a:r>
-            <a:r>
-              <a:rPr lang="en-US" sz="1800" kern="1200" dirty="0">
-                <a:solidFill>
-                  <a:schemeClr val="tx1"/>
-                </a:solidFill>
-                <a:latin typeface="+mn-lt"/>
-                <a:ea typeface="+mn-ea"/>
-                <a:cs typeface="+mn-cs"/>
-                <a:hlinkClick r:id="rId6" tooltip="Variance">
-                  <a:extLst>
-                    <a:ext uri="{A12FA001-AC4F-418D-AE19-62706E023703}">
-                      <ahyp:hlinkClr xmlns:ahyp="http://schemas.microsoft.com/office/drawing/2018/hyperlinkcolor" val="tx"/>
-                    </a:ext>
-                  </a:extLst>
-                </a:hlinkClick>
-              </a:rPr>
-              <a:t>variance</a:t>
-            </a:r>
-            <a:r>
-              <a:rPr lang="en-US" sz="1800" kern="1200" dirty="0">
-                <a:solidFill>
-                  <a:schemeClr val="tx1"/>
-                </a:solidFill>
-                <a:latin typeface="+mn-lt"/>
-                <a:ea typeface="+mn-ea"/>
-                <a:cs typeface="+mn-cs"/>
-              </a:rPr>
-              <a:t> also do not change over time. </a:t>
-            </a:r>
-            <a:endParaRPr lang="en-US" altLang="zh-CN" sz="1800" kern="1200" dirty="0">
-              <a:solidFill>
-                <a:schemeClr val="tx1"/>
-              </a:solidFill>
-              <a:latin typeface="+mn-lt"/>
-              <a:ea typeface="+mn-ea"/>
-              <a:cs typeface="+mn-cs"/>
-            </a:endParaRPr>
-          </a:p>
-        </p:txBody>
-      </p:sp>
-      <p:sp>
-        <p:nvSpPr>
-          <p:cNvPr id="4" name="Slide Number Placeholder 3"/>
-          <p:cNvSpPr>
-            <a:spLocks noGrp="1"/>
-          </p:cNvSpPr>
-          <p:nvPr>
-            <p:ph type="sldNum" sz="quarter" idx="10"/>
-          </p:nvPr>
-        </p:nvSpPr>
-        <p:spPr/>
-        <p:txBody>
-          <a:bodyPr/>
-          <a:lstStyle/>
-          <a:p>
-            <a:fld id="{DF61EA0F-A667-4B49-8422-0062BC55E249}" type="slidenum">
-              <a:rPr lang="en-US" smtClean="0"/>
-              <a:t>6</a:t>
-            </a:fld>
-            <a:endParaRPr lang="en-US" dirty="0"/>
-          </a:p>
-        </p:txBody>
-      </p:sp>
-    </p:spTree>
-    <p:extLst>
-      <p:ext uri="{BB962C8B-B14F-4D97-AF65-F5344CB8AC3E}">
-        <p14:creationId xmlns:p14="http://schemas.microsoft.com/office/powerpoint/2010/main" val="1052497680"/>
-      </p:ext>
-    </p:extLst>
-  </p:cSld>
-  <p:clrMapOvr>
-    <a:masterClrMapping/>
-  </p:clrMapOvr>
-</p:notes>
-</file>
-
-<file path=ppt/notesSlides/notesSlide7.xml><?xml version="1.0" encoding="utf-8"?>
-<p:notes xmlns:a="http://schemas.openxmlformats.org/drawingml/2006/main" xmlns:r="http://schemas.openxmlformats.org/officeDocument/2006/relationships" xmlns:p="http://schemas.openxmlformats.org/presentationml/2006/main">
-  <p:cSld>
-    <p:spTree>
-      <p:nvGrpSpPr>
-        <p:cNvPr id="1" name=""/>
-        <p:cNvGrpSpPr/>
-        <p:nvPr/>
-      </p:nvGrpSpPr>
-      <p:grpSpPr>
-        <a:xfrm>
-          <a:off x="0" y="0"/>
-          <a:ext cx="0" cy="0"/>
-          <a:chOff x="0" y="0"/>
-          <a:chExt cx="0" cy="0"/>
-        </a:xfrm>
-      </p:grpSpPr>
-      <p:sp>
-        <p:nvSpPr>
-          <p:cNvPr id="2" name="Slide Image Placeholder 1"/>
-          <p:cNvSpPr>
-            <a:spLocks noGrp="1" noRot="1" noChangeAspect="1"/>
-          </p:cNvSpPr>
-          <p:nvPr>
-            <p:ph type="sldImg"/>
-          </p:nvPr>
-        </p:nvSpPr>
-        <p:spPr/>
-      </p:sp>
-      <p:sp>
-        <p:nvSpPr>
-          <p:cNvPr id="3" name="Notes Placeholder 2"/>
-          <p:cNvSpPr>
-            <a:spLocks noGrp="1"/>
-          </p:cNvSpPr>
-          <p:nvPr>
-            <p:ph type="body" idx="1"/>
-          </p:nvPr>
-        </p:nvSpPr>
-        <p:spPr/>
-        <p:txBody>
-          <a:bodyPr/>
-          <a:lstStyle/>
-          <a:p>
-            <a:endParaRPr lang="en-CN" dirty="0"/>
-          </a:p>
-        </p:txBody>
-      </p:sp>
-      <p:sp>
-        <p:nvSpPr>
-          <p:cNvPr id="4" name="Slide Number Placeholder 3"/>
-          <p:cNvSpPr>
-            <a:spLocks noGrp="1"/>
-          </p:cNvSpPr>
-          <p:nvPr>
-            <p:ph type="sldNum" sz="quarter" idx="5"/>
-          </p:nvPr>
-        </p:nvSpPr>
-        <p:spPr/>
-        <p:txBody>
-          <a:bodyPr/>
-          <a:lstStyle/>
-          <a:p>
-            <a:fld id="{DF61EA0F-A667-4B49-8422-0062BC55E249}" type="slidenum">
-              <a:rPr lang="en-US" smtClean="0"/>
-              <a:t>7</a:t>
-            </a:fld>
-            <a:endParaRPr lang="en-US" dirty="0"/>
-          </a:p>
-        </p:txBody>
-      </p:sp>
-    </p:spTree>
-    <p:extLst>
-      <p:ext uri="{BB962C8B-B14F-4D97-AF65-F5344CB8AC3E}">
-        <p14:creationId xmlns:p14="http://schemas.microsoft.com/office/powerpoint/2010/main" val="2984940231"/>
-      </p:ext>
-    </p:extLst>
-  </p:cSld>
-  <p:clrMapOvr>
-    <a:masterClrMapping/>
-  </p:clrMapOvr>
-</p:notes>
-</file>
-
-<file path=ppt/notesSlides/notesSlide8.xml><?xml version="1.0" encoding="utf-8"?>
-<p:notes xmlns:a="http://schemas.openxmlformats.org/drawingml/2006/main" xmlns:r="http://schemas.openxmlformats.org/officeDocument/2006/relationships" xmlns:p="http://schemas.openxmlformats.org/presentationml/2006/main">
-  <p:cSld>
-    <p:spTree>
-      <p:nvGrpSpPr>
-        <p:cNvPr id="1" name=""/>
-        <p:cNvGrpSpPr/>
-        <p:nvPr/>
-      </p:nvGrpSpPr>
-      <p:grpSpPr>
-        <a:xfrm>
-          <a:off x="0" y="0"/>
-          <a:ext cx="0" cy="0"/>
-          <a:chOff x="0" y="0"/>
-          <a:chExt cx="0" cy="0"/>
-        </a:xfrm>
-      </p:grpSpPr>
-      <p:sp>
-        <p:nvSpPr>
-          <p:cNvPr id="2" name="Slide Image Placeholder 1"/>
-          <p:cNvSpPr>
-            <a:spLocks noGrp="1" noRot="1" noChangeAspect="1"/>
-          </p:cNvSpPr>
-          <p:nvPr>
-            <p:ph type="sldImg"/>
-          </p:nvPr>
-        </p:nvSpPr>
-        <p:spPr>
-          <a:xfrm>
-            <a:off x="685800" y="1143000"/>
-            <a:ext cx="5486400" cy="3086100"/>
-          </a:xfrm>
-        </p:spPr>
-      </p:sp>
-      <mc:AlternateContent xmlns:mc="http://schemas.openxmlformats.org/markup-compatibility/2006">
-        <mc:Choice xmlns:a14="http://schemas.microsoft.com/office/drawing/2010/main" Requires="a14">
-          <p:sp>
-            <p:nvSpPr>
-              <p:cNvPr id="3" name="Notes Placeholder 2"/>
-              <p:cNvSpPr>
-                <a:spLocks noGrp="1"/>
-              </p:cNvSpPr>
-              <p:nvPr>
-                <p:ph type="body" idx="1"/>
-              </p:nvPr>
-            </p:nvSpPr>
-            <p:spPr/>
-            <p:txBody>
-              <a:bodyPr/>
-              <a:lstStyle/>
-              <a:p>
-                <a:pPr marL="285750" indent="-285750">
-                  <a:buFontTx/>
-                  <a:buChar char="-"/>
-                </a:pPr>
-                <a:r>
-                  <a:rPr lang="en-US" altLang="zh-CN" dirty="0"/>
-                  <a:t>Newton’s</a:t>
-                </a:r>
-                <a:r>
-                  <a:rPr lang="zh-CN" altLang="en-US" dirty="0"/>
-                  <a:t> </a:t>
-                </a:r>
-                <a:r>
-                  <a:rPr lang="en-US" altLang="zh-CN" dirty="0"/>
-                  <a:t>Method:</a:t>
-                </a:r>
-                <a:r>
-                  <a:rPr lang="zh-CN" altLang="en-US" dirty="0"/>
-                  <a:t> </a:t>
-                </a:r>
-                <a14:m>
-                  <m:oMath xmlns:m="http://schemas.openxmlformats.org/officeDocument/2006/math">
-                    <m:sSup>
-                      <m:sSupPr>
-                        <m:ctrlPr>
-                          <a:rPr lang="en-US" altLang="zh-CN" b="1" i="1">
-                            <a:latin typeface="Cambria Math" panose="02040503050406030204" pitchFamily="18" charset="0"/>
-                            <a:ea typeface="Cambria Math" panose="02040503050406030204" pitchFamily="18" charset="0"/>
-                          </a:rPr>
-                        </m:ctrlPr>
-                      </m:sSupPr>
-                      <m:e>
-                        <m:r>
-                          <a:rPr lang="en-US" altLang="zh-CN" b="1" i="1">
-                            <a:latin typeface="Cambria Math" panose="02040503050406030204" pitchFamily="18" charset="0"/>
-                            <a:ea typeface="Cambria Math" panose="02040503050406030204" pitchFamily="18" charset="0"/>
-                          </a:rPr>
-                          <m:t>𝚶</m:t>
-                        </m:r>
-                        <m:r>
-                          <a:rPr lang="en-US" altLang="zh-CN" b="1" i="1">
-                            <a:latin typeface="Cambria Math" panose="02040503050406030204" pitchFamily="18" charset="0"/>
-                            <a:ea typeface="Cambria Math" panose="02040503050406030204" pitchFamily="18" charset="0"/>
-                          </a:rPr>
-                          <m:t>(</m:t>
-                        </m:r>
-                        <m:r>
-                          <a:rPr lang="en-US" altLang="zh-CN" b="1" i="1">
-                            <a:latin typeface="Cambria Math" panose="02040503050406030204" pitchFamily="18" charset="0"/>
-                            <a:ea typeface="Cambria Math" panose="02040503050406030204" pitchFamily="18" charset="0"/>
-                          </a:rPr>
-                          <m:t>𝒏</m:t>
-                        </m:r>
-                      </m:e>
-                      <m:sup>
-                        <m:r>
-                          <a:rPr lang="en-US" altLang="zh-CN" b="1" i="1" smtClean="0">
-                            <a:latin typeface="Cambria Math" panose="02040503050406030204" pitchFamily="18" charset="0"/>
-                            <a:ea typeface="Cambria Math" panose="02040503050406030204" pitchFamily="18" charset="0"/>
-                          </a:rPr>
-                          <m:t>𝟑</m:t>
-                        </m:r>
-                      </m:sup>
-                    </m:sSup>
-                    <m:r>
-                      <a:rPr lang="en-US" altLang="zh-CN" b="1" i="1" smtClean="0">
-                        <a:latin typeface="Cambria Math" panose="02040503050406030204" pitchFamily="18" charset="0"/>
-                        <a:ea typeface="Cambria Math" panose="02040503050406030204" pitchFamily="18" charset="0"/>
-                      </a:rPr>
-                      <m:t>)</m:t>
-                    </m:r>
-                  </m:oMath>
-                </a14:m>
                 <a:r>
                   <a:rPr lang="zh-CN" altLang="en-US" dirty="0"/>
                   <a:t> </a:t>
@@ -2368,172 +2622,6 @@
                   <a:rPr lang="zh-CN" altLang="en-US" dirty="0"/>
                   <a:t> </a:t>
                 </a:r>
-                <a14:m>
-                  <m:oMath xmlns:m="http://schemas.openxmlformats.org/officeDocument/2006/math">
-                    <m:sSup>
-                      <m:sSupPr>
-                        <m:ctrlPr>
-                          <a:rPr lang="en-US" altLang="zh-CN" b="1" i="1">
-                            <a:latin typeface="Cambria Math" panose="02040503050406030204" pitchFamily="18" charset="0"/>
-                            <a:ea typeface="Cambria Math" panose="02040503050406030204" pitchFamily="18" charset="0"/>
-                          </a:rPr>
-                        </m:ctrlPr>
-                      </m:sSupPr>
-                      <m:e>
-                        <m:r>
-                          <a:rPr lang="en-US" altLang="zh-CN" b="1" i="1">
-                            <a:latin typeface="Cambria Math" panose="02040503050406030204" pitchFamily="18" charset="0"/>
-                            <a:ea typeface="Cambria Math" panose="02040503050406030204" pitchFamily="18" charset="0"/>
-                          </a:rPr>
-                          <m:t>𝚶</m:t>
-                        </m:r>
-                        <m:r>
-                          <a:rPr lang="en-US" altLang="zh-CN" b="1" i="1">
-                            <a:latin typeface="Cambria Math" panose="02040503050406030204" pitchFamily="18" charset="0"/>
-                            <a:ea typeface="Cambria Math" panose="02040503050406030204" pitchFamily="18" charset="0"/>
-                          </a:rPr>
-                          <m:t>(</m:t>
-                        </m:r>
-                        <m:r>
-                          <a:rPr lang="en-US" altLang="zh-CN" b="1" i="1">
-                            <a:latin typeface="Cambria Math" panose="02040503050406030204" pitchFamily="18" charset="0"/>
-                            <a:ea typeface="Cambria Math" panose="02040503050406030204" pitchFamily="18" charset="0"/>
-                          </a:rPr>
-                          <m:t>𝒏</m:t>
-                        </m:r>
-                      </m:e>
-                      <m:sup>
-                        <m:r>
-                          <a:rPr lang="en-US" altLang="zh-CN" b="1" i="1" smtClean="0">
-                            <a:latin typeface="Cambria Math" panose="02040503050406030204" pitchFamily="18" charset="0"/>
-                            <a:ea typeface="Cambria Math" panose="02040503050406030204" pitchFamily="18" charset="0"/>
-                          </a:rPr>
-                          <m:t>𝟐</m:t>
-                        </m:r>
-                      </m:sup>
-                    </m:sSup>
-                    <m:r>
-                      <a:rPr lang="en-US" altLang="zh-CN" b="1" i="1" smtClean="0">
-                        <a:latin typeface="Cambria Math" panose="02040503050406030204" pitchFamily="18" charset="0"/>
-                        <a:ea typeface="Cambria Math" panose="02040503050406030204" pitchFamily="18" charset="0"/>
-                      </a:rPr>
-                      <m:t>)</m:t>
-                    </m:r>
-                  </m:oMath>
-                </a14:m>
-                <a:endParaRPr lang="en-US" altLang="zh-CN" dirty="0"/>
-              </a:p>
-              <a:p>
-                <a:pPr marL="285750" indent="-285750">
-                  <a:buFontTx/>
-                  <a:buChar char="-"/>
-                </a:pPr>
-                <a:endParaRPr lang="en-US" altLang="zh-CN" dirty="0"/>
-              </a:p>
-            </p:txBody>
-          </p:sp>
-        </mc:Choice>
-        <mc:Fallback>
-          <p:sp>
-            <p:nvSpPr>
-              <p:cNvPr id="3" name="Notes Placeholder 2"/>
-              <p:cNvSpPr>
-                <a:spLocks noGrp="1"/>
-              </p:cNvSpPr>
-              <p:nvPr>
-                <p:ph type="body" idx="1"/>
-              </p:nvPr>
-            </p:nvSpPr>
-            <p:spPr/>
-            <p:txBody>
-              <a:bodyPr/>
-              <a:lstStyle/>
-              <a:p>
-                <a:pPr marL="285750" indent="-285750">
-                  <a:buFontTx/>
-                  <a:buChar char="-"/>
-                </a:pPr>
-                <a:r>
-                  <a:rPr lang="en-US" altLang="zh-CN" dirty="0"/>
-                  <a:t>Newton’s</a:t>
-                </a:r>
-                <a:r>
-                  <a:rPr lang="zh-CN" altLang="en-US" dirty="0"/>
-                  <a:t> </a:t>
-                </a:r>
-                <a:r>
-                  <a:rPr lang="en-US" altLang="zh-CN" dirty="0"/>
-                  <a:t>Method:</a:t>
-                </a:r>
-                <a:r>
-                  <a:rPr lang="zh-CN" altLang="en-US" dirty="0"/>
-                  <a:t> </a:t>
-                </a:r>
-                <a:r>
-                  <a:rPr lang="en-US" altLang="zh-CN" b="1" i="0">
-                    <a:latin typeface="Cambria Math" panose="02040503050406030204" pitchFamily="18" charset="0"/>
-                    <a:ea typeface="Cambria Math" panose="02040503050406030204" pitchFamily="18" charset="0"/>
-                  </a:rPr>
-                  <a:t>〖𝚶(𝒏〗^𝟑)</a:t>
-                </a:r>
-                <a:r>
-                  <a:rPr lang="zh-CN" altLang="en-US" dirty="0"/>
-                  <a:t> </a:t>
-                </a:r>
-                <a:r>
-                  <a:rPr lang="en-US" altLang="zh-CN" dirty="0"/>
-                  <a:t>(Inverse</a:t>
-                </a:r>
-                <a:r>
-                  <a:rPr lang="zh-CN" altLang="en-US" dirty="0"/>
-                  <a:t> </a:t>
-                </a:r>
-                <a:r>
-                  <a:rPr lang="en-US" altLang="zh-CN" dirty="0"/>
-                  <a:t>Matrix)</a:t>
-                </a:r>
-              </a:p>
-              <a:p>
-                <a:pPr marL="285750" indent="-285750">
-                  <a:buFontTx/>
-                  <a:buChar char="-"/>
-                </a:pPr>
-                <a:endParaRPr lang="en-US" altLang="zh-CN" dirty="0"/>
-              </a:p>
-              <a:p>
-                <a:pPr marL="285750" marR="0" lvl="0" indent="-285750" algn="l" defTabSz="914400" rtl="0" eaLnBrk="1" fontAlgn="auto" latinLnBrk="0" hangingPunct="1">
-                  <a:lnSpc>
-                    <a:spcPct val="100000"/>
-                  </a:lnSpc>
-                  <a:spcBef>
-                    <a:spcPts val="0"/>
-                  </a:spcBef>
-                  <a:spcAft>
-                    <a:spcPts val="0"/>
-                  </a:spcAft>
-                  <a:buClrTx/>
-                  <a:buSzTx/>
-                  <a:buFontTx/>
-                  <a:buChar char="-"/>
-                  <a:tabLst/>
-                  <a:defRPr/>
-                </a:pPr>
-                <a:r>
-                  <a:rPr lang="en-US" altLang="zh-CN" dirty="0"/>
-                  <a:t>Newton’s</a:t>
-                </a:r>
-                <a:r>
-                  <a:rPr lang="zh-CN" altLang="en-US" dirty="0"/>
-                  <a:t> </a:t>
-                </a:r>
-                <a:r>
-                  <a:rPr lang="en-US" altLang="zh-CN" dirty="0"/>
-                  <a:t>Method:</a:t>
-                </a:r>
-                <a:r>
-                  <a:rPr lang="zh-CN" altLang="en-US" dirty="0"/>
-                  <a:t> </a:t>
-                </a:r>
                 <a:r>
                   <a:rPr lang="en-US" altLang="zh-CN" b="1" i="0">
                     <a:latin typeface="Cambria Math" panose="02040503050406030204" pitchFamily="18" charset="0"/>
@@ -2571,7 +2659,7 @@
           <a:p>
             <a:fld id="{DF61EA0F-A667-4B49-8422-0062BC55E249}" type="slidenum">
               <a:rPr lang="en-US" smtClean="0"/>
-              <a:t>8</a:t>
+              <a:t>10</a:t>
             </a:fld>
             <a:endParaRPr lang="en-US" dirty="0"/>
           </a:p>
@@ -2581,187 +2669,6 @@
     <p:extLst>
       <p:ext uri="{BB962C8B-B14F-4D97-AF65-F5344CB8AC3E}">
         <p14:creationId xmlns:p14="http://schemas.microsoft.com/office/powerpoint/2010/main" val="2087697988"/>
-      </p:ext>
-    </p:extLst>
-  </p:cSld>
-  <p:clrMapOvr>
-    <a:masterClrMapping/>
-  </p:clrMapOvr>
-</p:notes>
-</file>
-
-<file path=ppt/notesSlides/notesSlide9.xml><?xml version="1.0" encoding="utf-8"?>
-<p:notes xmlns:a="http://schemas.openxmlformats.org/drawingml/2006/main" xmlns:r="http://schemas.openxmlformats.org/officeDocument/2006/relationships" xmlns:p="http://schemas.openxmlformats.org/presentationml/2006/main">
-  <p:cSld>
-    <p:spTree>
-      <p:nvGrpSpPr>
-        <p:cNvPr id="1" name=""/>
-        <p:cNvGrpSpPr/>
-        <p:nvPr/>
-      </p:nvGrpSpPr>
-      <p:grpSpPr>
-        <a:xfrm>
-          <a:off x="0" y="0"/>
-          <a:ext cx="0" cy="0"/>
-          <a:chOff x="0" y="0"/>
-          <a:chExt cx="0" cy="0"/>
-        </a:xfrm>
-      </p:grpSpPr>
-      <p:sp>
-        <p:nvSpPr>
-          <p:cNvPr id="2" name="Slide Image Placeholder 1"/>
-          <p:cNvSpPr>
-            <a:spLocks noGrp="1" noRot="1" noChangeAspect="1"/>
-          </p:cNvSpPr>
-          <p:nvPr>
-            <p:ph type="sldImg"/>
-          </p:nvPr>
-        </p:nvSpPr>
-        <p:spPr/>
-      </p:sp>
-      <p:sp>
-        <p:nvSpPr>
-          <p:cNvPr id="3" name="Notes Placeholder 2"/>
-          <p:cNvSpPr>
-            <a:spLocks noGrp="1"/>
-          </p:cNvSpPr>
-          <p:nvPr>
-            <p:ph type="body" idx="1"/>
-          </p:nvPr>
-        </p:nvSpPr>
-        <p:spPr/>
-        <p:txBody>
-          <a:bodyPr/>
-          <a:lstStyle/>
-          <a:p>
-            <a:r>
-              <a:rPr lang="en-US" altLang="zh-CN" dirty="0"/>
-              <a:t>Left:</a:t>
-            </a:r>
-            <a:r>
-              <a:rPr lang="zh-CN" altLang="en-US" dirty="0"/>
-              <a:t> </a:t>
-            </a:r>
-            <a:r>
-              <a:rPr lang="en-US" altLang="zh-CN" dirty="0"/>
-              <a:t>﻿The </a:t>
-            </a:r>
-            <a:r>
-              <a:rPr lang="en-US" altLang="zh-CN" dirty="0" err="1"/>
-              <a:t>quickprop</a:t>
-            </a:r>
-            <a:r>
-              <a:rPr lang="en-US" altLang="zh-CN" dirty="0"/>
-              <a:t> weight update takes the error derivatives at two points separated by</a:t>
-            </a:r>
-            <a:r>
-              <a:rPr lang="zh-CN" altLang="en-US" dirty="0"/>
-              <a:t> </a:t>
-            </a:r>
-            <a:r>
-              <a:rPr lang="en-US" altLang="zh-CN" dirty="0"/>
-              <a:t>a known amount, and by</a:t>
-            </a:r>
-            <a:r>
-              <a:rPr lang="zh-CN" altLang="en-US" dirty="0"/>
-              <a:t> </a:t>
-            </a:r>
-            <a:r>
-              <a:rPr lang="en-US" altLang="zh-CN" dirty="0"/>
-              <a:t>Eq. 51 makes its next weight value. If the error can be fully</a:t>
-            </a:r>
-            <a:r>
-              <a:rPr lang="zh-CN" altLang="en-US" dirty="0"/>
-              <a:t> </a:t>
-            </a:r>
-            <a:r>
-              <a:rPr lang="en-US" altLang="zh-CN" dirty="0"/>
-              <a:t>expressed as a second-order function, then the weight update</a:t>
-            </a:r>
-            <a:endParaRPr lang="en-US" dirty="0"/>
-          </a:p>
-          <a:p>
-            <a:endParaRPr lang="en-CN" dirty="0"/>
-          </a:p>
-          <a:p>
-            <a:r>
-              <a:rPr lang="en-US" altLang="zh-CN" dirty="0"/>
-              <a:t>Right:</a:t>
-            </a:r>
-            <a:r>
-              <a:rPr lang="zh-CN" altLang="en-US" dirty="0"/>
-              <a:t> </a:t>
-            </a:r>
-            <a:r>
-              <a:rPr lang="en-US" altLang="zh-CN" dirty="0"/>
-              <a:t>﻿Conjugate gradient descent in weight space employs a sequence of line searches. If ∆w(1) is the first descent direction, the second direction obeys ∆</a:t>
-            </a:r>
-            <a:r>
-              <a:rPr lang="en-US" altLang="zh-CN" dirty="0" err="1"/>
-              <a:t>wt</a:t>
-            </a:r>
-            <a:r>
-              <a:rPr lang="en-US" altLang="zh-CN" dirty="0"/>
-              <a:t>(1)</a:t>
-            </a:r>
-            <a:r>
-              <a:rPr lang="en-US" altLang="zh-CN" dirty="0" err="1"/>
-              <a:t>H∆w</a:t>
-            </a:r>
-            <a:r>
-              <a:rPr lang="en-US" altLang="zh-CN" dirty="0"/>
-              <a:t>(2) = 0. Note especially</a:t>
-            </a:r>
-            <a:r>
-              <a:rPr lang="zh-CN" altLang="en-US" dirty="0"/>
-              <a:t> </a:t>
-            </a:r>
-            <a:r>
-              <a:rPr lang="en-US" altLang="zh-CN" dirty="0"/>
-              <a:t>that along this second descent, the gradient changes only</a:t>
-            </a:r>
-            <a:r>
-              <a:rPr lang="zh-CN" altLang="en-US" dirty="0"/>
-              <a:t> </a:t>
-            </a:r>
-            <a:r>
-              <a:rPr lang="en-US" altLang="zh-CN" dirty="0"/>
-              <a:t>in magnitude, not direction; as such the second descent does not “spoil” the contribution due to the previous line search. In the case where the Hessian is diagonal (right), the directions of the line searches are orthogonal.</a:t>
-            </a:r>
-            <a:endParaRPr lang="en-CN" dirty="0"/>
-          </a:p>
-          <a:p>
-            <a:endParaRPr lang="en-CN" dirty="0"/>
-          </a:p>
-        </p:txBody>
-      </p:sp>
-      <p:sp>
-        <p:nvSpPr>
-          <p:cNvPr id="4" name="Slide Number Placeholder 3"/>
-          <p:cNvSpPr>
-            <a:spLocks noGrp="1"/>
-          </p:cNvSpPr>
-          <p:nvPr>
-            <p:ph type="sldNum" sz="quarter" idx="5"/>
-          </p:nvPr>
-        </p:nvSpPr>
-        <p:spPr/>
-        <p:txBody>
-          <a:bodyPr/>
-          <a:lstStyle/>
-          <a:p>
-            <a:fld id="{DF61EA0F-A667-4B49-8422-0062BC55E249}" type="slidenum">
-              <a:rPr lang="en-US" smtClean="0"/>
-              <a:t>9</a:t>
-            </a:fld>
-            <a:endParaRPr lang="en-US" dirty="0"/>
-          </a:p>
-        </p:txBody>
-      </p:sp>
-    </p:spTree>
-    <p:extLst>
-      <p:ext uri="{BB962C8B-B14F-4D97-AF65-F5344CB8AC3E}">
-        <p14:creationId xmlns:p14="http://schemas.microsoft.com/office/powerpoint/2010/main" val="1919789098"/>
       </p:ext>
     </p:extLst>
   </p:cSld>
@@ -2903,7 +2810,7 @@
             <a:fld id="{8BEEBAAA-29B5-4AF5-BC5F-7E580C29002D}" type="datetimeFigureOut">
               <a:rPr lang="en-US" smtClean="0"/>
               <a:pPr/>
-              <a:t>2/17/20</a:t>
+              <a:t>2/25/2020</a:t>
             </a:fld>
             <a:endParaRPr lang="en-US" dirty="0"/>
           </a:p>
@@ -3075,7 +2982,7 @@
             <a:fld id="{8BEEBAAA-29B5-4AF5-BC5F-7E580C29002D}" type="datetimeFigureOut">
               <a:rPr lang="en-US" smtClean="0"/>
               <a:pPr/>
-              <a:t>2/17/20</a:t>
+              <a:t>2/25/2020</a:t>
             </a:fld>
             <a:endParaRPr lang="en-US" dirty="0"/>
           </a:p>
@@ -3257,7 +3164,7 @@
             <a:fld id="{8BEEBAAA-29B5-4AF5-BC5F-7E580C29002D}" type="datetimeFigureOut">
               <a:rPr lang="en-US" smtClean="0"/>
               <a:pPr/>
-              <a:t>2/17/20</a:t>
+              <a:t>2/25/2020</a:t>
             </a:fld>
             <a:endParaRPr lang="en-US" dirty="0"/>
           </a:p>
@@ -4084,7 +3991,7 @@
             <a:fld id="{8BEEBAAA-29B5-4AF5-BC5F-7E580C29002D}" type="datetimeFigureOut">
               <a:rPr lang="en-US" smtClean="0"/>
               <a:pPr/>
-              <a:t>2/17/20</a:t>
+              <a:t>2/25/2020</a:t>
             </a:fld>
             <a:endParaRPr lang="en-US" dirty="0"/>
           </a:p>
@@ -4294,7 +4201,7 @@
             <a:fld id="{8BEEBAAA-29B5-4AF5-BC5F-7E580C29002D}" type="datetimeFigureOut">
               <a:rPr lang="en-US" smtClean="0"/>
               <a:pPr/>
-              <a:t>2/17/20</a:t>
+              <a:t>2/25/2020</a:t>
             </a:fld>
             <a:endParaRPr lang="en-US" dirty="0"/>
           </a:p>
@@ -4542,7 +4449,7 @@
             <a:fld id="{8BEEBAAA-29B5-4AF5-BC5F-7E580C29002D}" type="datetimeFigureOut">
               <a:rPr lang="en-US" smtClean="0"/>
               <a:pPr/>
-              <a:t>2/17/20</a:t>
+              <a:t>2/25/2020</a:t>
             </a:fld>
             <a:endParaRPr lang="en-US" dirty="0"/>
           </a:p>
@@ -4776,7 +4683,7 @@
             <a:fld id="{8BEEBAAA-29B5-4AF5-BC5F-7E580C29002D}" type="datetimeFigureOut">
               <a:rPr lang="en-US" smtClean="0"/>
               <a:pPr/>
-              <a:t>2/17/20</a:t>
+              <a:t>2/25/2020</a:t>
             </a:fld>
             <a:endParaRPr lang="en-US" dirty="0"/>
           </a:p>
@@ -5145,7 +5052,7 @@
             <a:fld id="{8BEEBAAA-29B5-4AF5-BC5F-7E580C29002D}" type="datetimeFigureOut">
               <a:rPr lang="en-US" smtClean="0"/>
               <a:pPr/>
-              <a:t>2/17/20</a:t>
+              <a:t>2/25/2020</a:t>
             </a:fld>
             <a:endParaRPr lang="en-US" dirty="0"/>
           </a:p>
@@ -5265,7 +5172,7 @@
             <a:fld id="{8BEEBAAA-29B5-4AF5-BC5F-7E580C29002D}" type="datetimeFigureOut">
               <a:rPr lang="en-US" smtClean="0"/>
               <a:pPr/>
-              <a:t>2/17/20</a:t>
+              <a:t>2/25/2020</a:t>
             </a:fld>
             <a:endParaRPr lang="en-US" dirty="0"/>
           </a:p>
@@ -5362,7 +5269,7 @@
             <a:fld id="{8BEEBAAA-29B5-4AF5-BC5F-7E580C29002D}" type="datetimeFigureOut">
               <a:rPr lang="en-US" smtClean="0"/>
               <a:pPr/>
-              <a:t>2/17/20</a:t>
+              <a:t>2/25/2020</a:t>
             </a:fld>
             <a:endParaRPr lang="en-US" dirty="0"/>
           </a:p>
@@ -5641,7 +5548,7 @@
             <a:fld id="{8BEEBAAA-29B5-4AF5-BC5F-7E580C29002D}" type="datetimeFigureOut">
               <a:rPr lang="en-US" smtClean="0"/>
               <a:pPr/>
-              <a:t>2/17/20</a:t>
+              <a:t>2/25/2020</a:t>
             </a:fld>
             <a:endParaRPr lang="en-US" dirty="0"/>
           </a:p>
@@ -5900,7 +5807,7 @@
             <a:fld id="{8BEEBAAA-29B5-4AF5-BC5F-7E580C29002D}" type="datetimeFigureOut">
               <a:rPr lang="en-US" smtClean="0"/>
               <a:pPr/>
-              <a:t>2/17/20</a:t>
+              <a:t>2/25/2020</a:t>
             </a:fld>
             <a:endParaRPr lang="en-US" dirty="0"/>
           </a:p>
@@ -6115,7 +6022,7 @@
             <a:fld id="{8BEEBAAA-29B5-4AF5-BC5F-7E580C29002D}" type="datetimeFigureOut">
               <a:rPr lang="en-US" smtClean="0"/>
               <a:pPr/>
-              <a:t>2/17/20</a:t>
+              <a:t>2/25/2020</a:t>
             </a:fld>
             <a:endParaRPr lang="en-US" dirty="0"/>
           </a:p>
@@ -6662,7 +6569,7 @@
         </p:nvSpPr>
         <p:spPr>
           <a:xfrm>
-            <a:off x="0" y="4097338"/>
+            <a:off x="953609" y="4198938"/>
             <a:ext cx="9582150" cy="822325"/>
           </a:xfrm>
         </p:spPr>
@@ -6682,8 +6589,19 @@
                 </a:solidFill>
                 <a:latin typeface="+mj-lt"/>
               </a:rPr>
-              <a:t>Version: 0.0.1</a:t>
-            </a:r>
+              <a:t>Version: 2.0</a:t>
+            </a:r>
+          </a:p>
+          <a:p>
+            <a:pPr marL="0" indent="0">
+              <a:buNone/>
+            </a:pPr>
+            <a:endParaRPr lang="en-US" sz="2400" dirty="0">
+              <a:solidFill>
+                <a:schemeClr val="bg1"/>
+              </a:solidFill>
+              <a:latin typeface="+mj-lt"/>
+            </a:endParaRPr>
           </a:p>
         </p:txBody>
       </p:sp>
@@ -6742,6 +6660,893 @@
           <a:p>
             <a:r>
               <a:rPr lang="en-US" altLang="zh-CN" b="1" dirty="0"/>
+              <a:t>High-order</a:t>
+            </a:r>
+            <a:r>
+              <a:rPr lang="zh-CN" altLang="en-US" b="1" dirty="0"/>
+              <a:t> </a:t>
+            </a:r>
+            <a:r>
+              <a:rPr lang="en-US" altLang="zh-CN" b="1" dirty="0"/>
+              <a:t>methods:</a:t>
+            </a:r>
+            <a:endParaRPr lang="en-US" b="1" dirty="0"/>
+          </a:p>
+        </p:txBody>
+      </p:sp>
+      <p:sp>
+        <p:nvSpPr>
+          <p:cNvPr id="2" name="TextBox 1">
+            <a:extLst>
+              <a:ext uri="{FF2B5EF4-FFF2-40B4-BE49-F238E27FC236}">
+                <a16:creationId xmlns:a16="http://schemas.microsoft.com/office/drawing/2014/main" id="{9B3E72DB-2AF9-476D-8E24-F78166BE6861}"/>
+              </a:ext>
+            </a:extLst>
+          </p:cNvPr>
+          <p:cNvSpPr txBox="1"/>
+          <p:nvPr/>
+        </p:nvSpPr>
+        <p:spPr>
+          <a:xfrm>
+            <a:off x="457392" y="2372478"/>
+            <a:ext cx="11277215" cy="3970318"/>
+          </a:xfrm>
+          <a:prstGeom prst="rect">
+            <a:avLst/>
+          </a:prstGeom>
+          <a:noFill/>
+        </p:spPr>
+        <p:txBody>
+          <a:bodyPr wrap="square" rtlCol="0">
+            <a:spAutoFit/>
+          </a:bodyPr>
+          <a:lstStyle/>
+          <a:p>
+            <a:pPr marL="285750" indent="-285750">
+              <a:buFontTx/>
+              <a:buChar char="-"/>
+            </a:pPr>
+            <a:r>
+              <a:rPr lang="en-US" altLang="zh-CN" dirty="0"/>
+              <a:t>Should</a:t>
+            </a:r>
+            <a:r>
+              <a:rPr lang="zh-CN" altLang="en-US" dirty="0"/>
+              <a:t> </a:t>
+            </a:r>
+            <a:r>
+              <a:rPr lang="en-US" altLang="zh-CN" dirty="0"/>
+              <a:t>be</a:t>
+            </a:r>
+            <a:r>
+              <a:rPr lang="zh-CN" altLang="en-US" dirty="0"/>
+              <a:t> </a:t>
+            </a:r>
+            <a:r>
+              <a:rPr lang="en-US" altLang="zh-CN" dirty="0"/>
+              <a:t>considered,</a:t>
+            </a:r>
+            <a:r>
+              <a:rPr lang="zh-CN" altLang="en-US" dirty="0"/>
+              <a:t> </a:t>
+            </a:r>
+            <a:r>
+              <a:rPr lang="en-US" altLang="zh-CN" dirty="0"/>
+              <a:t>if</a:t>
+            </a:r>
+            <a:r>
+              <a:rPr lang="zh-CN" altLang="en-US" dirty="0"/>
+              <a:t> </a:t>
+            </a:r>
+            <a:r>
+              <a:rPr lang="en-US" altLang="zh-CN" dirty="0"/>
+              <a:t>an objective function is highly non-linear and ill-conditioned. </a:t>
+            </a:r>
+          </a:p>
+          <a:p>
+            <a:pPr marL="285750" indent="-285750">
+              <a:buFontTx/>
+              <a:buChar char="-"/>
+            </a:pPr>
+            <a:r>
+              <a:rPr lang="en-US" altLang="zh-CN" dirty="0"/>
+              <a:t>More</a:t>
+            </a:r>
+            <a:r>
+              <a:rPr lang="zh-CN" altLang="en-US" dirty="0"/>
+              <a:t> </a:t>
+            </a:r>
+            <a:r>
+              <a:rPr lang="en-US" altLang="zh-CN" dirty="0"/>
+              <a:t>complicate</a:t>
+            </a:r>
+            <a:r>
+              <a:rPr lang="zh-CN" altLang="en-US" dirty="0"/>
+              <a:t> </a:t>
+            </a:r>
+            <a:r>
+              <a:rPr lang="en-US" altLang="zh-CN" dirty="0"/>
+              <a:t>than</a:t>
+            </a:r>
+            <a:r>
+              <a:rPr lang="zh-CN" altLang="en-US" dirty="0"/>
+              <a:t> </a:t>
+            </a:r>
+            <a:r>
+              <a:rPr lang="en-US" altLang="zh-CN" dirty="0"/>
+              <a:t>first-order</a:t>
+            </a:r>
+            <a:r>
+              <a:rPr lang="zh-CN" altLang="en-US" dirty="0"/>
+              <a:t> </a:t>
+            </a:r>
+            <a:r>
+              <a:rPr lang="en-US" altLang="zh-CN" dirty="0"/>
+              <a:t>methods.</a:t>
+            </a:r>
+          </a:p>
+          <a:p>
+            <a:pPr marL="285750" indent="-285750">
+              <a:buFontTx/>
+              <a:buChar char="-"/>
+            </a:pPr>
+            <a:r>
+              <a:rPr lang="en-US" altLang="zh-CN" dirty="0"/>
+              <a:t>Fast</a:t>
+            </a:r>
+            <a:r>
+              <a:rPr lang="zh-CN" altLang="en-US" dirty="0"/>
+              <a:t> </a:t>
+            </a:r>
+            <a:r>
+              <a:rPr lang="en-US" altLang="zh-CN" dirty="0"/>
+              <a:t>converging</a:t>
+            </a:r>
+            <a:r>
+              <a:rPr lang="zh-CN" altLang="en-US" dirty="0"/>
+              <a:t> </a:t>
+            </a:r>
+            <a:r>
+              <a:rPr lang="en-US" altLang="zh-CN" dirty="0"/>
+              <a:t>to</a:t>
+            </a:r>
+            <a:r>
+              <a:rPr lang="zh-CN" altLang="en-US" dirty="0"/>
+              <a:t> </a:t>
+            </a:r>
+            <a:r>
+              <a:rPr lang="en-US" altLang="zh-CN" dirty="0"/>
+              <a:t>more</a:t>
+            </a:r>
+            <a:r>
+              <a:rPr lang="zh-CN" altLang="en-US" dirty="0"/>
+              <a:t> </a:t>
+            </a:r>
+            <a:r>
+              <a:rPr lang="en-US" altLang="zh-CN" dirty="0"/>
+              <a:t>accuracy</a:t>
+            </a:r>
+            <a:r>
+              <a:rPr lang="zh-CN" altLang="en-US" dirty="0"/>
+              <a:t> </a:t>
+            </a:r>
+            <a:r>
+              <a:rPr lang="en-US" altLang="zh-CN" dirty="0"/>
+              <a:t>solution</a:t>
+            </a:r>
+            <a:r>
+              <a:rPr lang="zh-CN" altLang="en-US" dirty="0"/>
+              <a:t> </a:t>
+            </a:r>
+            <a:r>
+              <a:rPr lang="en-US" altLang="zh-CN" dirty="0"/>
+              <a:t>under</a:t>
+            </a:r>
+            <a:r>
+              <a:rPr lang="zh-CN" altLang="en-US" dirty="0"/>
+              <a:t> </a:t>
+            </a:r>
+            <a:r>
+              <a:rPr lang="en-US" altLang="zh-CN" dirty="0"/>
+              <a:t>strongly</a:t>
+            </a:r>
+            <a:r>
+              <a:rPr lang="zh-CN" altLang="en-US" dirty="0"/>
+              <a:t> </a:t>
+            </a:r>
+            <a:r>
+              <a:rPr lang="en-US" altLang="zh-CN" dirty="0"/>
+              <a:t>convex</a:t>
+            </a:r>
+            <a:r>
+              <a:rPr lang="zh-CN" altLang="en-US" dirty="0"/>
+              <a:t> </a:t>
+            </a:r>
+            <a:r>
+              <a:rPr lang="en-US" altLang="zh-CN" dirty="0"/>
+              <a:t>condition.</a:t>
+            </a:r>
+          </a:p>
+          <a:p>
+            <a:pPr marL="285750" indent="-285750">
+              <a:buFontTx/>
+              <a:buChar char="-"/>
+            </a:pPr>
+            <a:endParaRPr lang="en-US" dirty="0"/>
+          </a:p>
+          <a:p>
+            <a:pPr marL="285750" indent="-285750">
+              <a:buFontTx/>
+              <a:buChar char="-"/>
+            </a:pPr>
+            <a:r>
+              <a:rPr lang="en-US" altLang="zh-CN" dirty="0"/>
+              <a:t>Newton’s</a:t>
+            </a:r>
+            <a:r>
+              <a:rPr lang="zh-CN" altLang="en-US" dirty="0"/>
+              <a:t> </a:t>
+            </a:r>
+            <a:r>
+              <a:rPr lang="en-US" altLang="zh-CN" dirty="0"/>
+              <a:t>Method</a:t>
+            </a:r>
+          </a:p>
+          <a:p>
+            <a:pPr marL="742950" lvl="1" indent="-285750">
+              <a:buFontTx/>
+              <a:buChar char="-"/>
+            </a:pPr>
+            <a:r>
+              <a:rPr lang="en-US" altLang="zh-CN" dirty="0"/>
+              <a:t>Having</a:t>
+            </a:r>
+            <a:r>
+              <a:rPr lang="zh-CN" altLang="en-US" dirty="0"/>
+              <a:t> </a:t>
+            </a:r>
+            <a:r>
+              <a:rPr lang="en-US" altLang="zh-CN" dirty="0"/>
+              <a:t>to</a:t>
+            </a:r>
+            <a:r>
+              <a:rPr lang="zh-CN" altLang="en-US" dirty="0"/>
+              <a:t> </a:t>
+            </a:r>
+            <a:r>
+              <a:rPr lang="en-US" altLang="zh-CN" dirty="0"/>
+              <a:t>store</a:t>
+            </a:r>
+            <a:r>
+              <a:rPr lang="zh-CN" altLang="en-US" dirty="0"/>
+              <a:t> </a:t>
+            </a:r>
+            <a:r>
+              <a:rPr lang="en-US" altLang="zh-CN" dirty="0"/>
+              <a:t>the</a:t>
+            </a:r>
+            <a:r>
+              <a:rPr lang="zh-CN" altLang="en-US" dirty="0"/>
+              <a:t> </a:t>
+            </a:r>
+            <a:r>
+              <a:rPr lang="en-US" altLang="zh-CN" dirty="0"/>
+              <a:t>Hessian</a:t>
+            </a:r>
+            <a:r>
+              <a:rPr lang="zh-CN" altLang="en-US" dirty="0"/>
+              <a:t> </a:t>
+            </a:r>
+            <a:r>
+              <a:rPr lang="en-US" altLang="zh-CN" dirty="0"/>
+              <a:t>Matrix</a:t>
+            </a:r>
+            <a:r>
+              <a:rPr lang="zh-CN" altLang="en-US" dirty="0"/>
+              <a:t> </a:t>
+            </a:r>
+            <a:r>
+              <a:rPr lang="en-US" altLang="zh-CN" dirty="0"/>
+              <a:t>during</a:t>
+            </a:r>
+            <a:r>
+              <a:rPr lang="zh-CN" altLang="en-US" dirty="0"/>
+              <a:t> </a:t>
+            </a:r>
+            <a:r>
+              <a:rPr lang="en-US" altLang="zh-CN" dirty="0"/>
+              <a:t>each</a:t>
+            </a:r>
+            <a:r>
+              <a:rPr lang="zh-CN" altLang="en-US" dirty="0"/>
+              <a:t> </a:t>
+            </a:r>
+            <a:r>
+              <a:rPr lang="en-US" altLang="zh-CN" dirty="0"/>
+              <a:t>iteration.</a:t>
+            </a:r>
+          </a:p>
+          <a:p>
+            <a:pPr marL="285750" indent="-285750">
+              <a:buFontTx/>
+              <a:buChar char="-"/>
+            </a:pPr>
+            <a:endParaRPr lang="en-US" altLang="zh-CN" dirty="0"/>
+          </a:p>
+          <a:p>
+            <a:pPr marL="285750" indent="-285750">
+              <a:buFontTx/>
+              <a:buChar char="-"/>
+            </a:pPr>
+            <a:r>
+              <a:rPr lang="en-US" dirty="0"/>
+              <a:t>Quasi-Newton</a:t>
+            </a:r>
+            <a:r>
+              <a:rPr lang="en-US" altLang="zh-CN" dirty="0"/>
+              <a:t>’s</a:t>
+            </a:r>
+            <a:r>
+              <a:rPr lang="zh-CN" altLang="en-US" dirty="0"/>
+              <a:t> </a:t>
+            </a:r>
+            <a:r>
+              <a:rPr lang="en-US" altLang="zh-CN" dirty="0"/>
+              <a:t>Method</a:t>
+            </a:r>
+          </a:p>
+          <a:p>
+            <a:pPr marL="742950" lvl="1" indent="-285750">
+              <a:buFontTx/>
+              <a:buChar char="-"/>
+            </a:pPr>
+            <a:r>
+              <a:rPr lang="en-US" altLang="zh-CN" dirty="0"/>
+              <a:t>Improved version of Newton’s method.</a:t>
+            </a:r>
+            <a:r>
+              <a:rPr lang="zh-CN" altLang="en-US" dirty="0"/>
+              <a:t> </a:t>
+            </a:r>
+            <a:r>
+              <a:rPr lang="en-US" altLang="zh-CN" dirty="0"/>
+              <a:t>Doesn’t</a:t>
+            </a:r>
+            <a:r>
+              <a:rPr lang="zh-CN" altLang="en-US" dirty="0"/>
+              <a:t> </a:t>
+            </a:r>
+            <a:r>
+              <a:rPr lang="en-US" altLang="zh-CN" dirty="0"/>
+              <a:t>compute</a:t>
+            </a:r>
+            <a:r>
+              <a:rPr lang="zh-CN" altLang="en-US" dirty="0"/>
+              <a:t> </a:t>
+            </a:r>
+            <a:r>
+              <a:rPr lang="en-US" altLang="zh-CN" dirty="0"/>
+              <a:t>Hessian</a:t>
+            </a:r>
+            <a:r>
+              <a:rPr lang="zh-CN" altLang="en-US" dirty="0"/>
+              <a:t> </a:t>
+            </a:r>
+            <a:r>
+              <a:rPr lang="en-US" altLang="zh-CN" dirty="0"/>
+              <a:t>Matrix</a:t>
+            </a:r>
+            <a:r>
+              <a:rPr lang="zh-CN" altLang="en-US" dirty="0"/>
+              <a:t> </a:t>
+            </a:r>
+            <a:r>
+              <a:rPr lang="en-US" altLang="zh-CN" dirty="0"/>
+              <a:t>directly.</a:t>
+            </a:r>
+          </a:p>
+          <a:p>
+            <a:pPr marL="742950" lvl="1" indent="-285750">
+              <a:buFontTx/>
+              <a:buChar char="-"/>
+            </a:pPr>
+            <a:endParaRPr lang="en-US" altLang="zh-CN" dirty="0"/>
+          </a:p>
+          <a:p>
+            <a:pPr marL="285750" indent="-285750">
+              <a:buFontTx/>
+              <a:buChar char="-"/>
+            </a:pPr>
+            <a:r>
+              <a:rPr lang="en-US" altLang="zh-CN" dirty="0"/>
+              <a:t>Conjugate</a:t>
+            </a:r>
+            <a:r>
+              <a:rPr lang="zh-CN" altLang="en-US" dirty="0"/>
+              <a:t> </a:t>
+            </a:r>
+            <a:r>
+              <a:rPr lang="en-US" altLang="zh-CN" dirty="0"/>
+              <a:t>Gradient</a:t>
+            </a:r>
+            <a:r>
+              <a:rPr lang="zh-CN" altLang="en-US" dirty="0"/>
+              <a:t> </a:t>
+            </a:r>
+            <a:r>
+              <a:rPr lang="en-US" altLang="zh-CN" dirty="0"/>
+              <a:t>Descent</a:t>
+            </a:r>
+          </a:p>
+          <a:p>
+            <a:pPr marL="742950" lvl="1" indent="-285750">
+              <a:buFontTx/>
+              <a:buChar char="-"/>
+            </a:pPr>
+            <a:r>
+              <a:rPr lang="en-US" altLang="zh-CN" dirty="0"/>
+              <a:t>﻿Uses</a:t>
+            </a:r>
+            <a:r>
+              <a:rPr lang="zh-CN" altLang="en-US" dirty="0"/>
+              <a:t> </a:t>
+            </a:r>
+            <a:r>
+              <a:rPr lang="en-US" altLang="zh-CN" dirty="0"/>
+              <a:t>conjugate</a:t>
+            </a:r>
+            <a:r>
+              <a:rPr lang="zh-CN" altLang="en-US" dirty="0"/>
+              <a:t> </a:t>
+            </a:r>
+            <a:r>
+              <a:rPr lang="en-US" altLang="zh-CN" dirty="0"/>
+              <a:t>instead</a:t>
+            </a:r>
+            <a:r>
+              <a:rPr lang="zh-CN" altLang="en-US" dirty="0"/>
+              <a:t> </a:t>
+            </a:r>
+            <a:r>
+              <a:rPr lang="en-US" altLang="zh-CN" dirty="0"/>
+              <a:t>of</a:t>
+            </a:r>
+            <a:r>
+              <a:rPr lang="zh-CN" altLang="en-US" dirty="0"/>
+              <a:t> </a:t>
+            </a:r>
+            <a:r>
+              <a:rPr lang="en-US" altLang="zh-CN" dirty="0"/>
+              <a:t>Hessian</a:t>
+            </a:r>
+            <a:r>
+              <a:rPr lang="zh-CN" altLang="en-US" dirty="0"/>
+              <a:t> </a:t>
+            </a:r>
+            <a:r>
+              <a:rPr lang="en-US" altLang="zh-CN" dirty="0"/>
+              <a:t>Matrix.</a:t>
+            </a:r>
+          </a:p>
+          <a:p>
+            <a:pPr marL="742950" lvl="1" indent="-285750">
+              <a:buFontTx/>
+              <a:buChar char="-"/>
+            </a:pPr>
+            <a:r>
+              <a:rPr lang="en-US" altLang="zh-CN" dirty="0"/>
+              <a:t>line-search</a:t>
+            </a:r>
+            <a:r>
+              <a:rPr lang="zh-CN" altLang="en-US" dirty="0"/>
+              <a:t> </a:t>
+            </a:r>
+            <a:r>
+              <a:rPr lang="en-US" altLang="zh-CN" dirty="0"/>
+              <a:t>based.</a:t>
+            </a:r>
+          </a:p>
+          <a:p>
+            <a:pPr marL="742950" lvl="1" indent="-285750">
+              <a:buFontTx/>
+              <a:buChar char="-"/>
+            </a:pPr>
+            <a:r>
+              <a:rPr lang="en-US" altLang="zh-CN" dirty="0"/>
+              <a:t>Unstable</a:t>
+            </a:r>
+            <a:r>
+              <a:rPr lang="zh-CN" altLang="en-US" dirty="0"/>
+              <a:t> </a:t>
+            </a:r>
+            <a:r>
+              <a:rPr lang="en-US" altLang="zh-CN" dirty="0"/>
+              <a:t>to</a:t>
+            </a:r>
+            <a:r>
+              <a:rPr lang="zh-CN" altLang="en-US" dirty="0"/>
+              <a:t> </a:t>
+            </a:r>
+            <a:r>
+              <a:rPr lang="en-US" altLang="zh-CN" dirty="0"/>
+              <a:t>noise.</a:t>
+            </a:r>
+            <a:endParaRPr lang="en-US" dirty="0"/>
+          </a:p>
+        </p:txBody>
+      </p:sp>
+    </p:spTree>
+    <p:extLst>
+      <p:ext uri="{BB962C8B-B14F-4D97-AF65-F5344CB8AC3E}">
+        <p14:creationId xmlns:p14="http://schemas.microsoft.com/office/powerpoint/2010/main" val="3598025904"/>
+      </p:ext>
+    </p:extLst>
+  </p:cSld>
+  <p:clrMapOvr>
+    <a:masterClrMapping/>
+  </p:clrMapOvr>
+  <mc:AlternateContent xmlns:mc="http://schemas.openxmlformats.org/markup-compatibility/2006" xmlns:p15="http://schemas.microsoft.com/office/powerpoint/2012/main">
+    <mc:Choice Requires="p15">
+      <p:transition xmlns:p14="http://schemas.microsoft.com/office/powerpoint/2010/main" spd="slow" p14:dur="2000">
+        <p15:prstTrans prst="drape"/>
+      </p:transition>
+    </mc:Choice>
+    <mc:Fallback xmlns="">
+      <p:transition xmlns:p14="http://schemas.microsoft.com/office/powerpoint/2010/main" spd="slow">
+        <p:fade/>
+      </p:transition>
+    </mc:Fallback>
+  </mc:AlternateContent>
+</p:sld>
+</file>
+
+<file path=ppt/slides/slide11.xml><?xml version="1.0" encoding="utf-8"?>
+<p:sld xmlns:a="http://schemas.openxmlformats.org/drawingml/2006/main" xmlns:r="http://schemas.openxmlformats.org/officeDocument/2006/relationships" xmlns:p="http://schemas.openxmlformats.org/presentationml/2006/main">
+  <p:cSld>
+    <p:spTree>
+      <p:nvGrpSpPr>
+        <p:cNvPr id="1" name=""/>
+        <p:cNvGrpSpPr/>
+        <p:nvPr/>
+      </p:nvGrpSpPr>
+      <p:grpSpPr>
+        <a:xfrm>
+          <a:off x="0" y="0"/>
+          <a:ext cx="0" cy="0"/>
+          <a:chOff x="0" y="0"/>
+          <a:chExt cx="0" cy="0"/>
+        </a:xfrm>
+      </p:grpSpPr>
+      <p:sp>
+        <p:nvSpPr>
+          <p:cNvPr id="2" name="Title 1">
+            <a:extLst>
+              <a:ext uri="{FF2B5EF4-FFF2-40B4-BE49-F238E27FC236}">
+                <a16:creationId xmlns:a16="http://schemas.microsoft.com/office/drawing/2014/main" id="{28E77A33-13E3-4778-AFD2-7DEED31A32A9}"/>
+              </a:ext>
+            </a:extLst>
+          </p:cNvPr>
+          <p:cNvSpPr>
+            <a:spLocks noGrp="1"/>
+          </p:cNvSpPr>
+          <p:nvPr>
+            <p:ph type="title"/>
+          </p:nvPr>
+        </p:nvSpPr>
+        <p:spPr>
+          <a:xfrm>
+            <a:off x="1785352" y="5550221"/>
+            <a:ext cx="2043863" cy="640080"/>
+          </a:xfrm>
+        </p:spPr>
+        <p:txBody>
+          <a:bodyPr/>
+          <a:lstStyle/>
+          <a:p>
+            <a:r>
+              <a:rPr lang="en-US" altLang="zh-CN" dirty="0"/>
+              <a:t>fig.1</a:t>
+            </a:r>
+            <a:endParaRPr lang="en-US" dirty="0"/>
+          </a:p>
+        </p:txBody>
+      </p:sp>
+      <p:pic>
+        <p:nvPicPr>
+          <p:cNvPr id="4" name="Content Placeholder 3">
+            <a:extLst>
+              <a:ext uri="{FF2B5EF4-FFF2-40B4-BE49-F238E27FC236}">
+                <a16:creationId xmlns:a16="http://schemas.microsoft.com/office/drawing/2014/main" id="{2C58965F-28AF-5244-81BE-BF3540CCD05B}"/>
+              </a:ext>
+            </a:extLst>
+          </p:cNvPr>
+          <p:cNvPicPr>
+            <a:picLocks noGrp="1" noChangeAspect="1"/>
+          </p:cNvPicPr>
+          <p:nvPr>
+            <p:ph sz="quarter" idx="10"/>
+          </p:nvPr>
+        </p:nvPicPr>
+        <p:blipFill>
+          <a:blip r:embed="rId3"/>
+          <a:stretch>
+            <a:fillRect/>
+          </a:stretch>
+        </p:blipFill>
+        <p:spPr>
+          <a:xfrm>
+            <a:off x="521207" y="1307779"/>
+            <a:ext cx="4287147" cy="3978275"/>
+          </a:xfrm>
+          <a:prstGeom prst="rect">
+            <a:avLst/>
+          </a:prstGeom>
+        </p:spPr>
+      </p:pic>
+      <p:pic>
+        <p:nvPicPr>
+          <p:cNvPr id="5" name="Picture 4">
+            <a:extLst>
+              <a:ext uri="{FF2B5EF4-FFF2-40B4-BE49-F238E27FC236}">
+                <a16:creationId xmlns:a16="http://schemas.microsoft.com/office/drawing/2014/main" id="{AE7B18EC-AEF1-C845-924E-B0896E3E104E}"/>
+              </a:ext>
+            </a:extLst>
+          </p:cNvPr>
+          <p:cNvPicPr>
+            <a:picLocks noChangeAspect="1"/>
+          </p:cNvPicPr>
+          <p:nvPr/>
+        </p:nvPicPr>
+        <p:blipFill>
+          <a:blip r:embed="rId4"/>
+          <a:stretch>
+            <a:fillRect/>
+          </a:stretch>
+        </p:blipFill>
+        <p:spPr>
+          <a:xfrm>
+            <a:off x="4659746" y="2045389"/>
+            <a:ext cx="7241880" cy="3061001"/>
+          </a:xfrm>
+          <a:prstGeom prst="rect">
+            <a:avLst/>
+          </a:prstGeom>
+        </p:spPr>
+      </p:pic>
+      <p:sp>
+        <p:nvSpPr>
+          <p:cNvPr id="6" name="Title 1">
+            <a:extLst>
+              <a:ext uri="{FF2B5EF4-FFF2-40B4-BE49-F238E27FC236}">
+                <a16:creationId xmlns:a16="http://schemas.microsoft.com/office/drawing/2014/main" id="{1E4C0EB7-E26C-5A4F-889A-F1064AED92C8}"/>
+              </a:ext>
+            </a:extLst>
+          </p:cNvPr>
+          <p:cNvSpPr txBox="1">
+            <a:spLocks/>
+          </p:cNvSpPr>
+          <p:nvPr/>
+        </p:nvSpPr>
+        <p:spPr>
+          <a:xfrm>
+            <a:off x="5892235" y="5550221"/>
+            <a:ext cx="2043863" cy="640080"/>
+          </a:xfrm>
+          <a:prstGeom prst="rect">
+            <a:avLst/>
+          </a:prstGeom>
+        </p:spPr>
+        <p:txBody>
+          <a:bodyPr vert="horz" lIns="91440" tIns="45720" rIns="91440" bIns="45720" rtlCol="0" anchor="b" anchorCtr="0">
+            <a:normAutofit/>
+          </a:bodyPr>
+          <a:lstStyle>
+            <a:lvl1pPr algn="l" defTabSz="914400" rtl="0" eaLnBrk="1" latinLnBrk="0" hangingPunct="1">
+              <a:lnSpc>
+                <a:spcPct val="90000"/>
+              </a:lnSpc>
+              <a:spcBef>
+                <a:spcPct val="0"/>
+              </a:spcBef>
+              <a:buNone/>
+              <a:defRPr sz="2800" kern="1200">
+                <a:solidFill>
+                  <a:schemeClr val="bg2">
+                    <a:lumMod val="25000"/>
+                  </a:schemeClr>
+                </a:solidFill>
+                <a:latin typeface="+mj-lt"/>
+                <a:ea typeface="+mj-ea"/>
+                <a:cs typeface="+mj-cs"/>
+              </a:defRPr>
+            </a:lvl1pPr>
+          </a:lstStyle>
+          <a:p>
+            <a:r>
+              <a:rPr lang="en-US" altLang="zh-CN" dirty="0"/>
+              <a:t>fig.2.a</a:t>
+            </a:r>
+            <a:endParaRPr lang="en-US" dirty="0"/>
+          </a:p>
+        </p:txBody>
+      </p:sp>
+      <p:sp>
+        <p:nvSpPr>
+          <p:cNvPr id="7" name="Title 1">
+            <a:extLst>
+              <a:ext uri="{FF2B5EF4-FFF2-40B4-BE49-F238E27FC236}">
+                <a16:creationId xmlns:a16="http://schemas.microsoft.com/office/drawing/2014/main" id="{6E56D5A1-2413-3C43-B30D-1B3E1CD68562}"/>
+              </a:ext>
+            </a:extLst>
+          </p:cNvPr>
+          <p:cNvSpPr txBox="1">
+            <a:spLocks/>
+          </p:cNvSpPr>
+          <p:nvPr/>
+        </p:nvSpPr>
+        <p:spPr>
+          <a:xfrm>
+            <a:off x="9751716" y="5550221"/>
+            <a:ext cx="2043863" cy="640080"/>
+          </a:xfrm>
+          <a:prstGeom prst="rect">
+            <a:avLst/>
+          </a:prstGeom>
+        </p:spPr>
+        <p:txBody>
+          <a:bodyPr vert="horz" lIns="91440" tIns="45720" rIns="91440" bIns="45720" rtlCol="0" anchor="b" anchorCtr="0">
+            <a:normAutofit/>
+          </a:bodyPr>
+          <a:lstStyle>
+            <a:lvl1pPr algn="l" defTabSz="914400" rtl="0" eaLnBrk="1" latinLnBrk="0" hangingPunct="1">
+              <a:lnSpc>
+                <a:spcPct val="90000"/>
+              </a:lnSpc>
+              <a:spcBef>
+                <a:spcPct val="0"/>
+              </a:spcBef>
+              <a:buNone/>
+              <a:defRPr sz="2800" kern="1200">
+                <a:solidFill>
+                  <a:schemeClr val="bg2">
+                    <a:lumMod val="25000"/>
+                  </a:schemeClr>
+                </a:solidFill>
+                <a:latin typeface="+mj-lt"/>
+                <a:ea typeface="+mj-ea"/>
+                <a:cs typeface="+mj-cs"/>
+              </a:defRPr>
+            </a:lvl1pPr>
+          </a:lstStyle>
+          <a:p>
+            <a:r>
+              <a:rPr lang="en-US" altLang="zh-CN" dirty="0"/>
+              <a:t>fig.2.b</a:t>
+            </a:r>
+            <a:endParaRPr lang="en-US" dirty="0"/>
+          </a:p>
+        </p:txBody>
+      </p:sp>
+      <p:sp>
+        <p:nvSpPr>
+          <p:cNvPr id="8" name="Title 1">
+            <a:extLst>
+              <a:ext uri="{FF2B5EF4-FFF2-40B4-BE49-F238E27FC236}">
+                <a16:creationId xmlns:a16="http://schemas.microsoft.com/office/drawing/2014/main" id="{DA2A31E3-A446-9446-AAFE-CA26EEBB5A77}"/>
+              </a:ext>
+            </a:extLst>
+          </p:cNvPr>
+          <p:cNvSpPr txBox="1">
+            <a:spLocks/>
+          </p:cNvSpPr>
+          <p:nvPr/>
+        </p:nvSpPr>
+        <p:spPr>
+          <a:xfrm>
+            <a:off x="521207" y="403532"/>
+            <a:ext cx="6877119" cy="640080"/>
+          </a:xfrm>
+          <a:prstGeom prst="rect">
+            <a:avLst/>
+          </a:prstGeom>
+        </p:spPr>
+        <p:txBody>
+          <a:bodyPr vert="horz" lIns="91440" tIns="45720" rIns="91440" bIns="45720" rtlCol="0" anchor="b" anchorCtr="0">
+            <a:normAutofit/>
+          </a:bodyPr>
+          <a:lstStyle>
+            <a:lvl1pPr algn="l" defTabSz="914400" rtl="0" eaLnBrk="1" latinLnBrk="0" hangingPunct="1">
+              <a:lnSpc>
+                <a:spcPct val="90000"/>
+              </a:lnSpc>
+              <a:spcBef>
+                <a:spcPct val="0"/>
+              </a:spcBef>
+              <a:buNone/>
+              <a:defRPr sz="2800" kern="1200">
+                <a:solidFill>
+                  <a:schemeClr val="bg2">
+                    <a:lumMod val="25000"/>
+                  </a:schemeClr>
+                </a:solidFill>
+                <a:latin typeface="+mj-lt"/>
+                <a:ea typeface="+mj-ea"/>
+                <a:cs typeface="+mj-cs"/>
+              </a:defRPr>
+            </a:lvl1pPr>
+          </a:lstStyle>
+          <a:p>
+            <a:r>
+              <a:rPr lang="en-US" dirty="0"/>
+              <a:t>Chart</a:t>
+            </a:r>
+            <a:r>
+              <a:rPr lang="zh-CN" altLang="en-US" dirty="0"/>
+              <a:t> </a:t>
+            </a:r>
+            <a:r>
+              <a:rPr lang="en-US" altLang="zh-CN" dirty="0"/>
+              <a:t>Explanation</a:t>
+            </a:r>
+            <a:endParaRPr lang="en-US" dirty="0"/>
+          </a:p>
+        </p:txBody>
+      </p:sp>
+    </p:spTree>
+    <p:extLst>
+      <p:ext uri="{BB962C8B-B14F-4D97-AF65-F5344CB8AC3E}">
+        <p14:creationId xmlns:p14="http://schemas.microsoft.com/office/powerpoint/2010/main" val="221961260"/>
+      </p:ext>
+    </p:extLst>
+  </p:cSld>
+  <p:clrMapOvr>
+    <a:masterClrMapping/>
+  </p:clrMapOvr>
+</p:sld>
+</file>
+
+<file path=ppt/slides/slide12.xml><?xml version="1.0" encoding="utf-8"?>
+<p:sld xmlns:a="http://schemas.openxmlformats.org/drawingml/2006/main" xmlns:r="http://schemas.openxmlformats.org/officeDocument/2006/relationships" xmlns:p="http://schemas.openxmlformats.org/presentationml/2006/main">
+  <p:cSld>
+    <p:spTree>
+      <p:nvGrpSpPr>
+        <p:cNvPr id="1" name=""/>
+        <p:cNvGrpSpPr/>
+        <p:nvPr/>
+      </p:nvGrpSpPr>
+      <p:grpSpPr>
+        <a:xfrm>
+          <a:off x="0" y="0"/>
+          <a:ext cx="0" cy="0"/>
+          <a:chOff x="0" y="0"/>
+          <a:chExt cx="0" cy="0"/>
+        </a:xfrm>
+      </p:grpSpPr>
+      <p:sp>
+        <p:nvSpPr>
+          <p:cNvPr id="4" name="Title 3">
+            <a:extLst>
+              <a:ext uri="{FF2B5EF4-FFF2-40B4-BE49-F238E27FC236}">
+                <a16:creationId xmlns:a16="http://schemas.microsoft.com/office/drawing/2014/main" id="{37F5FAC2-534F-474C-A411-EDF6BBF61800}"/>
+              </a:ext>
+            </a:extLst>
+          </p:cNvPr>
+          <p:cNvSpPr>
+            <a:spLocks noGrp="1"/>
+          </p:cNvSpPr>
+          <p:nvPr>
+            <p:ph type="title"/>
+          </p:nvPr>
+        </p:nvSpPr>
+        <p:spPr/>
+        <p:txBody>
+          <a:bodyPr>
+            <a:normAutofit/>
+          </a:bodyPr>
+          <a:lstStyle/>
+          <a:p>
+            <a:r>
+              <a:rPr lang="en-US" altLang="zh-CN" b="1" dirty="0"/>
               <a:t>Derivative-free</a:t>
             </a:r>
             <a:r>
@@ -7372,7 +8177,7 @@
 </p:sld>
 </file>
 
-<file path=ppt/slides/slide11.xml><?xml version="1.0" encoding="utf-8"?>
+<file path=ppt/slides/slide13.xml><?xml version="1.0" encoding="utf-8"?>
 <p:sld xmlns:a="http://schemas.openxmlformats.org/drawingml/2006/main" xmlns:r="http://schemas.openxmlformats.org/officeDocument/2006/relationships" xmlns:p="http://schemas.openxmlformats.org/presentationml/2006/main">
   <p:cSld>
     <p:spTree>
@@ -7649,7 +8454,7 @@
 </p:sld>
 </file>
 
-<file path=ppt/slides/slide12.xml><?xml version="1.0" encoding="utf-8"?>
+<file path=ppt/slides/slide14.xml><?xml version="1.0" encoding="utf-8"?>
 <p:sld xmlns:a="http://schemas.openxmlformats.org/drawingml/2006/main" xmlns:r="http://schemas.openxmlformats.org/officeDocument/2006/relationships" xmlns:p="http://schemas.openxmlformats.org/presentationml/2006/main">
   <p:cSld>
     <p:spTree>
@@ -7902,7 +8707,7 @@
         <p:spPr>
           <a:xfrm>
             <a:off x="521208" y="2716567"/>
-            <a:ext cx="11277215" cy="1754326"/>
+            <a:ext cx="11277215" cy="3139321"/>
           </a:xfrm>
           <a:prstGeom prst="rect">
             <a:avLst/>
@@ -7925,10 +8730,7 @@
               <a:buFontTx/>
               <a:buChar char="-"/>
             </a:pPr>
-            <a:r>
-              <a:rPr lang="en-US" dirty="0"/>
-              <a:t>Neural Network</a:t>
-            </a:r>
+            <a:endParaRPr lang="en-US" dirty="0"/>
           </a:p>
           <a:p>
             <a:pPr marL="285750" indent="-285750">
@@ -7937,7 +8739,7 @@
             </a:pPr>
             <a:r>
               <a:rPr lang="en-US" dirty="0"/>
-              <a:t>Reinforcement Learning</a:t>
+              <a:t>Neural Network</a:t>
             </a:r>
           </a:p>
           <a:p>
@@ -7945,10 +8747,7 @@
               <a:buFontTx/>
               <a:buChar char="-"/>
             </a:pPr>
-            <a:r>
-              <a:rPr lang="en-US" dirty="0"/>
-              <a:t>Meta Learning</a:t>
-            </a:r>
+            <a:endParaRPr lang="en-US" dirty="0"/>
           </a:p>
           <a:p>
             <a:pPr marL="285750" indent="-285750">
@@ -7957,8 +8756,49 @@
             </a:pPr>
             <a:r>
               <a:rPr lang="en-US" dirty="0"/>
+              <a:t>Reinforcement Learning</a:t>
+            </a:r>
+          </a:p>
+          <a:p>
+            <a:pPr marL="285750" indent="-285750">
+              <a:buFontTx/>
+              <a:buChar char="-"/>
+            </a:pPr>
+            <a:endParaRPr lang="en-US" dirty="0"/>
+          </a:p>
+          <a:p>
+            <a:pPr marL="285750" indent="-285750">
+              <a:buFontTx/>
+              <a:buChar char="-"/>
+            </a:pPr>
+            <a:r>
+              <a:rPr lang="en-US" dirty="0"/>
+              <a:t>Meta Learning</a:t>
+            </a:r>
+          </a:p>
+          <a:p>
+            <a:pPr marL="285750" indent="-285750">
+              <a:buFontTx/>
+              <a:buChar char="-"/>
+            </a:pPr>
+            <a:endParaRPr lang="en-US" dirty="0"/>
+          </a:p>
+          <a:p>
+            <a:pPr marL="285750" indent="-285750">
+              <a:buFontTx/>
+              <a:buChar char="-"/>
+            </a:pPr>
+            <a:r>
+              <a:rPr lang="en-US" dirty="0"/>
               <a:t>Variational Inference</a:t>
             </a:r>
+          </a:p>
+          <a:p>
+            <a:pPr marL="285750" indent="-285750">
+              <a:buFontTx/>
+              <a:buChar char="-"/>
+            </a:pPr>
+            <a:endParaRPr lang="en-US" dirty="0"/>
           </a:p>
           <a:p>
             <a:pPr marL="285750" indent="-285750">
@@ -8016,6 +8856,346 @@
       </p:grpSpPr>
       <p:sp>
         <p:nvSpPr>
+          <p:cNvPr id="2" name="Title 1">
+            <a:extLst>
+              <a:ext uri="{FF2B5EF4-FFF2-40B4-BE49-F238E27FC236}">
+                <a16:creationId xmlns:a16="http://schemas.microsoft.com/office/drawing/2014/main" id="{9143B11C-E556-476D-B623-66F7C43233F4}"/>
+              </a:ext>
+            </a:extLst>
+          </p:cNvPr>
+          <p:cNvSpPr>
+            <a:spLocks noGrp="1"/>
+          </p:cNvSpPr>
+          <p:nvPr>
+            <p:ph type="title"/>
+          </p:nvPr>
+        </p:nvSpPr>
+        <p:spPr/>
+        <p:txBody>
+          <a:bodyPr/>
+          <a:lstStyle/>
+          <a:p>
+            <a:r>
+              <a:rPr lang="en-US" altLang="zh-CN" dirty="0"/>
+              <a:t>Neural Networks</a:t>
+            </a:r>
+            <a:endParaRPr lang="en-US" dirty="0"/>
+          </a:p>
+        </p:txBody>
+      </p:sp>
+      <p:pic>
+        <p:nvPicPr>
+          <p:cNvPr id="4" name="Content Placeholder 3">
+            <a:extLst>
+              <a:ext uri="{FF2B5EF4-FFF2-40B4-BE49-F238E27FC236}">
+                <a16:creationId xmlns:a16="http://schemas.microsoft.com/office/drawing/2014/main" id="{81419E2A-44CE-431C-862E-1FCAE5BB77D5}"/>
+              </a:ext>
+            </a:extLst>
+          </p:cNvPr>
+          <p:cNvPicPr>
+            <a:picLocks noGrp="1" noChangeAspect="1"/>
+          </p:cNvPicPr>
+          <p:nvPr>
+            <p:ph sz="quarter" idx="13"/>
+          </p:nvPr>
+        </p:nvPicPr>
+        <p:blipFill>
+          <a:blip r:embed="rId2"/>
+          <a:stretch>
+            <a:fillRect/>
+          </a:stretch>
+        </p:blipFill>
+        <p:spPr>
+          <a:xfrm>
+            <a:off x="5068709" y="2363415"/>
+            <a:ext cx="7003209" cy="3976687"/>
+          </a:xfrm>
+          <a:prstGeom prst="rect">
+            <a:avLst/>
+          </a:prstGeom>
+        </p:spPr>
+      </p:pic>
+      <p:sp>
+        <p:nvSpPr>
+          <p:cNvPr id="5" name="Rectangle 4">
+            <a:extLst>
+              <a:ext uri="{FF2B5EF4-FFF2-40B4-BE49-F238E27FC236}">
+                <a16:creationId xmlns:a16="http://schemas.microsoft.com/office/drawing/2014/main" id="{A297EBC2-C3FD-48EE-9EFA-D276C5D1C9A0}"/>
+              </a:ext>
+            </a:extLst>
+          </p:cNvPr>
+          <p:cNvSpPr/>
+          <p:nvPr/>
+        </p:nvSpPr>
+        <p:spPr>
+          <a:xfrm>
+            <a:off x="4210756" y="1620526"/>
+            <a:ext cx="6876288" cy="640080"/>
+          </a:xfrm>
+          <a:prstGeom prst="rect">
+            <a:avLst/>
+          </a:prstGeom>
+        </p:spPr>
+        <p:txBody>
+          <a:bodyPr wrap="square">
+            <a:spAutoFit/>
+          </a:bodyPr>
+          <a:lstStyle/>
+          <a:p>
+            <a:r>
+              <a:rPr lang="en-US" dirty="0"/>
+              <a:t>any continuous function from input to output can be implemented in a three-layers net</a:t>
+            </a:r>
+          </a:p>
+        </p:txBody>
+      </p:sp>
+      <p:pic>
+        <p:nvPicPr>
+          <p:cNvPr id="6" name="Content Placeholder 3">
+            <a:extLst>
+              <a:ext uri="{FF2B5EF4-FFF2-40B4-BE49-F238E27FC236}">
+                <a16:creationId xmlns:a16="http://schemas.microsoft.com/office/drawing/2014/main" id="{F52D3A57-BC76-47CB-9B83-496C5F6A2049}"/>
+              </a:ext>
+            </a:extLst>
+          </p:cNvPr>
+          <p:cNvPicPr>
+            <a:picLocks noChangeAspect="1"/>
+          </p:cNvPicPr>
+          <p:nvPr/>
+        </p:nvPicPr>
+        <p:blipFill>
+          <a:blip r:embed="rId3"/>
+          <a:stretch>
+            <a:fillRect/>
+          </a:stretch>
+        </p:blipFill>
+        <p:spPr>
+          <a:xfrm>
+            <a:off x="317314" y="2447749"/>
+            <a:ext cx="5654508" cy="3976687"/>
+          </a:xfrm>
+          <a:prstGeom prst="rect">
+            <a:avLst/>
+          </a:prstGeom>
+        </p:spPr>
+      </p:pic>
+    </p:spTree>
+    <p:extLst>
+      <p:ext uri="{BB962C8B-B14F-4D97-AF65-F5344CB8AC3E}">
+        <p14:creationId xmlns:p14="http://schemas.microsoft.com/office/powerpoint/2010/main" val="2307373144"/>
+      </p:ext>
+    </p:extLst>
+  </p:cSld>
+  <p:clrMapOvr>
+    <a:masterClrMapping/>
+  </p:clrMapOvr>
+</p:sld>
+</file>
+
+<file path=ppt/slides/slide4.xml><?xml version="1.0" encoding="utf-8"?>
+<p:sld xmlns:a="http://schemas.openxmlformats.org/drawingml/2006/main" xmlns:r="http://schemas.openxmlformats.org/officeDocument/2006/relationships" xmlns:p="http://schemas.openxmlformats.org/presentationml/2006/main">
+  <p:cSld>
+    <p:spTree>
+      <p:nvGrpSpPr>
+        <p:cNvPr id="1" name=""/>
+        <p:cNvGrpSpPr/>
+        <p:nvPr/>
+      </p:nvGrpSpPr>
+      <p:grpSpPr>
+        <a:xfrm>
+          <a:off x="0" y="0"/>
+          <a:ext cx="0" cy="0"/>
+          <a:chOff x="0" y="0"/>
+          <a:chExt cx="0" cy="0"/>
+        </a:xfrm>
+      </p:grpSpPr>
+      <p:sp>
+        <p:nvSpPr>
+          <p:cNvPr id="2" name="Title 1">
+            <a:extLst>
+              <a:ext uri="{FF2B5EF4-FFF2-40B4-BE49-F238E27FC236}">
+                <a16:creationId xmlns:a16="http://schemas.microsoft.com/office/drawing/2014/main" id="{94F62F0C-1AB4-4C00-B965-73E0C755F2D0}"/>
+              </a:ext>
+            </a:extLst>
+          </p:cNvPr>
+          <p:cNvSpPr>
+            <a:spLocks noGrp="1"/>
+          </p:cNvSpPr>
+          <p:nvPr>
+            <p:ph type="title"/>
+          </p:nvPr>
+        </p:nvSpPr>
+        <p:spPr/>
+        <p:txBody>
+          <a:bodyPr/>
+          <a:lstStyle/>
+          <a:p>
+            <a:r>
+              <a:rPr lang="en-US" dirty="0"/>
+              <a:t>Back Propagation</a:t>
+            </a:r>
+          </a:p>
+        </p:txBody>
+      </p:sp>
+      <p:pic>
+        <p:nvPicPr>
+          <p:cNvPr id="4" name="Content Placeholder 3">
+            <a:extLst>
+              <a:ext uri="{FF2B5EF4-FFF2-40B4-BE49-F238E27FC236}">
+                <a16:creationId xmlns:a16="http://schemas.microsoft.com/office/drawing/2014/main" id="{F0ABE7A2-CED2-4E40-A4E4-A67AA64D684E}"/>
+              </a:ext>
+            </a:extLst>
+          </p:cNvPr>
+          <p:cNvPicPr>
+            <a:picLocks noGrp="1" noChangeAspect="1"/>
+          </p:cNvPicPr>
+          <p:nvPr>
+            <p:ph sz="quarter" idx="13"/>
+          </p:nvPr>
+        </p:nvPicPr>
+        <p:blipFill>
+          <a:blip r:embed="rId3"/>
+          <a:stretch>
+            <a:fillRect/>
+          </a:stretch>
+        </p:blipFill>
+        <p:spPr>
+          <a:xfrm>
+            <a:off x="812288" y="3205326"/>
+            <a:ext cx="5942857" cy="1190476"/>
+          </a:xfrm>
+          <a:prstGeom prst="rect">
+            <a:avLst/>
+          </a:prstGeom>
+        </p:spPr>
+      </p:pic>
+      <p:pic>
+        <p:nvPicPr>
+          <p:cNvPr id="5" name="Picture 4">
+            <a:extLst>
+              <a:ext uri="{FF2B5EF4-FFF2-40B4-BE49-F238E27FC236}">
+                <a16:creationId xmlns:a16="http://schemas.microsoft.com/office/drawing/2014/main" id="{5FFA6F2A-9357-4C59-A64C-037D9A2F46BA}"/>
+              </a:ext>
+            </a:extLst>
+          </p:cNvPr>
+          <p:cNvPicPr>
+            <a:picLocks noChangeAspect="1"/>
+          </p:cNvPicPr>
+          <p:nvPr/>
+        </p:nvPicPr>
+        <p:blipFill>
+          <a:blip r:embed="rId4"/>
+          <a:stretch>
+            <a:fillRect/>
+          </a:stretch>
+        </p:blipFill>
+        <p:spPr>
+          <a:xfrm>
+            <a:off x="812289" y="4561495"/>
+            <a:ext cx="3914286" cy="1257143"/>
+          </a:xfrm>
+          <a:prstGeom prst="rect">
+            <a:avLst/>
+          </a:prstGeom>
+        </p:spPr>
+      </p:pic>
+      <p:sp>
+        <p:nvSpPr>
+          <p:cNvPr id="6" name="TextBox 5">
+            <a:extLst>
+              <a:ext uri="{FF2B5EF4-FFF2-40B4-BE49-F238E27FC236}">
+                <a16:creationId xmlns:a16="http://schemas.microsoft.com/office/drawing/2014/main" id="{FE83221D-797F-4ADB-A36C-13124D555D78}"/>
+              </a:ext>
+            </a:extLst>
+          </p:cNvPr>
+          <p:cNvSpPr txBox="1"/>
+          <p:nvPr/>
+        </p:nvSpPr>
+        <p:spPr>
+          <a:xfrm>
+            <a:off x="812289" y="2506133"/>
+            <a:ext cx="10228244" cy="369332"/>
+          </a:xfrm>
+          <a:prstGeom prst="rect">
+            <a:avLst/>
+          </a:prstGeom>
+          <a:noFill/>
+        </p:spPr>
+        <p:txBody>
+          <a:bodyPr wrap="square" rtlCol="0">
+            <a:spAutoFit/>
+          </a:bodyPr>
+          <a:lstStyle/>
+          <a:p>
+            <a:r>
+              <a:rPr lang="en-US" dirty="0"/>
+              <a:t>The weights are initialized with random values and are changed in a direction that will reduce the error.</a:t>
+            </a:r>
+          </a:p>
+        </p:txBody>
+      </p:sp>
+      <p:pic>
+        <p:nvPicPr>
+          <p:cNvPr id="7" name="Picture 6">
+            <a:extLst>
+              <a:ext uri="{FF2B5EF4-FFF2-40B4-BE49-F238E27FC236}">
+                <a16:creationId xmlns:a16="http://schemas.microsoft.com/office/drawing/2014/main" id="{7BDF6C3B-8070-4F34-B6B0-F4AC61E868C9}"/>
+              </a:ext>
+            </a:extLst>
+          </p:cNvPr>
+          <p:cNvPicPr>
+            <a:picLocks noChangeAspect="1"/>
+          </p:cNvPicPr>
+          <p:nvPr/>
+        </p:nvPicPr>
+        <p:blipFill>
+          <a:blip r:embed="rId5"/>
+          <a:stretch>
+            <a:fillRect/>
+          </a:stretch>
+        </p:blipFill>
+        <p:spPr>
+          <a:xfrm>
+            <a:off x="4252442" y="185431"/>
+            <a:ext cx="7688920" cy="2155772"/>
+          </a:xfrm>
+          <a:prstGeom prst="rect">
+            <a:avLst/>
+          </a:prstGeom>
+        </p:spPr>
+      </p:pic>
+    </p:spTree>
+    <p:extLst>
+      <p:ext uri="{BB962C8B-B14F-4D97-AF65-F5344CB8AC3E}">
+        <p14:creationId xmlns:p14="http://schemas.microsoft.com/office/powerpoint/2010/main" val="4113484403"/>
+      </p:ext>
+    </p:extLst>
+  </p:cSld>
+  <p:clrMapOvr>
+    <a:masterClrMapping/>
+  </p:clrMapOvr>
+</p:sld>
+</file>
+
+<file path=ppt/slides/slide5.xml><?xml version="1.0" encoding="utf-8"?>
+<p:sld xmlns:a="http://schemas.openxmlformats.org/drawingml/2006/main" xmlns:r="http://schemas.openxmlformats.org/officeDocument/2006/relationships" xmlns:p="http://schemas.openxmlformats.org/presentationml/2006/main">
+  <p:cSld>
+    <p:spTree>
+      <p:nvGrpSpPr>
+        <p:cNvPr id="1" name=""/>
+        <p:cNvGrpSpPr/>
+        <p:nvPr/>
+      </p:nvGrpSpPr>
+      <p:grpSpPr>
+        <a:xfrm>
+          <a:off x="0" y="0"/>
+          <a:ext cx="0" cy="0"/>
+          <a:chOff x="0" y="0"/>
+          <a:chExt cx="0" cy="0"/>
+        </a:xfrm>
+      </p:grpSpPr>
+      <p:sp>
+        <p:nvSpPr>
           <p:cNvPr id="4" name="Title 3">
             <a:extLst>
               <a:ext uri="{FF2B5EF4-FFF2-40B4-BE49-F238E27FC236}">
@@ -8057,7 +9237,7 @@
         <p:spPr>
           <a:xfrm>
             <a:off x="521208" y="2716567"/>
-            <a:ext cx="11277215" cy="1754326"/>
+            <a:ext cx="11277215" cy="2031325"/>
           </a:xfrm>
           <a:prstGeom prst="rect">
             <a:avLst/>
@@ -8074,6 +9254,9 @@
               <a:rPr lang="en-US" dirty="0"/>
               <a:t>Gradient decent perspective:</a:t>
             </a:r>
+          </a:p>
+          <a:p>
+            <a:endParaRPr lang="en-US" dirty="0"/>
           </a:p>
           <a:p>
             <a:pPr marL="285750" indent="-285750">
@@ -8146,7 +9329,7 @@
 </p:sld>
 </file>
 
-<file path=ppt/slides/slide4.xml><?xml version="1.0" encoding="utf-8"?>
+<file path=ppt/slides/slide6.xml><?xml version="1.0" encoding="utf-8"?>
 <p:sld xmlns:a="http://schemas.openxmlformats.org/drawingml/2006/main" xmlns:r="http://schemas.openxmlformats.org/officeDocument/2006/relationships" xmlns:p="http://schemas.openxmlformats.org/presentationml/2006/main">
   <p:cSld>
     <p:spTree>
@@ -8206,7 +9389,7 @@
         <p:spPr>
           <a:xfrm>
             <a:off x="521208" y="2716567"/>
-            <a:ext cx="11277215" cy="1477328"/>
+            <a:ext cx="11277215" cy="2308324"/>
           </a:xfrm>
           <a:prstGeom prst="rect">
             <a:avLst/>
@@ -8271,6 +9454,13 @@
             </a:r>
           </a:p>
           <a:p>
+            <a:pPr marL="742950" lvl="1" indent="-285750">
+              <a:buFontTx/>
+              <a:buChar char="-"/>
+            </a:pPr>
+            <a:endParaRPr lang="en-US" altLang="zh-CN" dirty="0"/>
+          </a:p>
+          <a:p>
             <a:pPr marL="285750" indent="-285750">
               <a:buFontTx/>
               <a:buChar char="-"/>
@@ -8293,6 +9483,13 @@
               <a:buFontTx/>
               <a:buChar char="-"/>
             </a:pPr>
+            <a:endParaRPr lang="en-US" altLang="zh-CN" dirty="0"/>
+          </a:p>
+          <a:p>
+            <a:pPr marL="285750" indent="-285750">
+              <a:buFontTx/>
+              <a:buChar char="-"/>
+            </a:pPr>
             <a:r>
               <a:rPr lang="en-US" altLang="zh-CN" dirty="0"/>
               <a:t>Deviation</a:t>
@@ -8329,6 +9526,13 @@
               <a:rPr lang="en-US" altLang="zh-CN" dirty="0"/>
               <a:t>method</a:t>
             </a:r>
+          </a:p>
+          <a:p>
+            <a:pPr marL="285750" indent="-285750">
+              <a:buFontTx/>
+              <a:buChar char="-"/>
+            </a:pPr>
+            <a:endParaRPr lang="en-US" altLang="zh-CN" dirty="0"/>
           </a:p>
           <a:p>
             <a:pPr marL="285750" indent="-285750">
@@ -8428,7 +9632,7 @@
 </p:sld>
 </file>
 
-<file path=ppt/slides/slide5.xml><?xml version="1.0" encoding="utf-8"?>
+<file path=ppt/slides/slide7.xml><?xml version="1.0" encoding="utf-8"?>
 <p:sld xmlns:a="http://schemas.openxmlformats.org/drawingml/2006/main" xmlns:r="http://schemas.openxmlformats.org/officeDocument/2006/relationships" xmlns:p="http://schemas.openxmlformats.org/presentationml/2006/main">
   <p:cSld>
     <p:spTree>
@@ -8501,7 +9705,7 @@
             <p:spPr>
               <a:xfrm>
                 <a:off x="521208" y="2508222"/>
-                <a:ext cx="11277215" cy="4247317"/>
+                <a:ext cx="11277215" cy="3693319"/>
               </a:xfrm>
               <a:prstGeom prst="rect">
                 <a:avLst/>
@@ -8553,7 +9757,7 @@
                 </a14:m>
                 <a:r>
                   <a:rPr lang="en-US" altLang="zh-CN" dirty="0"/>
-                  <a:t>complexity</a:t>
+                  <a:t> complexity</a:t>
                 </a:r>
                 <a:r>
                   <a:rPr lang="zh-CN" altLang="en-US" dirty="0"/>
@@ -8940,91 +10144,7 @@
                 </a:pPr>
                 <a:r>
                   <a:rPr lang="en-US" altLang="zh-CN" dirty="0"/>
-                  <a:t>﻿Uses</a:t>
-                </a:r>
-                <a:r>
-                  <a:rPr lang="zh-CN" altLang="en-US" dirty="0"/>
-                  <a:t> </a:t>
-                </a:r>
-                <a:r>
-                  <a:rPr lang="en-US" altLang="zh-CN" dirty="0"/>
-                  <a:t>conjugate</a:t>
-                </a:r>
-                <a:r>
-                  <a:rPr lang="zh-CN" altLang="en-US" dirty="0"/>
-                  <a:t> </a:t>
-                </a:r>
-                <a:r>
-                  <a:rPr lang="en-US" altLang="zh-CN" dirty="0"/>
-                  <a:t>instead</a:t>
-                </a:r>
-                <a:r>
-                  <a:rPr lang="zh-CN" altLang="en-US" dirty="0"/>
-                  <a:t> </a:t>
-                </a:r>
-                <a:r>
-                  <a:rPr lang="en-US" altLang="zh-CN" dirty="0"/>
-                  <a:t>of</a:t>
-                </a:r>
-                <a:r>
-                  <a:rPr lang="zh-CN" altLang="en-US" dirty="0"/>
-                  <a:t> </a:t>
-                </a:r>
-                <a:r>
-                  <a:rPr lang="en-US" altLang="zh-CN" dirty="0"/>
-                  <a:t>Hessian</a:t>
-                </a:r>
-                <a:r>
-                  <a:rPr lang="zh-CN" altLang="en-US" dirty="0"/>
-                  <a:t> </a:t>
-                </a:r>
-                <a:r>
-                  <a:rPr lang="en-US" altLang="zh-CN" dirty="0"/>
-                  <a:t>Matrix.</a:t>
-                </a:r>
-              </a:p>
-              <a:p>
-                <a:pPr marL="742950" lvl="1" indent="-285750">
-                  <a:buFontTx/>
-                  <a:buChar char="-"/>
-                </a:pPr>
-                <a:r>
-                  <a:rPr lang="en-US" altLang="zh-CN" dirty="0"/>
-                  <a:t>line-search</a:t>
-                </a:r>
-                <a:r>
-                  <a:rPr lang="zh-CN" altLang="en-US" dirty="0"/>
-                  <a:t> </a:t>
-                </a:r>
-                <a:r>
-                  <a:rPr lang="en-US" altLang="zh-CN" dirty="0"/>
-                  <a:t>based.</a:t>
-                </a:r>
-              </a:p>
-              <a:p>
-                <a:pPr marL="742950" lvl="1" indent="-285750">
-                  <a:buFontTx/>
-                  <a:buChar char="-"/>
-                </a:pPr>
-                <a:r>
-                  <a:rPr lang="en-US" altLang="zh-CN" dirty="0"/>
-                  <a:t>Unstable</a:t>
-                </a:r>
-                <a:r>
-                  <a:rPr lang="zh-CN" altLang="en-US" dirty="0"/>
-                  <a:t> </a:t>
-                </a:r>
-                <a:r>
-                  <a:rPr lang="en-US" altLang="zh-CN" dirty="0"/>
-                  <a:t>to</a:t>
-                </a:r>
-                <a:r>
-                  <a:rPr lang="zh-CN" altLang="en-US" dirty="0"/>
-                  <a:t> </a:t>
-                </a:r>
-                <a:r>
-                  <a:rPr lang="en-US" altLang="zh-CN" dirty="0"/>
-                  <a:t>noise.</a:t>
+                  <a:t>﻿</a:t>
                 </a:r>
                 <a:endParaRPr lang="en-US" dirty="0"/>
               </a:p>
@@ -9049,7 +10169,7 @@
             <p:spPr>
               <a:xfrm>
                 <a:off x="521208" y="2508222"/>
-                <a:ext cx="11277215" cy="4247317"/>
+                <a:ext cx="11277215" cy="3693319"/>
               </a:xfrm>
               <a:prstGeom prst="rect">
                 <a:avLst/>
@@ -9057,7 +10177,7 @@
               <a:blipFill>
                 <a:blip r:embed="rId3"/>
                 <a:stretch>
-                  <a:fillRect l="-450" t="-298" b="-1190"/>
+                  <a:fillRect l="-487" t="-825" b="-1815"/>
                 </a:stretch>
               </a:blipFill>
             </p:spPr>
@@ -9066,7 +10186,7 @@
               <a:lstStyle/>
               <a:p>
                 <a:r>
-                  <a:rPr lang="en-CN">
+                  <a:rPr lang="en-US">
                     <a:noFill/>
                   </a:rPr>
                   <a:t> </a:t>
@@ -9101,289 +10221,6 @@
 </p:sld>
 </file>
 
-<file path=ppt/slides/slide6.xml><?xml version="1.0" encoding="utf-8"?>
-<p:sld xmlns:a="http://schemas.openxmlformats.org/drawingml/2006/main" xmlns:r="http://schemas.openxmlformats.org/officeDocument/2006/relationships" xmlns:p="http://schemas.openxmlformats.org/presentationml/2006/main">
-  <p:cSld>
-    <p:spTree>
-      <p:nvGrpSpPr>
-        <p:cNvPr id="1" name=""/>
-        <p:cNvGrpSpPr/>
-        <p:nvPr/>
-      </p:nvGrpSpPr>
-      <p:grpSpPr>
-        <a:xfrm>
-          <a:off x="0" y="0"/>
-          <a:ext cx="0" cy="0"/>
-          <a:chOff x="0" y="0"/>
-          <a:chExt cx="0" cy="0"/>
-        </a:xfrm>
-      </p:grpSpPr>
-      <p:sp>
-        <p:nvSpPr>
-          <p:cNvPr id="4" name="Title 3">
-            <a:extLst>
-              <a:ext uri="{FF2B5EF4-FFF2-40B4-BE49-F238E27FC236}">
-                <a16:creationId xmlns:a16="http://schemas.microsoft.com/office/drawing/2014/main" id="{37F5FAC2-534F-474C-A411-EDF6BBF61800}"/>
-              </a:ext>
-            </a:extLst>
-          </p:cNvPr>
-          <p:cNvSpPr>
-            <a:spLocks noGrp="1"/>
-          </p:cNvSpPr>
-          <p:nvPr>
-            <p:ph type="title"/>
-          </p:nvPr>
-        </p:nvSpPr>
-        <p:spPr/>
-        <p:txBody>
-          <a:bodyPr>
-            <a:normAutofit/>
-          </a:bodyPr>
-          <a:lstStyle/>
-          <a:p>
-            <a:r>
-              <a:rPr lang="en-US" altLang="zh-CN" b="1" dirty="0"/>
-              <a:t>Adam</a:t>
-            </a:r>
-            <a:endParaRPr lang="en-US" b="1" dirty="0"/>
-          </a:p>
-        </p:txBody>
-      </p:sp>
-      <p:sp>
-        <p:nvSpPr>
-          <p:cNvPr id="2" name="TextBox 1">
-            <a:extLst>
-              <a:ext uri="{FF2B5EF4-FFF2-40B4-BE49-F238E27FC236}">
-                <a16:creationId xmlns:a16="http://schemas.microsoft.com/office/drawing/2014/main" id="{9B3E72DB-2AF9-476D-8E24-F78166BE6861}"/>
-              </a:ext>
-            </a:extLst>
-          </p:cNvPr>
-          <p:cNvSpPr txBox="1"/>
-          <p:nvPr/>
-        </p:nvSpPr>
-        <p:spPr>
-          <a:xfrm>
-            <a:off x="521208" y="2508222"/>
-            <a:ext cx="11277215" cy="2031325"/>
-          </a:xfrm>
-          <a:prstGeom prst="rect">
-            <a:avLst/>
-          </a:prstGeom>
-          <a:noFill/>
-        </p:spPr>
-        <p:txBody>
-          <a:bodyPr wrap="square" rtlCol="0">
-            <a:spAutoFit/>
-          </a:bodyPr>
-          <a:lstStyle/>
-          <a:p>
-            <a:pPr marL="285750" indent="-285750">
-              <a:buFontTx/>
-              <a:buChar char="-"/>
-            </a:pPr>
-            <a:r>
-              <a:rPr lang="en-US" altLang="zh-CN" dirty="0"/>
-              <a:t>Combine the advantages of following optimizers</a:t>
-            </a:r>
-          </a:p>
-          <a:p>
-            <a:pPr marL="742950" lvl="1" indent="-285750">
-              <a:buFontTx/>
-              <a:buChar char="-"/>
-            </a:pPr>
-            <a:r>
-              <a:rPr lang="en-US" altLang="zh-CN" dirty="0" err="1"/>
-              <a:t>AdaGrad</a:t>
-            </a:r>
-            <a:r>
-              <a:rPr lang="en-US" altLang="zh-CN" dirty="0"/>
-              <a:t>: works well with sparse gradient</a:t>
-            </a:r>
-          </a:p>
-          <a:p>
-            <a:pPr marL="742950" lvl="1" indent="-285750">
-              <a:buFontTx/>
-              <a:buChar char="-"/>
-            </a:pPr>
-            <a:r>
-              <a:rPr lang="en-US" altLang="zh-CN" dirty="0" err="1"/>
-              <a:t>RMSProp</a:t>
-            </a:r>
-            <a:r>
-              <a:rPr lang="en-US" altLang="zh-CN" dirty="0"/>
-              <a:t>: works well in on-line and non-stationary set</a:t>
-            </a:r>
-          </a:p>
-          <a:p>
-            <a:pPr marL="742950" lvl="1" indent="-285750">
-              <a:buFontTx/>
-              <a:buChar char="-"/>
-            </a:pPr>
-            <a:endParaRPr lang="en-US" altLang="zh-CN" dirty="0"/>
-          </a:p>
-          <a:p>
-            <a:pPr marL="285750" indent="-285750">
-              <a:buFontTx/>
-              <a:buChar char="-"/>
-            </a:pPr>
-            <a:r>
-              <a:rPr lang="en-US" dirty="0"/>
-              <a:t>﻿Some of Adam’s advantages are that the magnitudes of parameter updates are invariant to rescaling of the gradient, its step</a:t>
-            </a:r>
-            <a:r>
-              <a:rPr lang="zh-CN" altLang="en-US" dirty="0"/>
-              <a:t> </a:t>
-            </a:r>
-            <a:r>
-              <a:rPr lang="en-US" dirty="0"/>
-              <a:t>sizes are approximately bounded by the step</a:t>
-            </a:r>
-            <a:r>
-              <a:rPr lang="zh-CN" altLang="en-US" dirty="0"/>
-              <a:t> </a:t>
-            </a:r>
-            <a:r>
-              <a:rPr lang="en-US" dirty="0"/>
-              <a:t>size hyperparameter, it does not require a stationary objective, it works with sparse gradients, and it naturally performs a form of step size annealing.</a:t>
-            </a:r>
-          </a:p>
-        </p:txBody>
-      </p:sp>
-    </p:spTree>
-    <p:extLst>
-      <p:ext uri="{BB962C8B-B14F-4D97-AF65-F5344CB8AC3E}">
-        <p14:creationId xmlns:p14="http://schemas.microsoft.com/office/powerpoint/2010/main" val="2970607653"/>
-      </p:ext>
-    </p:extLst>
-  </p:cSld>
-  <p:clrMapOvr>
-    <a:masterClrMapping/>
-  </p:clrMapOvr>
-  <mc:AlternateContent xmlns:mc="http://schemas.openxmlformats.org/markup-compatibility/2006" xmlns:p15="http://schemas.microsoft.com/office/powerpoint/2012/main">
-    <mc:Choice Requires="p15">
-      <p:transition xmlns:p14="http://schemas.microsoft.com/office/powerpoint/2010/main" spd="slow" p14:dur="2000">
-        <p15:prstTrans prst="drape"/>
-      </p:transition>
-    </mc:Choice>
-    <mc:Fallback xmlns="">
-      <p:transition xmlns:p14="http://schemas.microsoft.com/office/powerpoint/2010/main" spd="slow">
-        <p:fade/>
-      </p:transition>
-    </mc:Fallback>
-  </mc:AlternateContent>
-</p:sld>
-</file>
-
-<file path=ppt/slides/slide7.xml><?xml version="1.0" encoding="utf-8"?>
-<p:sld xmlns:a="http://schemas.openxmlformats.org/drawingml/2006/main" xmlns:r="http://schemas.openxmlformats.org/officeDocument/2006/relationships" xmlns:p="http://schemas.openxmlformats.org/presentationml/2006/main">
-  <p:cSld>
-    <p:spTree>
-      <p:nvGrpSpPr>
-        <p:cNvPr id="1" name=""/>
-        <p:cNvGrpSpPr/>
-        <p:nvPr/>
-      </p:nvGrpSpPr>
-      <p:grpSpPr>
-        <a:xfrm>
-          <a:off x="0" y="0"/>
-          <a:ext cx="0" cy="0"/>
-          <a:chOff x="0" y="0"/>
-          <a:chExt cx="0" cy="0"/>
-        </a:xfrm>
-      </p:grpSpPr>
-      <p:sp>
-        <p:nvSpPr>
-          <p:cNvPr id="2" name="Title 1">
-            <a:extLst>
-              <a:ext uri="{FF2B5EF4-FFF2-40B4-BE49-F238E27FC236}">
-                <a16:creationId xmlns:a16="http://schemas.microsoft.com/office/drawing/2014/main" id="{B23175B0-907F-4455-A4CE-FA99EDF32089}"/>
-              </a:ext>
-            </a:extLst>
-          </p:cNvPr>
-          <p:cNvSpPr>
-            <a:spLocks noGrp="1"/>
-          </p:cNvSpPr>
-          <p:nvPr>
-            <p:ph type="title"/>
-          </p:nvPr>
-        </p:nvSpPr>
-        <p:spPr/>
-        <p:txBody>
-          <a:bodyPr/>
-          <a:lstStyle/>
-          <a:p>
-            <a:endParaRPr lang="en-US" dirty="0"/>
-          </a:p>
-        </p:txBody>
-      </p:sp>
-      <p:sp>
-        <p:nvSpPr>
-          <p:cNvPr id="3" name="Content Placeholder 2">
-            <a:extLst>
-              <a:ext uri="{FF2B5EF4-FFF2-40B4-BE49-F238E27FC236}">
-                <a16:creationId xmlns:a16="http://schemas.microsoft.com/office/drawing/2014/main" id="{E98F2B05-D5B4-BB40-9C5E-FDAA03146DE4}"/>
-              </a:ext>
-            </a:extLst>
-          </p:cNvPr>
-          <p:cNvSpPr>
-            <a:spLocks noGrp="1"/>
-          </p:cNvSpPr>
-          <p:nvPr>
-            <p:ph sz="quarter" idx="10"/>
-          </p:nvPr>
-        </p:nvSpPr>
-        <p:spPr/>
-        <p:txBody>
-          <a:bodyPr/>
-          <a:lstStyle/>
-          <a:p>
-            <a:endParaRPr lang="en-CN"/>
-          </a:p>
-        </p:txBody>
-      </p:sp>
-      <p:pic>
-        <p:nvPicPr>
-          <p:cNvPr id="8" name="Picture 7">
-            <a:extLst>
-              <a:ext uri="{FF2B5EF4-FFF2-40B4-BE49-F238E27FC236}">
-                <a16:creationId xmlns:a16="http://schemas.microsoft.com/office/drawing/2014/main" id="{8CAA0038-CDD1-454C-9216-F6D9E320FECF}"/>
-              </a:ext>
-            </a:extLst>
-          </p:cNvPr>
-          <p:cNvPicPr>
-            <a:picLocks noChangeAspect="1"/>
-          </p:cNvPicPr>
-          <p:nvPr/>
-        </p:nvPicPr>
-        <p:blipFill>
-          <a:blip r:embed="rId3"/>
-          <a:stretch>
-            <a:fillRect/>
-          </a:stretch>
-        </p:blipFill>
-        <p:spPr>
-          <a:xfrm>
-            <a:off x="798651" y="269139"/>
-            <a:ext cx="10245401" cy="6339696"/>
-          </a:xfrm>
-          <a:prstGeom prst="rect">
-            <a:avLst/>
-          </a:prstGeom>
-        </p:spPr>
-      </p:pic>
-    </p:spTree>
-    <p:extLst>
-      <p:ext uri="{BB962C8B-B14F-4D97-AF65-F5344CB8AC3E}">
-        <p14:creationId xmlns:p14="http://schemas.microsoft.com/office/powerpoint/2010/main" val="2310708277"/>
-      </p:ext>
-    </p:extLst>
-  </p:cSld>
-  <p:clrMapOvr>
-    <a:masterClrMapping/>
-  </p:clrMapOvr>
-</p:sld>
-</file>
-
 <file path=ppt/slides/slide8.xml><?xml version="1.0" encoding="utf-8"?>
 <p:sld xmlns:a="http://schemas.openxmlformats.org/drawingml/2006/main" xmlns:r="http://schemas.openxmlformats.org/officeDocument/2006/relationships" xmlns:p="http://schemas.openxmlformats.org/presentationml/2006/main">
   <p:cSld>
@@ -9426,15 +10263,7 @@
           <a:p>
             <a:r>
               <a:rPr lang="en-US" altLang="zh-CN" b="1" dirty="0"/>
-              <a:t>High-order</a:t>
-            </a:r>
-            <a:r>
-              <a:rPr lang="zh-CN" altLang="en-US" b="1" dirty="0"/>
-              <a:t> </a:t>
-            </a:r>
-            <a:r>
-              <a:rPr lang="en-US" altLang="zh-CN" b="1" dirty="0"/>
-              <a:t>methods:</a:t>
+              <a:t>Adam</a:t>
             </a:r>
             <a:endParaRPr lang="en-US" b="1" dirty="0"/>
           </a:p>
@@ -9454,8 +10283,8 @@
         </p:nvSpPr>
         <p:spPr>
           <a:xfrm>
-            <a:off x="457392" y="2372478"/>
-            <a:ext cx="11277215" cy="3970318"/>
+            <a:off x="521208" y="2508222"/>
+            <a:ext cx="11277215" cy="2031325"/>
           </a:xfrm>
           <a:prstGeom prst="rect">
             <a:avLst/>
@@ -9474,188 +10303,7 @@
             </a:pPr>
             <a:r>
               <a:rPr lang="en-US" altLang="zh-CN" dirty="0"/>
-              <a:t>Should</a:t>
-            </a:r>
-            <a:r>
-              <a:rPr lang="zh-CN" altLang="en-US" dirty="0"/>
-              <a:t> </a:t>
-            </a:r>
-            <a:r>
-              <a:rPr lang="en-US" altLang="zh-CN" dirty="0"/>
-              <a:t>be</a:t>
-            </a:r>
-            <a:r>
-              <a:rPr lang="zh-CN" altLang="en-US" dirty="0"/>
-              <a:t> </a:t>
-            </a:r>
-            <a:r>
-              <a:rPr lang="en-US" altLang="zh-CN" dirty="0"/>
-              <a:t>considered,</a:t>
-            </a:r>
-            <a:r>
-              <a:rPr lang="zh-CN" altLang="en-US" dirty="0"/>
-              <a:t> </a:t>
-            </a:r>
-            <a:r>
-              <a:rPr lang="en-US" altLang="zh-CN" dirty="0"/>
-              <a:t>if</a:t>
-            </a:r>
-            <a:r>
-              <a:rPr lang="zh-CN" altLang="en-US" dirty="0"/>
-              <a:t> </a:t>
-            </a:r>
-            <a:r>
-              <a:rPr lang="en-US" altLang="zh-CN" dirty="0"/>
-              <a:t>an objective function is highly non-linear and ill-conditioned. </a:t>
-            </a:r>
-          </a:p>
-          <a:p>
-            <a:pPr marL="285750" indent="-285750">
-              <a:buFontTx/>
-              <a:buChar char="-"/>
-            </a:pPr>
-            <a:r>
-              <a:rPr lang="en-US" altLang="zh-CN" dirty="0"/>
-              <a:t>More</a:t>
-            </a:r>
-            <a:r>
-              <a:rPr lang="zh-CN" altLang="en-US" dirty="0"/>
-              <a:t> </a:t>
-            </a:r>
-            <a:r>
-              <a:rPr lang="en-US" altLang="zh-CN" dirty="0"/>
-              <a:t>complicate</a:t>
-            </a:r>
-            <a:r>
-              <a:rPr lang="zh-CN" altLang="en-US" dirty="0"/>
-              <a:t> </a:t>
-            </a:r>
-            <a:r>
-              <a:rPr lang="en-US" altLang="zh-CN" dirty="0"/>
-              <a:t>than</a:t>
-            </a:r>
-            <a:r>
-              <a:rPr lang="zh-CN" altLang="en-US" dirty="0"/>
-              <a:t> </a:t>
-            </a:r>
-            <a:r>
-              <a:rPr lang="en-US" altLang="zh-CN" dirty="0"/>
-              <a:t>first-order</a:t>
-            </a:r>
-            <a:r>
-              <a:rPr lang="zh-CN" altLang="en-US" dirty="0"/>
-              <a:t> </a:t>
-            </a:r>
-            <a:r>
-              <a:rPr lang="en-US" altLang="zh-CN" dirty="0"/>
-              <a:t>methods.</a:t>
-            </a:r>
-          </a:p>
-          <a:p>
-            <a:pPr marL="285750" indent="-285750">
-              <a:buFontTx/>
-              <a:buChar char="-"/>
-            </a:pPr>
-            <a:r>
-              <a:rPr lang="en-US" altLang="zh-CN" dirty="0"/>
-              <a:t>Fast</a:t>
-            </a:r>
-            <a:r>
-              <a:rPr lang="zh-CN" altLang="en-US" dirty="0"/>
-              <a:t> </a:t>
-            </a:r>
-            <a:r>
-              <a:rPr lang="en-US" altLang="zh-CN" dirty="0"/>
-              <a:t>converging</a:t>
-            </a:r>
-            <a:r>
-              <a:rPr lang="zh-CN" altLang="en-US" dirty="0"/>
-              <a:t> </a:t>
-            </a:r>
-            <a:r>
-              <a:rPr lang="en-US" altLang="zh-CN" dirty="0"/>
-              <a:t>to</a:t>
-            </a:r>
-            <a:r>
-              <a:rPr lang="zh-CN" altLang="en-US" dirty="0"/>
-              <a:t> </a:t>
-            </a:r>
-            <a:r>
-              <a:rPr lang="en-US" altLang="zh-CN" dirty="0"/>
-              <a:t>more</a:t>
-            </a:r>
-            <a:r>
-              <a:rPr lang="zh-CN" altLang="en-US" dirty="0"/>
-              <a:t> </a:t>
-            </a:r>
-            <a:r>
-              <a:rPr lang="en-US" altLang="zh-CN" dirty="0"/>
-              <a:t>accuracy</a:t>
-            </a:r>
-            <a:r>
-              <a:rPr lang="zh-CN" altLang="en-US" dirty="0"/>
-              <a:t> </a:t>
-            </a:r>
-            <a:r>
-              <a:rPr lang="en-US" altLang="zh-CN" dirty="0"/>
-              <a:t>solution</a:t>
-            </a:r>
-            <a:r>
-              <a:rPr lang="zh-CN" altLang="en-US" dirty="0"/>
-              <a:t> </a:t>
-            </a:r>
-            <a:r>
-              <a:rPr lang="en-US" altLang="zh-CN" dirty="0"/>
-              <a:t>under</a:t>
-            </a:r>
-            <a:r>
-              <a:rPr lang="zh-CN" altLang="en-US" dirty="0"/>
-              <a:t> </a:t>
-            </a:r>
-            <a:r>
-              <a:rPr lang="en-US" altLang="zh-CN" dirty="0"/>
-              <a:t>strongly</a:t>
-            </a:r>
-            <a:r>
-              <a:rPr lang="zh-CN" altLang="en-US" dirty="0"/>
-              <a:t> </a:t>
-            </a:r>
-            <a:r>
-              <a:rPr lang="en-US" altLang="zh-CN" dirty="0"/>
-              <a:t>convex</a:t>
-            </a:r>
-            <a:r>
-              <a:rPr lang="zh-CN" altLang="en-US" dirty="0"/>
-              <a:t> </a:t>
-            </a:r>
-            <a:r>
-              <a:rPr lang="en-US" altLang="zh-CN" dirty="0"/>
-              <a:t>condition.</a:t>
-            </a:r>
-          </a:p>
-          <a:p>
-            <a:pPr marL="285750" indent="-285750">
-              <a:buFontTx/>
-              <a:buChar char="-"/>
-            </a:pPr>
-            <a:endParaRPr lang="en-US" dirty="0"/>
-          </a:p>
-          <a:p>
-            <a:pPr marL="285750" indent="-285750">
-              <a:buFontTx/>
-              <a:buChar char="-"/>
-            </a:pPr>
-            <a:r>
-              <a:rPr lang="en-US" altLang="zh-CN" dirty="0"/>
-              <a:t>Newton’s</a:t>
-            </a:r>
-            <a:r>
-              <a:rPr lang="zh-CN" altLang="en-US" dirty="0"/>
-              <a:t> </a:t>
-            </a:r>
-            <a:r>
-              <a:rPr lang="en-US" altLang="zh-CN" dirty="0"/>
-              <a:t>Method</a:t>
+              <a:t>Combine the advantages of following optimizers</a:t>
             </a:r>
           </a:p>
           <a:p>
@@ -9664,101 +10312,12 @@
               <a:buChar char="-"/>
             </a:pPr>
             <a:r>
-              <a:rPr lang="en-US" altLang="zh-CN" dirty="0"/>
-              <a:t>Having</a:t>
-            </a:r>
-            <a:r>
-              <a:rPr lang="zh-CN" altLang="en-US" dirty="0"/>
-              <a:t> </a:t>
-            </a:r>
-            <a:r>
-              <a:rPr lang="en-US" altLang="zh-CN" dirty="0"/>
-              <a:t>to</a:t>
-            </a:r>
-            <a:r>
-              <a:rPr lang="zh-CN" altLang="en-US" dirty="0"/>
-              <a:t> </a:t>
-            </a:r>
-            <a:r>
-              <a:rPr lang="en-US" altLang="zh-CN" dirty="0"/>
-              <a:t>store</a:t>
-            </a:r>
-            <a:r>
-              <a:rPr lang="zh-CN" altLang="en-US" dirty="0"/>
-              <a:t> </a:t>
-            </a:r>
-            <a:r>
-              <a:rPr lang="en-US" altLang="zh-CN" dirty="0"/>
-              <a:t>the</a:t>
-            </a:r>
-            <a:r>
-              <a:rPr lang="zh-CN" altLang="en-US" dirty="0"/>
-              <a:t> </a:t>
-            </a:r>
-            <a:r>
-              <a:rPr lang="en-US" altLang="zh-CN" dirty="0"/>
-              <a:t>Hessian</a:t>
-            </a:r>
-            <a:r>
-              <a:rPr lang="zh-CN" altLang="en-US" dirty="0"/>
-              <a:t> </a:t>
-            </a:r>
-            <a:r>
-              <a:rPr lang="en-US" altLang="zh-CN" dirty="0"/>
-              <a:t>Matrix</a:t>
-            </a:r>
-            <a:r>
-              <a:rPr lang="zh-CN" altLang="en-US" dirty="0"/>
-              <a:t> </a:t>
-            </a:r>
-            <a:r>
-              <a:rPr lang="en-US" altLang="zh-CN" dirty="0"/>
-              <a:t>during</a:t>
-            </a:r>
-            <a:r>
-              <a:rPr lang="zh-CN" altLang="en-US" dirty="0"/>
-              <a:t> </a:t>
-            </a:r>
-            <a:r>
-              <a:rPr lang="en-US" altLang="zh-CN" dirty="0"/>
-              <a:t>each</a:t>
-            </a:r>
-            <a:r>
-              <a:rPr lang="zh-CN" altLang="en-US" dirty="0"/>
-              <a:t> </a:t>
-            </a:r>
-            <a:r>
-              <a:rPr lang="en-US" altLang="zh-CN" dirty="0"/>
-              <a:t>iteration.</a:t>
-            </a:r>
-          </a:p>
-          <a:p>
-            <a:pPr marL="285750" indent="-285750">
-              <a:buFontTx/>
-              <a:buChar char="-"/>
-            </a:pPr>
-            <a:endParaRPr lang="en-US" altLang="zh-CN" dirty="0"/>
-          </a:p>
-          <a:p>
-            <a:pPr marL="285750" indent="-285750">
-              <a:buFontTx/>
-              <a:buChar char="-"/>
-            </a:pPr>
-            <a:r>
-              <a:rPr lang="en-US" dirty="0"/>
-              <a:t>Quasi-Newton</a:t>
-            </a:r>
-            <a:r>
-              <a:rPr lang="en-US" altLang="zh-CN" dirty="0"/>
-              <a:t>’s</a:t>
-            </a:r>
-            <a:r>
-              <a:rPr lang="zh-CN" altLang="en-US" dirty="0"/>
-              <a:t> </a:t>
-            </a:r>
-            <a:r>
-              <a:rPr lang="en-US" altLang="zh-CN" dirty="0"/>
-              <a:t>Method</a:t>
+              <a:rPr lang="en-US" altLang="zh-CN" dirty="0" err="1"/>
+              <a:t>AdaGrad</a:t>
+            </a:r>
+            <a:r>
+              <a:rPr lang="en-US" altLang="zh-CN" dirty="0"/>
+              <a:t>: works well with sparse gradient</a:t>
             </a:r>
           </a:p>
           <a:p>
@@ -9767,48 +10326,12 @@
               <a:buChar char="-"/>
             </a:pPr>
             <a:r>
-              <a:rPr lang="en-US" altLang="zh-CN" dirty="0"/>
-              <a:t>Improved version of Newton’s method.</a:t>
-            </a:r>
-            <a:r>
-              <a:rPr lang="zh-CN" altLang="en-US" dirty="0"/>
-              <a:t> </a:t>
-            </a:r>
-            <a:r>
-              <a:rPr lang="en-US" altLang="zh-CN" dirty="0"/>
-              <a:t>Doesn’t</a:t>
-            </a:r>
-            <a:r>
-              <a:rPr lang="zh-CN" altLang="en-US" dirty="0"/>
-              <a:t> </a:t>
-            </a:r>
-            <a:r>
-              <a:rPr lang="en-US" altLang="zh-CN" dirty="0"/>
-              <a:t>compute</a:t>
-            </a:r>
-            <a:r>
-              <a:rPr lang="zh-CN" altLang="en-US" dirty="0"/>
-              <a:t> </a:t>
-            </a:r>
-            <a:r>
-              <a:rPr lang="en-US" altLang="zh-CN" dirty="0"/>
-              <a:t>Hessian</a:t>
-            </a:r>
-            <a:r>
-              <a:rPr lang="zh-CN" altLang="en-US" dirty="0"/>
-              <a:t> </a:t>
-            </a:r>
-            <a:r>
-              <a:rPr lang="en-US" altLang="zh-CN" dirty="0"/>
-              <a:t>Matrix</a:t>
-            </a:r>
-            <a:r>
-              <a:rPr lang="zh-CN" altLang="en-US" dirty="0"/>
-              <a:t> </a:t>
-            </a:r>
-            <a:r>
-              <a:rPr lang="en-US" altLang="zh-CN" dirty="0"/>
-              <a:t>directly.</a:t>
+              <a:rPr lang="en-US" altLang="zh-CN" dirty="0" err="1"/>
+              <a:t>RMSProp</a:t>
+            </a:r>
+            <a:r>
+              <a:rPr lang="en-US" altLang="zh-CN" dirty="0"/>
+              <a:t>: works well in on-line and non-stationary set</a:t>
             </a:r>
           </a:p>
           <a:p>
@@ -9824,127 +10347,32 @@
               <a:buChar char="-"/>
             </a:pPr>
             <a:r>
-              <a:rPr lang="en-US" altLang="zh-CN" dirty="0"/>
-              <a:t>Conjugate</a:t>
-            </a:r>
-            <a:r>
-              <a:rPr lang="zh-CN" altLang="en-US" dirty="0"/>
-              <a:t> </a:t>
-            </a:r>
-            <a:r>
-              <a:rPr lang="en-US" altLang="zh-CN" dirty="0"/>
-              <a:t>Gradient</a:t>
-            </a:r>
-            <a:r>
-              <a:rPr lang="zh-CN" altLang="en-US" dirty="0"/>
-              <a:t> </a:t>
-            </a:r>
-            <a:r>
-              <a:rPr lang="en-US" altLang="zh-CN" dirty="0"/>
-              <a:t>Descent</a:t>
-            </a:r>
-          </a:p>
-          <a:p>
-            <a:pPr marL="742950" lvl="1" indent="-285750">
-              <a:buFontTx/>
-              <a:buChar char="-"/>
-            </a:pPr>
-            <a:r>
-              <a:rPr lang="en-US" altLang="zh-CN" dirty="0"/>
-              <a:t>﻿Uses</a:t>
-            </a:r>
-            <a:r>
-              <a:rPr lang="zh-CN" altLang="en-US" dirty="0"/>
-              <a:t> </a:t>
-            </a:r>
-            <a:r>
-              <a:rPr lang="en-US" altLang="zh-CN" dirty="0"/>
-              <a:t>conjugate</a:t>
-            </a:r>
-            <a:r>
-              <a:rPr lang="zh-CN" altLang="en-US" dirty="0"/>
-              <a:t> </a:t>
-            </a:r>
-            <a:r>
-              <a:rPr lang="en-US" altLang="zh-CN" dirty="0"/>
-              <a:t>instead</a:t>
-            </a:r>
-            <a:r>
-              <a:rPr lang="zh-CN" altLang="en-US" dirty="0"/>
-              <a:t> </a:t>
-            </a:r>
-            <a:r>
-              <a:rPr lang="en-US" altLang="zh-CN" dirty="0"/>
-              <a:t>of</a:t>
-            </a:r>
-            <a:r>
-              <a:rPr lang="zh-CN" altLang="en-US" dirty="0"/>
-              <a:t> </a:t>
-            </a:r>
-            <a:r>
-              <a:rPr lang="en-US" altLang="zh-CN" dirty="0"/>
-              <a:t>Hessian</a:t>
-            </a:r>
-            <a:r>
-              <a:rPr lang="zh-CN" altLang="en-US" dirty="0"/>
-              <a:t> </a:t>
-            </a:r>
-            <a:r>
-              <a:rPr lang="en-US" altLang="zh-CN" dirty="0"/>
-              <a:t>Matrix.</a:t>
-            </a:r>
-          </a:p>
-          <a:p>
-            <a:pPr marL="742950" lvl="1" indent="-285750">
-              <a:buFontTx/>
-              <a:buChar char="-"/>
-            </a:pPr>
-            <a:r>
-              <a:rPr lang="en-US" altLang="zh-CN" dirty="0"/>
-              <a:t>line-search</a:t>
-            </a:r>
-            <a:r>
-              <a:rPr lang="zh-CN" altLang="en-US" dirty="0"/>
-              <a:t> </a:t>
-            </a:r>
-            <a:r>
-              <a:rPr lang="en-US" altLang="zh-CN" dirty="0"/>
-              <a:t>based.</a:t>
-            </a:r>
-          </a:p>
-          <a:p>
-            <a:pPr marL="742950" lvl="1" indent="-285750">
-              <a:buFontTx/>
-              <a:buChar char="-"/>
-            </a:pPr>
-            <a:r>
-              <a:rPr lang="en-US" altLang="zh-CN" dirty="0"/>
-              <a:t>Unstable</a:t>
-            </a:r>
-            <a:r>
-              <a:rPr lang="zh-CN" altLang="en-US" dirty="0"/>
-              <a:t> </a:t>
-            </a:r>
-            <a:r>
-              <a:rPr lang="en-US" altLang="zh-CN" dirty="0"/>
-              <a:t>to</a:t>
-            </a:r>
-            <a:r>
-              <a:rPr lang="zh-CN" altLang="en-US" dirty="0"/>
-              <a:t> </a:t>
-            </a:r>
-            <a:r>
-              <a:rPr lang="en-US" altLang="zh-CN" dirty="0"/>
-              <a:t>noise.</a:t>
-            </a:r>
-            <a:endParaRPr lang="en-US" dirty="0"/>
+              <a:rPr lang="en-US" dirty="0"/>
+              <a:t>﻿Some of Adam’s advantages are that the magnitudes of parameter updates are invariant to rescaling of the gradient, its step</a:t>
+            </a:r>
+            <a:r>
+              <a:rPr lang="zh-CN" altLang="en-US" dirty="0"/>
+              <a:t> </a:t>
+            </a:r>
+            <a:r>
+              <a:rPr lang="en-US" dirty="0"/>
+              <a:t>sizes are approximately bounded by the step</a:t>
+            </a:r>
+            <a:r>
+              <a:rPr lang="zh-CN" altLang="en-US" dirty="0"/>
+              <a:t> </a:t>
+            </a:r>
+            <a:r>
+              <a:rPr lang="en-US" dirty="0"/>
+              <a:t>size hyperparameter, it does not require a stationary objective, it works with sparse gradients, and it naturally performs a form of step size annealing.</a:t>
+            </a:r>
           </a:p>
         </p:txBody>
       </p:sp>
     </p:spTree>
     <p:extLst>
       <p:ext uri="{BB962C8B-B14F-4D97-AF65-F5344CB8AC3E}">
-        <p14:creationId xmlns:p14="http://schemas.microsoft.com/office/powerpoint/2010/main" val="3598025904"/>
+        <p14:creationId xmlns:p14="http://schemas.microsoft.com/office/powerpoint/2010/main" val="2970607653"/>
       </p:ext>
     </p:extLst>
   </p:cSld>
@@ -9988,7 +10416,7 @@
           <p:cNvPr id="2" name="Title 1">
             <a:extLst>
               <a:ext uri="{FF2B5EF4-FFF2-40B4-BE49-F238E27FC236}">
-                <a16:creationId xmlns:a16="http://schemas.microsoft.com/office/drawing/2014/main" id="{28E77A33-13E3-4778-AFD2-7DEED31A32A9}"/>
+                <a16:creationId xmlns:a16="http://schemas.microsoft.com/office/drawing/2014/main" id="{B23175B0-907F-4455-A4CE-FA99EDF32089}"/>
               </a:ext>
             </a:extLst>
           </p:cNvPr>
@@ -9999,39 +10427,53 @@
             <p:ph type="title"/>
           </p:nvPr>
         </p:nvSpPr>
-        <p:spPr>
-          <a:xfrm>
-            <a:off x="1785352" y="5550221"/>
-            <a:ext cx="2043863" cy="640080"/>
-          </a:xfrm>
-        </p:spPr>
+        <p:spPr/>
         <p:txBody>
           <a:bodyPr/>
           <a:lstStyle/>
           <a:p>
-            <a:r>
-              <a:rPr lang="en-US" altLang="zh-CN" dirty="0"/>
-              <a:t>fig.1</a:t>
-            </a:r>
-            <a:endParaRPr lang="en-US" dirty="0"/>
+            <a:endParaRPr lang="en-US" dirty="0"/>
+          </a:p>
+        </p:txBody>
+      </p:sp>
+      <p:sp>
+        <p:nvSpPr>
+          <p:cNvPr id="3" name="Content Placeholder 2">
+            <a:extLst>
+              <a:ext uri="{FF2B5EF4-FFF2-40B4-BE49-F238E27FC236}">
+                <a16:creationId xmlns:a16="http://schemas.microsoft.com/office/drawing/2014/main" id="{E98F2B05-D5B4-BB40-9C5E-FDAA03146DE4}"/>
+              </a:ext>
+            </a:extLst>
+          </p:cNvPr>
+          <p:cNvSpPr>
+            <a:spLocks noGrp="1"/>
+          </p:cNvSpPr>
+          <p:nvPr>
+            <p:ph sz="quarter" idx="10"/>
+          </p:nvPr>
+        </p:nvSpPr>
+        <p:spPr/>
+        <p:txBody>
+          <a:bodyPr/>
+          <a:lstStyle/>
+          <a:p>
+            <a:endParaRPr lang="en-CN"/>
           </a:p>
         </p:txBody>
       </p:sp>
       <p:pic>
         <p:nvPicPr>
-          <p:cNvPr id="4" name="Content Placeholder 3">
+          <p:cNvPr id="8" name="Picture 7">
             <a:extLst>
               <a:ext uri="{FF2B5EF4-FFF2-40B4-BE49-F238E27FC236}">
-                <a16:creationId xmlns:a16="http://schemas.microsoft.com/office/drawing/2014/main" id="{2C58965F-28AF-5244-81BE-BF3540CCD05B}"/>
+                <a16:creationId xmlns:a16="http://schemas.microsoft.com/office/drawing/2014/main" id="{8CAA0038-CDD1-454C-9216-F6D9E320FECF}"/>
               </a:ext>
             </a:extLst>
           </p:cNvPr>
           <p:cNvPicPr>
-            <a:picLocks noGrp="1" noChangeAspect="1"/>
+            <a:picLocks noChangeAspect="1"/>
           </p:cNvPicPr>
-          <p:nvPr>
-            <p:ph sz="quarter" idx="10"/>
-          </p:nvPr>
+          <p:nvPr/>
         </p:nvPicPr>
         <p:blipFill>
           <a:blip r:embed="rId3"/>
@@ -10041,227 +10483,18 @@
         </p:blipFill>
         <p:spPr>
           <a:xfrm>
-            <a:off x="521207" y="1307779"/>
-            <a:ext cx="4287147" cy="3978275"/>
+            <a:off x="798651" y="269139"/>
+            <a:ext cx="10245401" cy="6339696"/>
           </a:xfrm>
           <a:prstGeom prst="rect">
             <a:avLst/>
           </a:prstGeom>
         </p:spPr>
       </p:pic>
-      <p:pic>
-        <p:nvPicPr>
-          <p:cNvPr id="5" name="Picture 4">
-            <a:extLst>
-              <a:ext uri="{FF2B5EF4-FFF2-40B4-BE49-F238E27FC236}">
-                <a16:creationId xmlns:a16="http://schemas.microsoft.com/office/drawing/2014/main" id="{AE7B18EC-AEF1-C845-924E-B0896E3E104E}"/>
-              </a:ext>
-            </a:extLst>
-          </p:cNvPr>
-          <p:cNvPicPr>
-            <a:picLocks noChangeAspect="1"/>
-          </p:cNvPicPr>
-          <p:nvPr/>
-        </p:nvPicPr>
-        <p:blipFill>
-          <a:blip r:embed="rId4"/>
-          <a:stretch>
-            <a:fillRect/>
-          </a:stretch>
-        </p:blipFill>
-        <p:spPr>
-          <a:xfrm>
-            <a:off x="4659746" y="2045389"/>
-            <a:ext cx="7241880" cy="3061001"/>
-          </a:xfrm>
-          <a:prstGeom prst="rect">
-            <a:avLst/>
-          </a:prstGeom>
-        </p:spPr>
-      </p:pic>
-      <p:sp>
-        <p:nvSpPr>
-          <p:cNvPr id="6" name="Title 1">
-            <a:extLst>
-              <a:ext uri="{FF2B5EF4-FFF2-40B4-BE49-F238E27FC236}">
-                <a16:creationId xmlns:a16="http://schemas.microsoft.com/office/drawing/2014/main" id="{1E4C0EB7-E26C-5A4F-889A-F1064AED92C8}"/>
-              </a:ext>
-            </a:extLst>
-          </p:cNvPr>
-          <p:cNvSpPr txBox="1">
-            <a:spLocks/>
-          </p:cNvSpPr>
-          <p:nvPr/>
-        </p:nvSpPr>
-        <p:spPr>
-          <a:xfrm>
-            <a:off x="5892235" y="5550221"/>
-            <a:ext cx="2043863" cy="640080"/>
-          </a:xfrm>
-          <a:prstGeom prst="rect">
-            <a:avLst/>
-          </a:prstGeom>
-        </p:spPr>
-        <p:txBody>
-          <a:bodyPr vert="horz" lIns="91440" tIns="45720" rIns="91440" bIns="45720" rtlCol="0" anchor="b" anchorCtr="0">
-            <a:normAutofit/>
-          </a:bodyPr>
-          <a:lstStyle>
-            <a:lvl1pPr algn="l" defTabSz="914400" rtl="0" eaLnBrk="1" latinLnBrk="0" hangingPunct="1">
-              <a:lnSpc>
-                <a:spcPct val="90000"/>
-              </a:lnSpc>
-              <a:spcBef>
-                <a:spcPct val="0"/>
-              </a:spcBef>
-              <a:buNone/>
-              <a:defRPr sz="2800" kern="1200">
-                <a:solidFill>
-                  <a:schemeClr val="bg2">
-                    <a:lumMod val="25000"/>
-                  </a:schemeClr>
-                </a:solidFill>
-                <a:latin typeface="+mj-lt"/>
-                <a:ea typeface="+mj-ea"/>
-                <a:cs typeface="+mj-cs"/>
-              </a:defRPr>
-            </a:lvl1pPr>
-          </a:lstStyle>
-          <a:p>
-            <a:r>
-              <a:rPr lang="en-US" altLang="zh-CN" dirty="0"/>
-              <a:t>fig.2.a</a:t>
-            </a:r>
-            <a:endParaRPr lang="en-US" dirty="0"/>
-          </a:p>
-        </p:txBody>
-      </p:sp>
-      <p:sp>
-        <p:nvSpPr>
-          <p:cNvPr id="7" name="Title 1">
-            <a:extLst>
-              <a:ext uri="{FF2B5EF4-FFF2-40B4-BE49-F238E27FC236}">
-                <a16:creationId xmlns:a16="http://schemas.microsoft.com/office/drawing/2014/main" id="{6E56D5A1-2413-3C43-B30D-1B3E1CD68562}"/>
-              </a:ext>
-            </a:extLst>
-          </p:cNvPr>
-          <p:cNvSpPr txBox="1">
-            <a:spLocks/>
-          </p:cNvSpPr>
-          <p:nvPr/>
-        </p:nvSpPr>
-        <p:spPr>
-          <a:xfrm>
-            <a:off x="9751716" y="5550221"/>
-            <a:ext cx="2043863" cy="640080"/>
-          </a:xfrm>
-          <a:prstGeom prst="rect">
-            <a:avLst/>
-          </a:prstGeom>
-        </p:spPr>
-        <p:txBody>
-          <a:bodyPr vert="horz" lIns="91440" tIns="45720" rIns="91440" bIns="45720" rtlCol="0" anchor="b" anchorCtr="0">
-            <a:normAutofit/>
-          </a:bodyPr>
-          <a:lstStyle>
-            <a:lvl1pPr algn="l" defTabSz="914400" rtl="0" eaLnBrk="1" latinLnBrk="0" hangingPunct="1">
-              <a:lnSpc>
-                <a:spcPct val="90000"/>
-              </a:lnSpc>
-              <a:spcBef>
-                <a:spcPct val="0"/>
-              </a:spcBef>
-              <a:buNone/>
-              <a:defRPr sz="2800" kern="1200">
-                <a:solidFill>
-                  <a:schemeClr val="bg2">
-                    <a:lumMod val="25000"/>
-                  </a:schemeClr>
-                </a:solidFill>
-                <a:latin typeface="+mj-lt"/>
-                <a:ea typeface="+mj-ea"/>
-                <a:cs typeface="+mj-cs"/>
-              </a:defRPr>
-            </a:lvl1pPr>
-          </a:lstStyle>
-          <a:p>
-            <a:r>
-              <a:rPr lang="en-US" altLang="zh-CN" dirty="0"/>
-              <a:t>fig.2.b</a:t>
-            </a:r>
-            <a:endParaRPr lang="en-US" dirty="0"/>
-          </a:p>
-        </p:txBody>
-      </p:sp>
-      <p:sp>
-        <p:nvSpPr>
-          <p:cNvPr id="8" name="Title 1">
-            <a:extLst>
-              <a:ext uri="{FF2B5EF4-FFF2-40B4-BE49-F238E27FC236}">
-                <a16:creationId xmlns:a16="http://schemas.microsoft.com/office/drawing/2014/main" id="{DA2A31E3-A446-9446-AAFE-CA26EEBB5A77}"/>
-              </a:ext>
-            </a:extLst>
-          </p:cNvPr>
-          <p:cNvSpPr txBox="1">
-            <a:spLocks/>
-          </p:cNvSpPr>
-          <p:nvPr/>
-        </p:nvSpPr>
-        <p:spPr>
-          <a:xfrm>
-            <a:off x="521207" y="403532"/>
-            <a:ext cx="6877119" cy="640080"/>
-          </a:xfrm>
-          <a:prstGeom prst="rect">
-            <a:avLst/>
-          </a:prstGeom>
-        </p:spPr>
-        <p:txBody>
-          <a:bodyPr vert="horz" lIns="91440" tIns="45720" rIns="91440" bIns="45720" rtlCol="0" anchor="b" anchorCtr="0">
-            <a:normAutofit/>
-          </a:bodyPr>
-          <a:lstStyle>
-            <a:lvl1pPr algn="l" defTabSz="914400" rtl="0" eaLnBrk="1" latinLnBrk="0" hangingPunct="1">
-              <a:lnSpc>
-                <a:spcPct val="90000"/>
-              </a:lnSpc>
-              <a:spcBef>
-                <a:spcPct val="0"/>
-              </a:spcBef>
-              <a:buNone/>
-              <a:defRPr sz="2800" kern="1200">
-                <a:solidFill>
-                  <a:schemeClr val="bg2">
-                    <a:lumMod val="25000"/>
-                  </a:schemeClr>
-                </a:solidFill>
-                <a:latin typeface="+mj-lt"/>
-                <a:ea typeface="+mj-ea"/>
-                <a:cs typeface="+mj-cs"/>
-              </a:defRPr>
-            </a:lvl1pPr>
-          </a:lstStyle>
-          <a:p>
-            <a:r>
-              <a:rPr lang="en-US" dirty="0"/>
-              <a:t>Chart</a:t>
-            </a:r>
-            <a:r>
-              <a:rPr lang="zh-CN" altLang="en-US" dirty="0"/>
-              <a:t> </a:t>
-            </a:r>
-            <a:r>
-              <a:rPr lang="en-US" altLang="zh-CN" dirty="0"/>
-              <a:t>Explanation</a:t>
-            </a:r>
-            <a:endParaRPr lang="en-US" dirty="0"/>
-          </a:p>
-        </p:txBody>
-      </p:sp>
     </p:spTree>
     <p:extLst>
       <p:ext uri="{BB962C8B-B14F-4D97-AF65-F5344CB8AC3E}">
-        <p14:creationId xmlns:p14="http://schemas.microsoft.com/office/powerpoint/2010/main" val="221961260"/>
+        <p14:creationId xmlns:p14="http://schemas.microsoft.com/office/powerpoint/2010/main" val="2310708277"/>
       </p:ext>
     </p:extLst>
   </p:cSld>

--- a/presentation/submission2_optimization.pptx
+++ b/presentation/submission2_optimization.pptx
@@ -282,7 +282,7 @@
           <a:p>
             <a:fld id="{80680FBE-A8DF-4758-9AC4-3A9E1039168F}" type="datetimeFigureOut">
               <a:rPr lang="en-US" smtClean="0"/>
-              <a:t>2/25/2020</a:t>
+              <a:t>2/25/20</a:t>
             </a:fld>
             <a:endParaRPr lang="en-US" dirty="0"/>
           </a:p>
@@ -447,7 +447,7 @@
           <a:p>
             <a:fld id="{EC13577B-6902-467D-A26C-08A0DD5E4E03}" type="datetimeFigureOut">
               <a:rPr lang="en-US" smtClean="0"/>
-              <a:t>2/25/2020</a:t>
+              <a:t>2/25/20</a:t>
             </a:fld>
             <a:endParaRPr lang="en-US" dirty="0"/>
           </a:p>
@@ -2234,6 +2234,26 @@
           <a:bodyPr/>
           <a:lstStyle/>
           <a:p>
+            <a:r>
+              <a:rPr lang="en-CN" dirty="0"/>
+              <a:t>Adaptive</a:t>
+            </a:r>
+            <a:r>
+              <a:rPr lang="zh-CN" altLang="en-US" dirty="0"/>
+              <a:t> </a:t>
+            </a:r>
+            <a:r>
+              <a:rPr lang="en-US" altLang="zh-CN" dirty="0"/>
+              <a:t>Moment</a:t>
+            </a:r>
+            <a:r>
+              <a:rPr lang="zh-CN" altLang="en-US" dirty="0"/>
+              <a:t> </a:t>
+            </a:r>
+            <a:r>
+              <a:rPr lang="en-US" altLang="zh-CN" dirty="0"/>
+              <a:t>Estimation</a:t>
+            </a:r>
             <a:endParaRPr lang="en-CN" dirty="0"/>
           </a:p>
         </p:txBody>
@@ -2810,7 +2830,7 @@
             <a:fld id="{8BEEBAAA-29B5-4AF5-BC5F-7E580C29002D}" type="datetimeFigureOut">
               <a:rPr lang="en-US" smtClean="0"/>
               <a:pPr/>
-              <a:t>2/25/2020</a:t>
+              <a:t>2/25/20</a:t>
             </a:fld>
             <a:endParaRPr lang="en-US" dirty="0"/>
           </a:p>
@@ -2982,7 +3002,7 @@
             <a:fld id="{8BEEBAAA-29B5-4AF5-BC5F-7E580C29002D}" type="datetimeFigureOut">
               <a:rPr lang="en-US" smtClean="0"/>
               <a:pPr/>
-              <a:t>2/25/2020</a:t>
+              <a:t>2/25/20</a:t>
             </a:fld>
             <a:endParaRPr lang="en-US" dirty="0"/>
           </a:p>
@@ -3164,7 +3184,7 @@
             <a:fld id="{8BEEBAAA-29B5-4AF5-BC5F-7E580C29002D}" type="datetimeFigureOut">
               <a:rPr lang="en-US" smtClean="0"/>
               <a:pPr/>
-              <a:t>2/25/2020</a:t>
+              <a:t>2/25/20</a:t>
             </a:fld>
             <a:endParaRPr lang="en-US" dirty="0"/>
           </a:p>
@@ -3991,7 +4011,7 @@
             <a:fld id="{8BEEBAAA-29B5-4AF5-BC5F-7E580C29002D}" type="datetimeFigureOut">
               <a:rPr lang="en-US" smtClean="0"/>
               <a:pPr/>
-              <a:t>2/25/2020</a:t>
+              <a:t>2/25/20</a:t>
             </a:fld>
             <a:endParaRPr lang="en-US" dirty="0"/>
           </a:p>
@@ -4201,7 +4221,7 @@
             <a:fld id="{8BEEBAAA-29B5-4AF5-BC5F-7E580C29002D}" type="datetimeFigureOut">
               <a:rPr lang="en-US" smtClean="0"/>
               <a:pPr/>
-              <a:t>2/25/2020</a:t>
+              <a:t>2/25/20</a:t>
             </a:fld>
             <a:endParaRPr lang="en-US" dirty="0"/>
           </a:p>
@@ -4449,7 +4469,7 @@
             <a:fld id="{8BEEBAAA-29B5-4AF5-BC5F-7E580C29002D}" type="datetimeFigureOut">
               <a:rPr lang="en-US" smtClean="0"/>
               <a:pPr/>
-              <a:t>2/25/2020</a:t>
+              <a:t>2/25/20</a:t>
             </a:fld>
             <a:endParaRPr lang="en-US" dirty="0"/>
           </a:p>
@@ -4683,7 +4703,7 @@
             <a:fld id="{8BEEBAAA-29B5-4AF5-BC5F-7E580C29002D}" type="datetimeFigureOut">
               <a:rPr lang="en-US" smtClean="0"/>
               <a:pPr/>
-              <a:t>2/25/2020</a:t>
+              <a:t>2/25/20</a:t>
             </a:fld>
             <a:endParaRPr lang="en-US" dirty="0"/>
           </a:p>
@@ -5052,7 +5072,7 @@
             <a:fld id="{8BEEBAAA-29B5-4AF5-BC5F-7E580C29002D}" type="datetimeFigureOut">
               <a:rPr lang="en-US" smtClean="0"/>
               <a:pPr/>
-              <a:t>2/25/2020</a:t>
+              <a:t>2/25/20</a:t>
             </a:fld>
             <a:endParaRPr lang="en-US" dirty="0"/>
           </a:p>
@@ -5172,7 +5192,7 @@
             <a:fld id="{8BEEBAAA-29B5-4AF5-BC5F-7E580C29002D}" type="datetimeFigureOut">
               <a:rPr lang="en-US" smtClean="0"/>
               <a:pPr/>
-              <a:t>2/25/2020</a:t>
+              <a:t>2/25/20</a:t>
             </a:fld>
             <a:endParaRPr lang="en-US" dirty="0"/>
           </a:p>
@@ -5269,7 +5289,7 @@
             <a:fld id="{8BEEBAAA-29B5-4AF5-BC5F-7E580C29002D}" type="datetimeFigureOut">
               <a:rPr lang="en-US" smtClean="0"/>
               <a:pPr/>
-              <a:t>2/25/2020</a:t>
+              <a:t>2/25/20</a:t>
             </a:fld>
             <a:endParaRPr lang="en-US" dirty="0"/>
           </a:p>
@@ -5548,7 +5568,7 @@
             <a:fld id="{8BEEBAAA-29B5-4AF5-BC5F-7E580C29002D}" type="datetimeFigureOut">
               <a:rPr lang="en-US" smtClean="0"/>
               <a:pPr/>
-              <a:t>2/25/2020</a:t>
+              <a:t>2/25/20</a:t>
             </a:fld>
             <a:endParaRPr lang="en-US" dirty="0"/>
           </a:p>
@@ -5807,7 +5827,7 @@
             <a:fld id="{8BEEBAAA-29B5-4AF5-BC5F-7E580C29002D}" type="datetimeFigureOut">
               <a:rPr lang="en-US" smtClean="0"/>
               <a:pPr/>
-              <a:t>2/25/2020</a:t>
+              <a:t>2/25/20</a:t>
             </a:fld>
             <a:endParaRPr lang="en-US" dirty="0"/>
           </a:p>
@@ -6022,7 +6042,7 @@
             <a:fld id="{8BEEBAAA-29B5-4AF5-BC5F-7E580C29002D}" type="datetimeFigureOut">
               <a:rPr lang="en-US" smtClean="0"/>
               <a:pPr/>
-              <a:t>2/25/2020</a:t>
+              <a:t>2/25/20</a:t>
             </a:fld>
             <a:endParaRPr lang="en-US" dirty="0"/>
           </a:p>
@@ -9884,7 +9904,47 @@
                 </a:r>
                 <a:r>
                   <a:rPr lang="en-US" altLang="zh-CN" dirty="0"/>
-                  <a:t>dataset.</a:t>
+                  <a:t>dataset,</a:t>
+                </a:r>
+                <a:r>
+                  <a:rPr lang="zh-CN" altLang="en-US" dirty="0"/>
+                  <a:t> </a:t>
+                </a:r>
+                <a:r>
+                  <a:rPr lang="en-US" altLang="zh-CN" dirty="0"/>
+                  <a:t>slow,</a:t>
+                </a:r>
+                <a:r>
+                  <a:rPr lang="zh-CN" altLang="en-US" dirty="0"/>
+                  <a:t> </a:t>
+                </a:r>
+                <a:r>
+                  <a:rPr lang="en-US" altLang="zh-CN" dirty="0"/>
+                  <a:t>doesn’t</a:t>
+                </a:r>
+                <a:r>
+                  <a:rPr lang="zh-CN" altLang="en-US" dirty="0"/>
+                  <a:t> </a:t>
+                </a:r>
+                <a:r>
+                  <a:rPr lang="en-US" altLang="zh-CN" dirty="0"/>
+                  <a:t>support</a:t>
+                </a:r>
+                <a:r>
+                  <a:rPr lang="zh-CN" altLang="en-US" dirty="0"/>
+                  <a:t> </a:t>
+                </a:r>
+                <a:r>
+                  <a:rPr lang="en-US" altLang="zh-CN" dirty="0"/>
+                  <a:t>online</a:t>
+                </a:r>
+                <a:r>
+                  <a:rPr lang="zh-CN" altLang="en-US" dirty="0"/>
+                  <a:t> </a:t>
+                </a:r>
+                <a:r>
+                  <a:rPr lang="en-US" altLang="zh-CN" dirty="0"/>
+                  <a:t>updated</a:t>
                 </a:r>
               </a:p>
               <a:p>
@@ -10144,7 +10204,55 @@
                 </a:pPr>
                 <a:r>
                   <a:rPr lang="en-US" altLang="zh-CN" dirty="0"/>
-                  <a:t>﻿</a:t>
+                  <a:t>﻿take</a:t>
+                </a:r>
+                <a:r>
+                  <a:rPr lang="zh-CN" altLang="en-US" dirty="0"/>
+                  <a:t> </a:t>
+                </a:r>
+                <a:r>
+                  <a:rPr lang="en-US" altLang="zh-CN" dirty="0"/>
+                  <a:t>the</a:t>
+                </a:r>
+                <a:r>
+                  <a:rPr lang="zh-CN" altLang="en-US" dirty="0"/>
+                  <a:t> </a:t>
+                </a:r>
+                <a:r>
+                  <a:rPr lang="en-US" altLang="zh-CN" dirty="0"/>
+                  <a:t>advantages</a:t>
+                </a:r>
+                <a:r>
+                  <a:rPr lang="zh-CN" altLang="en-US" dirty="0"/>
+                  <a:t> </a:t>
+                </a:r>
+                <a:r>
+                  <a:rPr lang="en-US" altLang="zh-CN" dirty="0"/>
+                  <a:t>of</a:t>
+                </a:r>
+                <a:r>
+                  <a:rPr lang="zh-CN" altLang="en-US" dirty="0"/>
+                  <a:t> </a:t>
+                </a:r>
+                <a:r>
+                  <a:rPr lang="en-US" altLang="zh-CN" dirty="0"/>
+                  <a:t>both</a:t>
+                </a:r>
+                <a:r>
+                  <a:rPr lang="zh-CN" altLang="en-US" dirty="0"/>
+                  <a:t> </a:t>
+                </a:r>
+                <a:r>
+                  <a:rPr lang="en-US" altLang="zh-CN" dirty="0"/>
+                  <a:t>above</a:t>
+                </a:r>
+                <a:r>
+                  <a:rPr lang="zh-CN" altLang="en-US" dirty="0"/>
+                  <a:t> </a:t>
+                </a:r>
+                <a:r>
+                  <a:rPr lang="en-US" altLang="zh-CN" dirty="0"/>
+                  <a:t>methods</a:t>
                 </a:r>
                 <a:endParaRPr lang="en-US" dirty="0"/>
               </a:p>
@@ -10177,7 +10285,7 @@
               <a:blipFill>
                 <a:blip r:embed="rId3"/>
                 <a:stretch>
-                  <a:fillRect l="-487" t="-825" b="-1815"/>
+                  <a:fillRect l="-450" t="-342" b="-1712"/>
                 </a:stretch>
               </a:blipFill>
             </p:spPr>
@@ -10186,7 +10294,7 @@
               <a:lstStyle/>
               <a:p>
                 <a:r>
-                  <a:rPr lang="en-US">
+                  <a:rPr lang="en-CN">
                     <a:noFill/>
                   </a:rPr>
                   <a:t> </a:t>
@@ -11322,21 +11430,21 @@
 </file>
 
 <file path=customXml/item1.xml><?xml version="1.0" encoding="utf-8"?>
+<p:properties xmlns:p="http://schemas.microsoft.com/office/2006/metadata/properties" xmlns:xsi="http://www.w3.org/2001/XMLSchema-instance" xmlns:pc="http://schemas.microsoft.com/office/infopath/2007/PartnerControls">
+  <documentManagement>
+    <Status xmlns="71af3243-3dd4-4a8d-8c0d-dd76da1f02a5">Not started</Status>
+    <MediaServiceKeyPoints xmlns="71af3243-3dd4-4a8d-8c0d-dd76da1f02a5" xsi:nil="true"/>
+  </documentManagement>
+</p:properties>
+</file>
+
+<file path=customXml/item2.xml><?xml version="1.0" encoding="utf-8"?>
 <?mso-contentType ?>
 <FormTemplates xmlns="http://schemas.microsoft.com/sharepoint/v3/contenttype/forms">
   <Display>DocumentLibraryForm</Display>
   <Edit>DocumentLibraryForm</Edit>
   <New>DocumentLibraryForm</New>
 </FormTemplates>
-</file>
-
-<file path=customXml/item2.xml><?xml version="1.0" encoding="utf-8"?>
-<p:properties xmlns:p="http://schemas.microsoft.com/office/2006/metadata/properties" xmlns:xsi="http://www.w3.org/2001/XMLSchema-instance" xmlns:pc="http://schemas.microsoft.com/office/infopath/2007/PartnerControls">
-  <documentManagement>
-    <Status xmlns="71af3243-3dd4-4a8d-8c0d-dd76da1f02a5">Not started</Status>
-    <MediaServiceKeyPoints xmlns="71af3243-3dd4-4a8d-8c0d-dd76da1f02a5" xsi:nil="true"/>
-  </documentManagement>
-</p:properties>
 </file>
 
 <file path=customXml/item3.xml><?xml version="1.0" encoding="utf-8"?>
@@ -11561,19 +11669,19 @@
 </file>
 
 <file path=customXml/itemProps1.xml><?xml version="1.0" encoding="utf-8"?>
-<ds:datastoreItem xmlns:ds="http://schemas.openxmlformats.org/officeDocument/2006/customXml" ds:itemID="{7EE8C63A-4744-4DE4-BB49-0FF0B5375C60}">
+<ds:datastoreItem xmlns:ds="http://schemas.openxmlformats.org/officeDocument/2006/customXml" ds:itemID="{950072C5-DDE0-4258-BA7A-4D4B80DFA632}">
   <ds:schemaRefs>
-    <ds:schemaRef ds:uri="http://schemas.microsoft.com/sharepoint/v3/contenttype/forms"/>
+    <ds:schemaRef ds:uri="http://schemas.microsoft.com/office/2006/metadata/properties"/>
+    <ds:schemaRef ds:uri="http://schemas.microsoft.com/office/infopath/2007/PartnerControls"/>
+    <ds:schemaRef ds:uri="71af3243-3dd4-4a8d-8c0d-dd76da1f02a5"/>
   </ds:schemaRefs>
 </ds:datastoreItem>
 </file>
 
 <file path=customXml/itemProps2.xml><?xml version="1.0" encoding="utf-8"?>
-<ds:datastoreItem xmlns:ds="http://schemas.openxmlformats.org/officeDocument/2006/customXml" ds:itemID="{950072C5-DDE0-4258-BA7A-4D4B80DFA632}">
+<ds:datastoreItem xmlns:ds="http://schemas.openxmlformats.org/officeDocument/2006/customXml" ds:itemID="{7EE8C63A-4744-4DE4-BB49-0FF0B5375C60}">
   <ds:schemaRefs>
-    <ds:schemaRef ds:uri="http://schemas.microsoft.com/office/2006/metadata/properties"/>
-    <ds:schemaRef ds:uri="http://schemas.microsoft.com/office/infopath/2007/PartnerControls"/>
-    <ds:schemaRef ds:uri="71af3243-3dd4-4a8d-8c0d-dd76da1f02a5"/>
+    <ds:schemaRef ds:uri="http://schemas.microsoft.com/sharepoint/v3/contenttype/forms"/>
   </ds:schemaRefs>
 </ds:datastoreItem>
 </file>
